--- a/All-in-One_Display_Camera_Introduction_A4_20190815.pptx
+++ b/All-in-One_Display_Camera_Introduction_A4_20190815.pptx
@@ -1,29 +1,19 @@
 
 <file path=ppt/presentation.xml><?xml version="1.0" encoding="utf-8"?>
-<p:presentation xmlns:a="http://schemas.openxmlformats.org/drawingml/2006/main" xmlns:r="http://schemas.openxmlformats.org/officeDocument/2006/relationships" xmlns:mc="http://schemas.openxmlformats.org/markup-compatibility/2006" xmlns:mv="urn:schemas-microsoft-com:mac:vml" xmlns:p="http://schemas.openxmlformats.org/presentationml/2006/main" xmlns:c="http://schemas.openxmlformats.org/drawingml/2006/chart" xmlns:dgm="http://schemas.openxmlformats.org/drawingml/2006/diagram" xmlns:o="urn:schemas-microsoft-com:office:office" xmlns:v="urn:schemas-microsoft-com:vml" xmlns:pvml="urn:schemas-microsoft-com:office:powerpoint" xmlns:com="http://schemas.openxmlformats.org/drawingml/2006/compatibility" xmlns:p14="http://schemas.microsoft.com/office/powerpoint/2010/main" xmlns:p15="http://schemas.microsoft.com/office/powerpoint/2012/main" autoCompressPictures="0" embedTrueTypeFonts="1" strictFirstAndLastChars="0" saveSubsetFonts="1">
+<p:presentation xmlns:a="http://schemas.openxmlformats.org/drawingml/2006/main" xmlns:r="http://schemas.openxmlformats.org/officeDocument/2006/relationships" xmlns:p="http://schemas.openxmlformats.org/presentationml/2006/main" strictFirstAndLastChars="0" embedTrueTypeFonts="1" saveSubsetFonts="1" autoCompressPictures="0">
   <p:sldMasterIdLst>
-    <p:sldMasterId id="2147483659" r:id="rId4"/>
+    <p:sldMasterId id="2147483659" r:id="rId1"/>
   </p:sldMasterIdLst>
   <p:notesMasterIdLst>
-    <p:notesMasterId r:id="rId5"/>
+    <p:notesMasterId r:id="rId3"/>
   </p:notesMasterIdLst>
   <p:sldIdLst>
-    <p:sldId id="256" r:id="rId6"/>
-    <p:sldId id="257" r:id="rId7"/>
+    <p:sldId id="256" r:id="rId2"/>
   </p:sldIdLst>
-  <p:sldSz cy="7560000" cx="10692000"/>
-  <p:notesSz cx="7560000" cy="10692000"/>
-  <p:embeddedFontLst>
-    <p:embeddedFont>
-      <p:font typeface="Roboto"/>
-      <p:regular r:id="rId8"/>
-      <p:bold r:id="rId9"/>
-      <p:italic r:id="rId10"/>
-      <p:boldItalic r:id="rId11"/>
-    </p:embeddedFont>
-  </p:embeddedFontLst>
+  <p:sldSz cx="10691813" cy="7559675"/>
+  <p:notesSz cx="7104063" cy="10234613"/>
   <p:defaultTextStyle>
-    <a:defPPr lvl="0" marR="0" rtl="0" algn="l">
+    <a:defPPr marR="0" lvl="0" algn="l" rtl="0">
       <a:lnSpc>
         <a:spcPct val="100000"/>
       </a:lnSpc>
@@ -34,7 +24,7 @@
         <a:spcPts val="0"/>
       </a:spcAft>
     </a:defPPr>
-    <a:lvl1pPr lvl="0" marR="0" rtl="0" algn="l">
+    <a:lvl1pPr marR="0" lvl="0" algn="l" rtl="0">
       <a:lnSpc>
         <a:spcPct val="100000"/>
       </a:lnSpc>
@@ -48,7 +38,7 @@
         <a:srgbClr val="000000"/>
       </a:buClr>
       <a:buFont typeface="Arial"/>
-      <a:defRPr b="0" i="0" sz="1400" u="none" cap="none" strike="noStrike">
+      <a:defRPr sz="1400" b="0" i="0" u="none" strike="noStrike" cap="none">
         <a:solidFill>
           <a:srgbClr val="000000"/>
         </a:solidFill>
@@ -58,7 +48,7 @@
         <a:sym typeface="Arial"/>
       </a:defRPr>
     </a:lvl1pPr>
-    <a:lvl2pPr lvl="1" marR="0" rtl="0" algn="l">
+    <a:lvl2pPr marR="0" lvl="1" algn="l" rtl="0">
       <a:lnSpc>
         <a:spcPct val="100000"/>
       </a:lnSpc>
@@ -72,7 +62,7 @@
         <a:srgbClr val="000000"/>
       </a:buClr>
       <a:buFont typeface="Arial"/>
-      <a:defRPr b="0" i="0" sz="1400" u="none" cap="none" strike="noStrike">
+      <a:defRPr sz="1400" b="0" i="0" u="none" strike="noStrike" cap="none">
         <a:solidFill>
           <a:srgbClr val="000000"/>
         </a:solidFill>
@@ -82,7 +72,7 @@
         <a:sym typeface="Arial"/>
       </a:defRPr>
     </a:lvl2pPr>
-    <a:lvl3pPr lvl="2" marR="0" rtl="0" algn="l">
+    <a:lvl3pPr marR="0" lvl="2" algn="l" rtl="0">
       <a:lnSpc>
         <a:spcPct val="100000"/>
       </a:lnSpc>
@@ -96,7 +86,7 @@
         <a:srgbClr val="000000"/>
       </a:buClr>
       <a:buFont typeface="Arial"/>
-      <a:defRPr b="0" i="0" sz="1400" u="none" cap="none" strike="noStrike">
+      <a:defRPr sz="1400" b="0" i="0" u="none" strike="noStrike" cap="none">
         <a:solidFill>
           <a:srgbClr val="000000"/>
         </a:solidFill>
@@ -106,7 +96,7 @@
         <a:sym typeface="Arial"/>
       </a:defRPr>
     </a:lvl3pPr>
-    <a:lvl4pPr lvl="3" marR="0" rtl="0" algn="l">
+    <a:lvl4pPr marR="0" lvl="3" algn="l" rtl="0">
       <a:lnSpc>
         <a:spcPct val="100000"/>
       </a:lnSpc>
@@ -120,7 +110,7 @@
         <a:srgbClr val="000000"/>
       </a:buClr>
       <a:buFont typeface="Arial"/>
-      <a:defRPr b="0" i="0" sz="1400" u="none" cap="none" strike="noStrike">
+      <a:defRPr sz="1400" b="0" i="0" u="none" strike="noStrike" cap="none">
         <a:solidFill>
           <a:srgbClr val="000000"/>
         </a:solidFill>
@@ -130,7 +120,7 @@
         <a:sym typeface="Arial"/>
       </a:defRPr>
     </a:lvl4pPr>
-    <a:lvl5pPr lvl="4" marR="0" rtl="0" algn="l">
+    <a:lvl5pPr marR="0" lvl="4" algn="l" rtl="0">
       <a:lnSpc>
         <a:spcPct val="100000"/>
       </a:lnSpc>
@@ -144,7 +134,7 @@
         <a:srgbClr val="000000"/>
       </a:buClr>
       <a:buFont typeface="Arial"/>
-      <a:defRPr b="0" i="0" sz="1400" u="none" cap="none" strike="noStrike">
+      <a:defRPr sz="1400" b="0" i="0" u="none" strike="noStrike" cap="none">
         <a:solidFill>
           <a:srgbClr val="000000"/>
         </a:solidFill>
@@ -154,7 +144,7 @@
         <a:sym typeface="Arial"/>
       </a:defRPr>
     </a:lvl5pPr>
-    <a:lvl6pPr lvl="5" marR="0" rtl="0" algn="l">
+    <a:lvl6pPr marR="0" lvl="5" algn="l" rtl="0">
       <a:lnSpc>
         <a:spcPct val="100000"/>
       </a:lnSpc>
@@ -168,7 +158,7 @@
         <a:srgbClr val="000000"/>
       </a:buClr>
       <a:buFont typeface="Arial"/>
-      <a:defRPr b="0" i="0" sz="1400" u="none" cap="none" strike="noStrike">
+      <a:defRPr sz="1400" b="0" i="0" u="none" strike="noStrike" cap="none">
         <a:solidFill>
           <a:srgbClr val="000000"/>
         </a:solidFill>
@@ -178,7 +168,7 @@
         <a:sym typeface="Arial"/>
       </a:defRPr>
     </a:lvl6pPr>
-    <a:lvl7pPr lvl="6" marR="0" rtl="0" algn="l">
+    <a:lvl7pPr marR="0" lvl="6" algn="l" rtl="0">
       <a:lnSpc>
         <a:spcPct val="100000"/>
       </a:lnSpc>
@@ -192,7 +182,7 @@
         <a:srgbClr val="000000"/>
       </a:buClr>
       <a:buFont typeface="Arial"/>
-      <a:defRPr b="0" i="0" sz="1400" u="none" cap="none" strike="noStrike">
+      <a:defRPr sz="1400" b="0" i="0" u="none" strike="noStrike" cap="none">
         <a:solidFill>
           <a:srgbClr val="000000"/>
         </a:solidFill>
@@ -202,7 +192,7 @@
         <a:sym typeface="Arial"/>
       </a:defRPr>
     </a:lvl7pPr>
-    <a:lvl8pPr lvl="7" marR="0" rtl="0" algn="l">
+    <a:lvl8pPr marR="0" lvl="7" algn="l" rtl="0">
       <a:lnSpc>
         <a:spcPct val="100000"/>
       </a:lnSpc>
@@ -216,7 +206,7 @@
         <a:srgbClr val="000000"/>
       </a:buClr>
       <a:buFont typeface="Arial"/>
-      <a:defRPr b="0" i="0" sz="1400" u="none" cap="none" strike="noStrike">
+      <a:defRPr sz="1400" b="0" i="0" u="none" strike="noStrike" cap="none">
         <a:solidFill>
           <a:srgbClr val="000000"/>
         </a:solidFill>
@@ -226,7 +216,7 @@
         <a:sym typeface="Arial"/>
       </a:defRPr>
     </a:lvl8pPr>
-    <a:lvl9pPr lvl="8" marR="0" rtl="0" algn="l">
+    <a:lvl9pPr marR="0" lvl="8" algn="l" rtl="0">
       <a:lnSpc>
         <a:spcPct val="100000"/>
       </a:lnSpc>
@@ -240,7 +230,7 @@
         <a:srgbClr val="000000"/>
       </a:buClr>
       <a:buFont typeface="Arial"/>
-      <a:defRPr b="0" i="0" sz="1400" u="none" cap="none" strike="noStrike">
+      <a:defRPr sz="1400" b="0" i="0" u="none" strike="noStrike" cap="none">
         <a:solidFill>
           <a:srgbClr val="000000"/>
         </a:solidFill>
@@ -255,11 +245,16 @@
 </file>
 
 <file path=ppt/notesMasters/notesMaster1.xml><?xml version="1.0" encoding="utf-8"?>
-<p:notesMaster xmlns:a="http://schemas.openxmlformats.org/drawingml/2006/main" xmlns:r="http://schemas.openxmlformats.org/officeDocument/2006/relationships" xmlns:mc="http://schemas.openxmlformats.org/markup-compatibility/2006" xmlns:mv="urn:schemas-microsoft-com:mac:vml" xmlns:p="http://schemas.openxmlformats.org/presentationml/2006/main" xmlns:c="http://schemas.openxmlformats.org/drawingml/2006/chart" xmlns:dgm="http://schemas.openxmlformats.org/drawingml/2006/diagram" xmlns:o="urn:schemas-microsoft-com:office:office" xmlns:v="urn:schemas-microsoft-com:vml" xmlns:pvml="urn:schemas-microsoft-com:office:powerpoint" xmlns:com="http://schemas.openxmlformats.org/drawingml/2006/compatibility" xmlns:p14="http://schemas.microsoft.com/office/powerpoint/2010/main" xmlns:p15="http://schemas.microsoft.com/office/powerpoint/2012/main">
+<p:notesMaster xmlns:a="http://schemas.openxmlformats.org/drawingml/2006/main" xmlns:r="http://schemas.openxmlformats.org/officeDocument/2006/relationships" xmlns:p="http://schemas.openxmlformats.org/presentationml/2006/main">
   <p:cSld>
+    <p:bg>
+      <p:bgRef idx="1001">
+        <a:schemeClr val="bg1"/>
+      </p:bgRef>
+    </p:bg>
     <p:spTree>
       <p:nvGrpSpPr>
-        <p:cNvPr id="2" name="Shape 2"/>
+        <p:cNvPr id="1" name="Shape 2"/>
         <p:cNvGrpSpPr/>
         <p:nvPr/>
       </p:nvGrpSpPr>
@@ -274,20 +269,26 @@
       <p:sp>
         <p:nvSpPr>
           <p:cNvPr id="3" name="Google Shape;3;n"/>
-          <p:cNvSpPr/>
+          <p:cNvSpPr>
+            <a:spLocks noGrp="1" noRot="1" noChangeAspect="1"/>
+          </p:cNvSpPr>
           <p:nvPr>
-            <p:ph idx="2" type="sldImg"/>
+            <p:ph type="sldImg" idx="2"/>
           </p:nvPr>
         </p:nvSpPr>
         <p:spPr>
           <a:xfrm>
-            <a:off x="1004480" y="685800"/>
-            <a:ext cx="4849800" cy="3429000"/>
+            <a:off x="903288" y="657225"/>
+            <a:ext cx="4638675" cy="3281363"/>
           </a:xfrm>
           <a:custGeom>
-            <a:rect b="b" l="l" r="r" t="t"/>
+            <a:avLst/>
+            <a:gdLst/>
+            <a:ahLst/>
+            <a:cxnLst/>
+            <a:rect l="l" t="t" r="r" b="b"/>
             <a:pathLst>
-              <a:path extrusionOk="0" h="120000" w="120000">
+              <a:path w="120000" h="120000" extrusionOk="0">
                 <a:moveTo>
                   <a:pt x="0" y="0"/>
                 </a:moveTo>
@@ -305,29 +306,31 @@
             </a:pathLst>
           </a:custGeom>
           <a:noFill/>
-          <a:ln cap="flat" cmpd="sng" w="9525">
+          <a:ln w="9525" cap="flat" cmpd="sng">
             <a:solidFill>
               <a:srgbClr val="000000"/>
             </a:solidFill>
             <a:prstDash val="solid"/>
             <a:round/>
-            <a:headEnd len="sm" w="sm" type="none"/>
-            <a:tailEnd len="sm" w="sm" type="none"/>
+            <a:headEnd type="none" w="sm" len="sm"/>
+            <a:tailEnd type="none" w="sm" len="sm"/>
           </a:ln>
         </p:spPr>
       </p:sp>
       <p:sp>
         <p:nvSpPr>
           <p:cNvPr id="4" name="Google Shape;4;n"/>
-          <p:cNvSpPr txBox="1"/>
+          <p:cNvSpPr txBox="1">
+            <a:spLocks noGrp="1"/>
+          </p:cNvSpPr>
           <p:nvPr>
-            <p:ph idx="1" type="body"/>
+            <p:ph type="body" idx="1"/>
           </p:nvPr>
         </p:nvSpPr>
         <p:spPr>
           <a:xfrm>
-            <a:off x="685800" y="4343400"/>
-            <a:ext cx="5486400" cy="4114800"/>
+            <a:off x="644468" y="4157669"/>
+            <a:ext cx="5155742" cy="3938844"/>
           </a:xfrm>
           <a:prstGeom prst="rect">
             <a:avLst/>
@@ -338,11 +341,11 @@
           </a:ln>
         </p:spPr>
         <p:txBody>
-          <a:bodyPr anchorCtr="0" anchor="t" bIns="91425" lIns="91425" spcFirstLastPara="1" rIns="91425" wrap="square" tIns="91425">
+          <a:bodyPr spcFirstLastPara="1" wrap="square" lIns="86845" tIns="86845" rIns="86845" bIns="86845" anchor="t" anchorCtr="0">
             <a:noAutofit/>
           </a:bodyPr>
           <a:lstStyle>
-            <a:lvl1pPr indent="-317500" lvl="0" marL="457200">
+            <a:lvl1pPr marL="457200" lvl="0" indent="-317500">
               <a:spcBef>
                 <a:spcPts val="0"/>
               </a:spcBef>
@@ -353,7 +356,7 @@
               <a:buChar char="●"/>
               <a:defRPr sz="1100"/>
             </a:lvl1pPr>
-            <a:lvl2pPr indent="-317500" lvl="1" marL="914400">
+            <a:lvl2pPr marL="914400" lvl="1" indent="-317500">
               <a:spcBef>
                 <a:spcPts val="0"/>
               </a:spcBef>
@@ -364,7 +367,7 @@
               <a:buChar char="○"/>
               <a:defRPr sz="1100"/>
             </a:lvl2pPr>
-            <a:lvl3pPr indent="-317500" lvl="2" marL="1371600">
+            <a:lvl3pPr marL="1371600" lvl="2" indent="-317500">
               <a:spcBef>
                 <a:spcPts val="0"/>
               </a:spcBef>
@@ -375,7 +378,7 @@
               <a:buChar char="■"/>
               <a:defRPr sz="1100"/>
             </a:lvl3pPr>
-            <a:lvl4pPr indent="-317500" lvl="3" marL="1828800">
+            <a:lvl4pPr marL="1828800" lvl="3" indent="-317500">
               <a:spcBef>
                 <a:spcPts val="0"/>
               </a:spcBef>
@@ -386,7 +389,7 @@
               <a:buChar char="●"/>
               <a:defRPr sz="1100"/>
             </a:lvl4pPr>
-            <a:lvl5pPr indent="-317500" lvl="4" marL="2286000">
+            <a:lvl5pPr marL="2286000" lvl="4" indent="-317500">
               <a:spcBef>
                 <a:spcPts val="0"/>
               </a:spcBef>
@@ -397,7 +400,7 @@
               <a:buChar char="○"/>
               <a:defRPr sz="1100"/>
             </a:lvl5pPr>
-            <a:lvl6pPr indent="-317500" lvl="5" marL="2743200">
+            <a:lvl6pPr marL="2743200" lvl="5" indent="-317500">
               <a:spcBef>
                 <a:spcPts val="0"/>
               </a:spcBef>
@@ -408,7 +411,7 @@
               <a:buChar char="■"/>
               <a:defRPr sz="1100"/>
             </a:lvl6pPr>
-            <a:lvl7pPr indent="-317500" lvl="6" marL="3200400">
+            <a:lvl7pPr marL="3200400" lvl="6" indent="-317500">
               <a:spcBef>
                 <a:spcPts val="0"/>
               </a:spcBef>
@@ -419,7 +422,7 @@
               <a:buChar char="●"/>
               <a:defRPr sz="1100"/>
             </a:lvl7pPr>
-            <a:lvl8pPr indent="-317500" lvl="7" marL="3657600">
+            <a:lvl8pPr marL="3657600" lvl="7" indent="-317500">
               <a:spcBef>
                 <a:spcPts val="0"/>
               </a:spcBef>
@@ -430,7 +433,7 @@
               <a:buChar char="○"/>
               <a:defRPr sz="1100"/>
             </a:lvl8pPr>
-            <a:lvl9pPr indent="-317500" lvl="8" marL="4114800">
+            <a:lvl9pPr marL="4114800" lvl="8" indent="-317500">
               <a:spcBef>
                 <a:spcPts val="0"/>
               </a:spcBef>
@@ -442,14 +445,16 @@
               <a:defRPr sz="1100"/>
             </a:lvl9pPr>
           </a:lstStyle>
-          <a:p/>
+          <a:p>
+            <a:endParaRPr/>
+          </a:p>
         </p:txBody>
       </p:sp>
     </p:spTree>
   </p:cSld>
-  <p:clrMap accent1="accent1" accent2="accent2" accent3="accent3" accent4="accent4" accent5="accent5" accent6="accent6" bg1="lt1" bg2="dk2" tx1="dk1" tx2="lt2" folHlink="folHlink" hlink="hlink"/>
+  <p:clrMap bg1="lt1" tx1="dk1" bg2="dk2" tx2="lt2" accent1="accent1" accent2="accent2" accent3="accent3" accent4="accent4" accent5="accent5" accent6="accent6" hlink="hlink" folHlink="folHlink"/>
   <p:notesStyle>
-    <a:defPPr lvl="0" marR="0" rtl="0" algn="l">
+    <a:defPPr marR="0" lvl="0" algn="l" rtl="0">
       <a:lnSpc>
         <a:spcPct val="100000"/>
       </a:lnSpc>
@@ -460,7 +465,7 @@
         <a:spcPts val="0"/>
       </a:spcAft>
     </a:defPPr>
-    <a:lvl1pPr lvl="0" marR="0" rtl="0" algn="l">
+    <a:lvl1pPr marR="0" lvl="0" algn="l" rtl="0">
       <a:lnSpc>
         <a:spcPct val="100000"/>
       </a:lnSpc>
@@ -474,7 +479,7 @@
         <a:srgbClr val="000000"/>
       </a:buClr>
       <a:buFont typeface="Arial"/>
-      <a:defRPr b="0" i="0" sz="1400" u="none" cap="none" strike="noStrike">
+      <a:defRPr sz="1400" b="0" i="0" u="none" strike="noStrike" cap="none">
         <a:solidFill>
           <a:srgbClr val="000000"/>
         </a:solidFill>
@@ -484,7 +489,7 @@
         <a:sym typeface="Arial"/>
       </a:defRPr>
     </a:lvl1pPr>
-    <a:lvl2pPr lvl="1" marR="0" rtl="0" algn="l">
+    <a:lvl2pPr marR="0" lvl="1" algn="l" rtl="0">
       <a:lnSpc>
         <a:spcPct val="100000"/>
       </a:lnSpc>
@@ -498,7 +503,7 @@
         <a:srgbClr val="000000"/>
       </a:buClr>
       <a:buFont typeface="Arial"/>
-      <a:defRPr b="0" i="0" sz="1400" u="none" cap="none" strike="noStrike">
+      <a:defRPr sz="1400" b="0" i="0" u="none" strike="noStrike" cap="none">
         <a:solidFill>
           <a:srgbClr val="000000"/>
         </a:solidFill>
@@ -508,7 +513,7 @@
         <a:sym typeface="Arial"/>
       </a:defRPr>
     </a:lvl2pPr>
-    <a:lvl3pPr lvl="2" marR="0" rtl="0" algn="l">
+    <a:lvl3pPr marR="0" lvl="2" algn="l" rtl="0">
       <a:lnSpc>
         <a:spcPct val="100000"/>
       </a:lnSpc>
@@ -522,7 +527,7 @@
         <a:srgbClr val="000000"/>
       </a:buClr>
       <a:buFont typeface="Arial"/>
-      <a:defRPr b="0" i="0" sz="1400" u="none" cap="none" strike="noStrike">
+      <a:defRPr sz="1400" b="0" i="0" u="none" strike="noStrike" cap="none">
         <a:solidFill>
           <a:srgbClr val="000000"/>
         </a:solidFill>
@@ -532,7 +537,7 @@
         <a:sym typeface="Arial"/>
       </a:defRPr>
     </a:lvl3pPr>
-    <a:lvl4pPr lvl="3" marR="0" rtl="0" algn="l">
+    <a:lvl4pPr marR="0" lvl="3" algn="l" rtl="0">
       <a:lnSpc>
         <a:spcPct val="100000"/>
       </a:lnSpc>
@@ -546,7 +551,7 @@
         <a:srgbClr val="000000"/>
       </a:buClr>
       <a:buFont typeface="Arial"/>
-      <a:defRPr b="0" i="0" sz="1400" u="none" cap="none" strike="noStrike">
+      <a:defRPr sz="1400" b="0" i="0" u="none" strike="noStrike" cap="none">
         <a:solidFill>
           <a:srgbClr val="000000"/>
         </a:solidFill>
@@ -556,7 +561,7 @@
         <a:sym typeface="Arial"/>
       </a:defRPr>
     </a:lvl4pPr>
-    <a:lvl5pPr lvl="4" marR="0" rtl="0" algn="l">
+    <a:lvl5pPr marR="0" lvl="4" algn="l" rtl="0">
       <a:lnSpc>
         <a:spcPct val="100000"/>
       </a:lnSpc>
@@ -570,7 +575,7 @@
         <a:srgbClr val="000000"/>
       </a:buClr>
       <a:buFont typeface="Arial"/>
-      <a:defRPr b="0" i="0" sz="1400" u="none" cap="none" strike="noStrike">
+      <a:defRPr sz="1400" b="0" i="0" u="none" strike="noStrike" cap="none">
         <a:solidFill>
           <a:srgbClr val="000000"/>
         </a:solidFill>
@@ -580,7 +585,7 @@
         <a:sym typeface="Arial"/>
       </a:defRPr>
     </a:lvl5pPr>
-    <a:lvl6pPr lvl="5" marR="0" rtl="0" algn="l">
+    <a:lvl6pPr marR="0" lvl="5" algn="l" rtl="0">
       <a:lnSpc>
         <a:spcPct val="100000"/>
       </a:lnSpc>
@@ -594,7 +599,7 @@
         <a:srgbClr val="000000"/>
       </a:buClr>
       <a:buFont typeface="Arial"/>
-      <a:defRPr b="0" i="0" sz="1400" u="none" cap="none" strike="noStrike">
+      <a:defRPr sz="1400" b="0" i="0" u="none" strike="noStrike" cap="none">
         <a:solidFill>
           <a:srgbClr val="000000"/>
         </a:solidFill>
@@ -604,7 +609,7 @@
         <a:sym typeface="Arial"/>
       </a:defRPr>
     </a:lvl6pPr>
-    <a:lvl7pPr lvl="6" marR="0" rtl="0" algn="l">
+    <a:lvl7pPr marR="0" lvl="6" algn="l" rtl="0">
       <a:lnSpc>
         <a:spcPct val="100000"/>
       </a:lnSpc>
@@ -618,7 +623,7 @@
         <a:srgbClr val="000000"/>
       </a:buClr>
       <a:buFont typeface="Arial"/>
-      <a:defRPr b="0" i="0" sz="1400" u="none" cap="none" strike="noStrike">
+      <a:defRPr sz="1400" b="0" i="0" u="none" strike="noStrike" cap="none">
         <a:solidFill>
           <a:srgbClr val="000000"/>
         </a:solidFill>
@@ -628,7 +633,7 @@
         <a:sym typeface="Arial"/>
       </a:defRPr>
     </a:lvl7pPr>
-    <a:lvl8pPr lvl="7" marR="0" rtl="0" algn="l">
+    <a:lvl8pPr marR="0" lvl="7" algn="l" rtl="0">
       <a:lnSpc>
         <a:spcPct val="100000"/>
       </a:lnSpc>
@@ -642,7 +647,7 @@
         <a:srgbClr val="000000"/>
       </a:buClr>
       <a:buFont typeface="Arial"/>
-      <a:defRPr b="0" i="0" sz="1400" u="none" cap="none" strike="noStrike">
+      <a:defRPr sz="1400" b="0" i="0" u="none" strike="noStrike" cap="none">
         <a:solidFill>
           <a:srgbClr val="000000"/>
         </a:solidFill>
@@ -652,7 +657,7 @@
         <a:sym typeface="Arial"/>
       </a:defRPr>
     </a:lvl8pPr>
-    <a:lvl9pPr lvl="8" marR="0" rtl="0" algn="l">
+    <a:lvl9pPr marR="0" lvl="8" algn="l" rtl="0">
       <a:lnSpc>
         <a:spcPct val="100000"/>
       </a:lnSpc>
@@ -666,7 +671,7 @@
         <a:srgbClr val="000000"/>
       </a:buClr>
       <a:buFont typeface="Arial"/>
-      <a:defRPr b="0" i="0" sz="1400" u="none" cap="none" strike="noStrike">
+      <a:defRPr sz="1400" b="0" i="0" u="none" strike="noStrike" cap="none">
         <a:solidFill>
           <a:srgbClr val="000000"/>
         </a:solidFill>
@@ -681,11 +686,11 @@
 </file>
 
 <file path=ppt/notesSlides/notesSlide1.xml><?xml version="1.0" encoding="utf-8"?>
-<p:notes xmlns:a="http://schemas.openxmlformats.org/drawingml/2006/main" xmlns:r="http://schemas.openxmlformats.org/officeDocument/2006/relationships" xmlns:mc="http://schemas.openxmlformats.org/markup-compatibility/2006" xmlns:mv="urn:schemas-microsoft-com:mac:vml" xmlns:p="http://schemas.openxmlformats.org/presentationml/2006/main" xmlns:c="http://schemas.openxmlformats.org/drawingml/2006/chart" xmlns:dgm="http://schemas.openxmlformats.org/drawingml/2006/diagram" xmlns:o="urn:schemas-microsoft-com:office:office" xmlns:v="urn:schemas-microsoft-com:vml" xmlns:pvml="urn:schemas-microsoft-com:office:powerpoint" xmlns:com="http://schemas.openxmlformats.org/drawingml/2006/compatibility" xmlns:p14="http://schemas.microsoft.com/office/powerpoint/2010/main" xmlns:p15="http://schemas.microsoft.com/office/powerpoint/2012/main" showMasterPhAnim="0" showMasterSp="0">
+<p:notes xmlns:a="http://schemas.openxmlformats.org/drawingml/2006/main" xmlns:r="http://schemas.openxmlformats.org/officeDocument/2006/relationships" xmlns:p="http://schemas.openxmlformats.org/presentationml/2006/main" showMasterSp="0" showMasterPhAnim="0">
   <p:cSld>
     <p:spTree>
       <p:nvGrpSpPr>
-        <p:cNvPr id="50" name="Shape 50"/>
+        <p:cNvPr id="1" name="Shape 50"/>
         <p:cNvGrpSpPr/>
         <p:nvPr/>
       </p:nvGrpSpPr>
@@ -700,20 +705,26 @@
       <p:sp>
         <p:nvSpPr>
           <p:cNvPr id="51" name="Google Shape;51;g5f8ce4eee2_0_8:notes"/>
-          <p:cNvSpPr/>
+          <p:cNvSpPr>
+            <a:spLocks noGrp="1" noRot="1" noChangeAspect="1"/>
+          </p:cNvSpPr>
           <p:nvPr>
-            <p:ph idx="2" type="sldImg"/>
+            <p:ph type="sldImg" idx="2"/>
           </p:nvPr>
         </p:nvSpPr>
         <p:spPr>
           <a:xfrm>
-            <a:off x="1004480" y="685800"/>
-            <a:ext cx="4849800" cy="3429000"/>
+            <a:off x="903288" y="657225"/>
+            <a:ext cx="4638675" cy="3281363"/>
           </a:xfrm>
           <a:custGeom>
-            <a:rect b="b" l="l" r="r" t="t"/>
+            <a:avLst/>
+            <a:gdLst/>
+            <a:ahLst/>
+            <a:cxnLst/>
+            <a:rect l="l" t="t" r="r" b="b"/>
             <a:pathLst>
-              <a:path extrusionOk="0" h="120000" w="120000">
+              <a:path w="120000" h="120000" extrusionOk="0">
                 <a:moveTo>
                   <a:pt x="0" y="0"/>
                 </a:moveTo>
@@ -735,137 +746,31 @@
       <p:sp>
         <p:nvSpPr>
           <p:cNvPr id="52" name="Google Shape;52;g5f8ce4eee2_0_8:notes"/>
-          <p:cNvSpPr txBox="1"/>
+          <p:cNvSpPr txBox="1">
+            <a:spLocks noGrp="1"/>
+          </p:cNvSpPr>
           <p:nvPr>
-            <p:ph idx="1" type="body"/>
+            <p:ph type="body" idx="1"/>
           </p:nvPr>
         </p:nvSpPr>
         <p:spPr>
           <a:xfrm>
-            <a:off x="685800" y="4343400"/>
-            <a:ext cx="5486400" cy="4114800"/>
+            <a:off x="644468" y="4157669"/>
+            <a:ext cx="5155742" cy="3938844"/>
           </a:xfrm>
           <a:prstGeom prst="rect">
             <a:avLst/>
           </a:prstGeom>
         </p:spPr>
         <p:txBody>
-          <a:bodyPr anchorCtr="0" anchor="t" bIns="91425" lIns="91425" spcFirstLastPara="1" rIns="91425" wrap="square" tIns="91425">
+          <a:bodyPr spcFirstLastPara="1" wrap="square" lIns="86845" tIns="86845" rIns="86845" bIns="86845" anchor="t" anchorCtr="0">
             <a:noAutofit/>
           </a:bodyPr>
           <a:lstStyle/>
           <a:p>
-            <a:pPr indent="0" lvl="0" marL="0" rtl="0" algn="l">
-              <a:spcBef>
-                <a:spcPts val="0"/>
-              </a:spcBef>
-              <a:spcAft>
-                <a:spcPts val="0"/>
-              </a:spcAft>
+            <a:pPr marL="0" indent="0">
               <a:buNone/>
             </a:pPr>
-            <a:r>
-              <a:t/>
-            </a:r>
-            <a:endParaRPr/>
-          </a:p>
-        </p:txBody>
-      </p:sp>
-    </p:spTree>
-  </p:cSld>
-  <p:clrMapOvr>
-    <a:masterClrMapping/>
-  </p:clrMapOvr>
-</p:notes>
-</file>
-
-<file path=ppt/notesSlides/notesSlide2.xml><?xml version="1.0" encoding="utf-8"?>
-<p:notes xmlns:a="http://schemas.openxmlformats.org/drawingml/2006/main" xmlns:r="http://schemas.openxmlformats.org/officeDocument/2006/relationships" xmlns:mc="http://schemas.openxmlformats.org/markup-compatibility/2006" xmlns:mv="urn:schemas-microsoft-com:mac:vml" xmlns:p="http://schemas.openxmlformats.org/presentationml/2006/main" xmlns:c="http://schemas.openxmlformats.org/drawingml/2006/chart" xmlns:dgm="http://schemas.openxmlformats.org/drawingml/2006/diagram" xmlns:o="urn:schemas-microsoft-com:office:office" xmlns:v="urn:schemas-microsoft-com:vml" xmlns:pvml="urn:schemas-microsoft-com:office:powerpoint" xmlns:com="http://schemas.openxmlformats.org/drawingml/2006/compatibility" xmlns:p14="http://schemas.microsoft.com/office/powerpoint/2010/main" xmlns:p15="http://schemas.microsoft.com/office/powerpoint/2012/main" showMasterPhAnim="0" showMasterSp="0">
-  <p:cSld>
-    <p:spTree>
-      <p:nvGrpSpPr>
-        <p:cNvPr id="79" name="Shape 79"/>
-        <p:cNvGrpSpPr/>
-        <p:nvPr/>
-      </p:nvGrpSpPr>
-      <p:grpSpPr>
-        <a:xfrm>
-          <a:off x="0" y="0"/>
-          <a:ext cx="0" cy="0"/>
-          <a:chOff x="0" y="0"/>
-          <a:chExt cx="0" cy="0"/>
-        </a:xfrm>
-      </p:grpSpPr>
-      <p:sp>
-        <p:nvSpPr>
-          <p:cNvPr id="80" name="Google Shape;80;g5f8ce4eee2_0_58:notes"/>
-          <p:cNvSpPr/>
-          <p:nvPr>
-            <p:ph idx="2" type="sldImg"/>
-          </p:nvPr>
-        </p:nvSpPr>
-        <p:spPr>
-          <a:xfrm>
-            <a:off x="1004480" y="685800"/>
-            <a:ext cx="4849800" cy="3429000"/>
-          </a:xfrm>
-          <a:custGeom>
-            <a:rect b="b" l="l" r="r" t="t"/>
-            <a:pathLst>
-              <a:path extrusionOk="0" h="120000" w="120000">
-                <a:moveTo>
-                  <a:pt x="0" y="0"/>
-                </a:moveTo>
-                <a:lnTo>
-                  <a:pt x="120000" y="0"/>
-                </a:lnTo>
-                <a:lnTo>
-                  <a:pt x="120000" y="120000"/>
-                </a:lnTo>
-                <a:lnTo>
-                  <a:pt x="0" y="120000"/>
-                </a:lnTo>
-                <a:close/>
-              </a:path>
-            </a:pathLst>
-          </a:custGeom>
-        </p:spPr>
-      </p:sp>
-      <p:sp>
-        <p:nvSpPr>
-          <p:cNvPr id="81" name="Google Shape;81;g5f8ce4eee2_0_58:notes"/>
-          <p:cNvSpPr txBox="1"/>
-          <p:nvPr>
-            <p:ph idx="1" type="body"/>
-          </p:nvPr>
-        </p:nvSpPr>
-        <p:spPr>
-          <a:xfrm>
-            <a:off x="685800" y="4343400"/>
-            <a:ext cx="5486400" cy="4114800"/>
-          </a:xfrm>
-          <a:prstGeom prst="rect">
-            <a:avLst/>
-          </a:prstGeom>
-        </p:spPr>
-        <p:txBody>
-          <a:bodyPr anchorCtr="0" anchor="t" bIns="91425" lIns="91425" spcFirstLastPara="1" rIns="91425" wrap="square" tIns="91425">
-            <a:noAutofit/>
-          </a:bodyPr>
-          <a:lstStyle/>
-          <a:p>
-            <a:pPr indent="0" lvl="0" marL="0" rtl="0" algn="l">
-              <a:spcBef>
-                <a:spcPts val="0"/>
-              </a:spcBef>
-              <a:spcAft>
-                <a:spcPts val="0"/>
-              </a:spcAft>
-              <a:buNone/>
-            </a:pPr>
-            <a:r>
-              <a:t/>
-            </a:r>
             <a:endParaRPr/>
           </a:p>
         </p:txBody>
@@ -879,11 +784,11 @@
 </file>
 
 <file path=ppt/slideLayouts/slideLayout1.xml><?xml version="1.0" encoding="utf-8"?>
-<p:sldLayout xmlns:a="http://schemas.openxmlformats.org/drawingml/2006/main" xmlns:r="http://schemas.openxmlformats.org/officeDocument/2006/relationships" xmlns:mc="http://schemas.openxmlformats.org/markup-compatibility/2006" xmlns:mv="urn:schemas-microsoft-com:mac:vml" xmlns:p="http://schemas.openxmlformats.org/presentationml/2006/main" xmlns:c="http://schemas.openxmlformats.org/drawingml/2006/chart" xmlns:dgm="http://schemas.openxmlformats.org/drawingml/2006/diagram" xmlns:o="urn:schemas-microsoft-com:office:office" xmlns:v="urn:schemas-microsoft-com:vml" xmlns:pvml="urn:schemas-microsoft-com:office:powerpoint" xmlns:com="http://schemas.openxmlformats.org/drawingml/2006/compatibility" xmlns:p14="http://schemas.microsoft.com/office/powerpoint/2010/main" xmlns:p15="http://schemas.microsoft.com/office/powerpoint/2012/main" matchingName="Title slide" type="title">
+<p:sldLayout xmlns:a="http://schemas.openxmlformats.org/drawingml/2006/main" xmlns:r="http://schemas.openxmlformats.org/officeDocument/2006/relationships" xmlns:p="http://schemas.openxmlformats.org/presentationml/2006/main" matchingName="Title slide" type="title">
   <p:cSld name="TITLE">
     <p:spTree>
       <p:nvGrpSpPr>
-        <p:cNvPr id="9" name="Shape 9"/>
+        <p:cNvPr id="1" name="Shape 9"/>
         <p:cNvGrpSpPr/>
         <p:nvPr/>
       </p:nvGrpSpPr>
@@ -898,7 +803,9 @@
       <p:sp>
         <p:nvSpPr>
           <p:cNvPr id="10" name="Google Shape;10;p2"/>
-          <p:cNvSpPr txBox="1"/>
+          <p:cNvSpPr txBox="1">
+            <a:spLocks noGrp="1"/>
+          </p:cNvSpPr>
           <p:nvPr>
             <p:ph type="ctrTitle"/>
           </p:nvPr>
@@ -913,7 +820,7 @@
           </a:prstGeom>
         </p:spPr>
         <p:txBody>
-          <a:bodyPr anchorCtr="0" anchor="b" bIns="91425" lIns="91425" spcFirstLastPara="1" rIns="91425" wrap="square" tIns="91425">
+          <a:bodyPr spcFirstLastPara="1" wrap="square" lIns="91425" tIns="91425" rIns="91425" bIns="91425" anchor="b" anchorCtr="0">
             <a:noAutofit/>
           </a:bodyPr>
           <a:lstStyle>
@@ -1017,15 +924,19 @@
               <a:defRPr sz="5200"/>
             </a:lvl9pPr>
           </a:lstStyle>
-          <a:p/>
+          <a:p>
+            <a:endParaRPr/>
+          </a:p>
         </p:txBody>
       </p:sp>
       <p:sp>
         <p:nvSpPr>
           <p:cNvPr id="11" name="Google Shape;11;p2"/>
-          <p:cNvSpPr txBox="1"/>
+          <p:cNvSpPr txBox="1">
+            <a:spLocks noGrp="1"/>
+          </p:cNvSpPr>
           <p:nvPr>
-            <p:ph idx="1" type="subTitle"/>
+            <p:ph type="subTitle" idx="1"/>
           </p:nvPr>
         </p:nvSpPr>
         <p:spPr>
@@ -1038,7 +949,7 @@
           </a:prstGeom>
         </p:spPr>
         <p:txBody>
-          <a:bodyPr anchorCtr="0" anchor="t" bIns="91425" lIns="91425" spcFirstLastPara="1" rIns="91425" wrap="square" tIns="91425">
+          <a:bodyPr spcFirstLastPara="1" wrap="square" lIns="91425" tIns="91425" rIns="91425" bIns="91425" anchor="t" anchorCtr="0">
             <a:noAutofit/>
           </a:bodyPr>
           <a:lstStyle>
@@ -1169,15 +1080,19 @@
               <a:defRPr sz="2800"/>
             </a:lvl9pPr>
           </a:lstStyle>
-          <a:p/>
+          <a:p>
+            <a:endParaRPr/>
+          </a:p>
         </p:txBody>
       </p:sp>
       <p:sp>
         <p:nvSpPr>
           <p:cNvPr id="12" name="Google Shape;12;p2"/>
-          <p:cNvSpPr txBox="1"/>
+          <p:cNvSpPr txBox="1">
+            <a:spLocks noGrp="1"/>
+          </p:cNvSpPr>
           <p:nvPr>
-            <p:ph idx="12" type="sldNum"/>
+            <p:ph type="sldNum" idx="12"/>
           </p:nvPr>
         </p:nvSpPr>
         <p:spPr>
@@ -1190,7 +1105,7 @@
           </a:prstGeom>
         </p:spPr>
         <p:txBody>
-          <a:bodyPr anchorCtr="0" anchor="ctr" bIns="91425" lIns="91425" spcFirstLastPara="1" rIns="91425" wrap="square" tIns="91425">
+          <a:bodyPr spcFirstLastPara="1" wrap="square" lIns="91425" tIns="91425" rIns="91425" bIns="91425" anchor="ctr" anchorCtr="0">
             <a:noAutofit/>
           </a:bodyPr>
           <a:lstStyle>
@@ -1232,7 +1147,7 @@
             </a:lvl9pPr>
           </a:lstStyle>
           <a:p>
-            <a:pPr indent="0" lvl="0" marL="0" rtl="0" algn="r">
+            <a:pPr marL="0" lvl="0" indent="0" algn="r" rtl="0">
               <a:spcBef>
                 <a:spcPts val="0"/>
               </a:spcBef>
@@ -1258,11 +1173,11 @@
 </file>
 
 <file path=ppt/slideLayouts/slideLayout10.xml><?xml version="1.0" encoding="utf-8"?>
-<p:sldLayout xmlns:a="http://schemas.openxmlformats.org/drawingml/2006/main" xmlns:r="http://schemas.openxmlformats.org/officeDocument/2006/relationships" xmlns:mc="http://schemas.openxmlformats.org/markup-compatibility/2006" xmlns:mv="urn:schemas-microsoft-com:mac:vml" xmlns:p="http://schemas.openxmlformats.org/presentationml/2006/main" xmlns:c="http://schemas.openxmlformats.org/drawingml/2006/chart" xmlns:dgm="http://schemas.openxmlformats.org/drawingml/2006/diagram" xmlns:o="urn:schemas-microsoft-com:office:office" xmlns:v="urn:schemas-microsoft-com:vml" xmlns:pvml="urn:schemas-microsoft-com:office:powerpoint" xmlns:com="http://schemas.openxmlformats.org/drawingml/2006/compatibility" xmlns:p14="http://schemas.microsoft.com/office/powerpoint/2010/main" xmlns:p15="http://schemas.microsoft.com/office/powerpoint/2012/main" matchingName="Big number">
+<p:sldLayout xmlns:a="http://schemas.openxmlformats.org/drawingml/2006/main" xmlns:r="http://schemas.openxmlformats.org/officeDocument/2006/relationships" xmlns:p="http://schemas.openxmlformats.org/presentationml/2006/main" matchingName="Big number">
   <p:cSld name="BIG_NUMBER">
     <p:spTree>
       <p:nvGrpSpPr>
-        <p:cNvPr id="44" name="Shape 44"/>
+        <p:cNvPr id="1" name="Shape 44"/>
         <p:cNvGrpSpPr/>
         <p:nvPr/>
       </p:nvGrpSpPr>
@@ -1277,9 +1192,11 @@
       <p:sp>
         <p:nvSpPr>
           <p:cNvPr id="45" name="Google Shape;45;p11"/>
-          <p:cNvSpPr txBox="1"/>
+          <p:cNvSpPr txBox="1">
+            <a:spLocks noGrp="1"/>
+          </p:cNvSpPr>
           <p:nvPr>
-            <p:ph hasCustomPrompt="1" type="title"/>
+            <p:ph type="title" hasCustomPrompt="1"/>
           </p:nvPr>
         </p:nvSpPr>
         <p:spPr>
@@ -1292,7 +1209,7 @@
           </a:prstGeom>
         </p:spPr>
         <p:txBody>
-          <a:bodyPr anchorCtr="0" anchor="b" bIns="91425" lIns="91425" spcFirstLastPara="1" rIns="91425" wrap="square" tIns="91425">
+          <a:bodyPr spcFirstLastPara="1" wrap="square" lIns="91425" tIns="91425" rIns="91425" bIns="91425" anchor="b" anchorCtr="0">
             <a:noAutofit/>
           </a:bodyPr>
           <a:lstStyle>
@@ -1406,9 +1323,11 @@
       <p:sp>
         <p:nvSpPr>
           <p:cNvPr id="46" name="Google Shape;46;p11"/>
-          <p:cNvSpPr txBox="1"/>
+          <p:cNvSpPr txBox="1">
+            <a:spLocks noGrp="1"/>
+          </p:cNvSpPr>
           <p:nvPr>
-            <p:ph idx="1" type="body"/>
+            <p:ph type="body" idx="1"/>
           </p:nvPr>
         </p:nvSpPr>
         <p:spPr>
@@ -1421,11 +1340,11 @@
           </a:prstGeom>
         </p:spPr>
         <p:txBody>
-          <a:bodyPr anchorCtr="0" anchor="t" bIns="91425" lIns="91425" spcFirstLastPara="1" rIns="91425" wrap="square" tIns="91425">
+          <a:bodyPr spcFirstLastPara="1" wrap="square" lIns="91425" tIns="91425" rIns="91425" bIns="91425" anchor="t" anchorCtr="0">
             <a:noAutofit/>
           </a:bodyPr>
           <a:lstStyle>
-            <a:lvl1pPr indent="-342900" lvl="0" marL="457200" algn="ctr">
+            <a:lvl1pPr marL="457200" lvl="0" indent="-342900" algn="ctr">
               <a:spcBef>
                 <a:spcPts val="0"/>
               </a:spcBef>
@@ -1436,7 +1355,7 @@
               <a:buChar char="●"/>
               <a:defRPr/>
             </a:lvl1pPr>
-            <a:lvl2pPr indent="-317500" lvl="1" marL="914400" algn="ctr">
+            <a:lvl2pPr marL="914400" lvl="1" indent="-317500" algn="ctr">
               <a:spcBef>
                 <a:spcPts val="1600"/>
               </a:spcBef>
@@ -1447,7 +1366,7 @@
               <a:buChar char="○"/>
               <a:defRPr/>
             </a:lvl2pPr>
-            <a:lvl3pPr indent="-317500" lvl="2" marL="1371600" algn="ctr">
+            <a:lvl3pPr marL="1371600" lvl="2" indent="-317500" algn="ctr">
               <a:spcBef>
                 <a:spcPts val="1600"/>
               </a:spcBef>
@@ -1458,7 +1377,7 @@
               <a:buChar char="■"/>
               <a:defRPr/>
             </a:lvl3pPr>
-            <a:lvl4pPr indent="-317500" lvl="3" marL="1828800" algn="ctr">
+            <a:lvl4pPr marL="1828800" lvl="3" indent="-317500" algn="ctr">
               <a:spcBef>
                 <a:spcPts val="1600"/>
               </a:spcBef>
@@ -1469,7 +1388,7 @@
               <a:buChar char="●"/>
               <a:defRPr/>
             </a:lvl4pPr>
-            <a:lvl5pPr indent="-317500" lvl="4" marL="2286000" algn="ctr">
+            <a:lvl5pPr marL="2286000" lvl="4" indent="-317500" algn="ctr">
               <a:spcBef>
                 <a:spcPts val="1600"/>
               </a:spcBef>
@@ -1480,7 +1399,7 @@
               <a:buChar char="○"/>
               <a:defRPr/>
             </a:lvl5pPr>
-            <a:lvl6pPr indent="-317500" lvl="5" marL="2743200" algn="ctr">
+            <a:lvl6pPr marL="2743200" lvl="5" indent="-317500" algn="ctr">
               <a:spcBef>
                 <a:spcPts val="1600"/>
               </a:spcBef>
@@ -1491,7 +1410,7 @@
               <a:buChar char="■"/>
               <a:defRPr/>
             </a:lvl6pPr>
-            <a:lvl7pPr indent="-317500" lvl="6" marL="3200400" algn="ctr">
+            <a:lvl7pPr marL="3200400" lvl="6" indent="-317500" algn="ctr">
               <a:spcBef>
                 <a:spcPts val="1600"/>
               </a:spcBef>
@@ -1502,7 +1421,7 @@
               <a:buChar char="●"/>
               <a:defRPr/>
             </a:lvl7pPr>
-            <a:lvl8pPr indent="-317500" lvl="7" marL="3657600" algn="ctr">
+            <a:lvl8pPr marL="3657600" lvl="7" indent="-317500" algn="ctr">
               <a:spcBef>
                 <a:spcPts val="1600"/>
               </a:spcBef>
@@ -1513,7 +1432,7 @@
               <a:buChar char="○"/>
               <a:defRPr/>
             </a:lvl8pPr>
-            <a:lvl9pPr indent="-317500" lvl="8" marL="4114800" algn="ctr">
+            <a:lvl9pPr marL="4114800" lvl="8" indent="-317500" algn="ctr">
               <a:spcBef>
                 <a:spcPts val="1600"/>
               </a:spcBef>
@@ -1525,15 +1444,19 @@
               <a:defRPr/>
             </a:lvl9pPr>
           </a:lstStyle>
-          <a:p/>
+          <a:p>
+            <a:endParaRPr/>
+          </a:p>
         </p:txBody>
       </p:sp>
       <p:sp>
         <p:nvSpPr>
           <p:cNvPr id="47" name="Google Shape;47;p11"/>
-          <p:cNvSpPr txBox="1"/>
+          <p:cNvSpPr txBox="1">
+            <a:spLocks noGrp="1"/>
+          </p:cNvSpPr>
           <p:nvPr>
-            <p:ph idx="12" type="sldNum"/>
+            <p:ph type="sldNum" idx="12"/>
           </p:nvPr>
         </p:nvSpPr>
         <p:spPr>
@@ -1546,7 +1469,7 @@
           </a:prstGeom>
         </p:spPr>
         <p:txBody>
-          <a:bodyPr anchorCtr="0" anchor="ctr" bIns="91425" lIns="91425" spcFirstLastPara="1" rIns="91425" wrap="square" tIns="91425">
+          <a:bodyPr spcFirstLastPara="1" wrap="square" lIns="91425" tIns="91425" rIns="91425" bIns="91425" anchor="ctr" anchorCtr="0">
             <a:noAutofit/>
           </a:bodyPr>
           <a:lstStyle>
@@ -1588,109 +1511,7 @@
             </a:lvl9pPr>
           </a:lstStyle>
           <a:p>
-            <a:pPr indent="0" lvl="0" marL="0" rtl="0" algn="r">
-              <a:spcBef>
-                <a:spcPts val="0"/>
-              </a:spcBef>
-              <a:spcAft>
-                <a:spcPts val="0"/>
-              </a:spcAft>
-              <a:buNone/>
-            </a:pPr>
-            <a:fld id="{00000000-1234-1234-1234-123412341234}" type="slidenum">
-              <a:rPr lang="en"/>
-              <a:t>‹#›</a:t>
-            </a:fld>
-            <a:endParaRPr/>
-          </a:p>
-        </p:txBody>
-      </p:sp>
-    </p:spTree>
-  </p:cSld>
-  <p:clrMapOvr>
-    <a:masterClrMapping/>
-  </p:clrMapOvr>
-</p:sldLayout>
-</file>
-
-<file path=ppt/slideLayouts/slideLayout11.xml><?xml version="1.0" encoding="utf-8"?>
-<p:sldLayout xmlns:a="http://schemas.openxmlformats.org/drawingml/2006/main" xmlns:r="http://schemas.openxmlformats.org/officeDocument/2006/relationships" xmlns:mc="http://schemas.openxmlformats.org/markup-compatibility/2006" xmlns:mv="urn:schemas-microsoft-com:mac:vml" xmlns:p="http://schemas.openxmlformats.org/presentationml/2006/main" xmlns:c="http://schemas.openxmlformats.org/drawingml/2006/chart" xmlns:dgm="http://schemas.openxmlformats.org/drawingml/2006/diagram" xmlns:o="urn:schemas-microsoft-com:office:office" xmlns:v="urn:schemas-microsoft-com:vml" xmlns:pvml="urn:schemas-microsoft-com:office:powerpoint" xmlns:com="http://schemas.openxmlformats.org/drawingml/2006/compatibility" xmlns:p14="http://schemas.microsoft.com/office/powerpoint/2010/main" xmlns:p15="http://schemas.microsoft.com/office/powerpoint/2012/main" matchingName="Blank" type="blank">
-  <p:cSld name="BLANK">
-    <p:spTree>
-      <p:nvGrpSpPr>
-        <p:cNvPr id="48" name="Shape 48"/>
-        <p:cNvGrpSpPr/>
-        <p:nvPr/>
-      </p:nvGrpSpPr>
-      <p:grpSpPr>
-        <a:xfrm>
-          <a:off x="0" y="0"/>
-          <a:ext cx="0" cy="0"/>
-          <a:chOff x="0" y="0"/>
-          <a:chExt cx="0" cy="0"/>
-        </a:xfrm>
-      </p:grpSpPr>
-      <p:sp>
-        <p:nvSpPr>
-          <p:cNvPr id="49" name="Google Shape;49;p12"/>
-          <p:cNvSpPr txBox="1"/>
-          <p:nvPr>
-            <p:ph idx="12" type="sldNum"/>
-          </p:nvPr>
-        </p:nvSpPr>
-        <p:spPr>
-          <a:xfrm>
-            <a:off x="9906772" y="6854072"/>
-            <a:ext cx="641400" cy="578400"/>
-          </a:xfrm>
-          <a:prstGeom prst="rect">
-            <a:avLst/>
-          </a:prstGeom>
-        </p:spPr>
-        <p:txBody>
-          <a:bodyPr anchorCtr="0" anchor="ctr" bIns="91425" lIns="91425" spcFirstLastPara="1" rIns="91425" wrap="square" tIns="91425">
-            <a:noAutofit/>
-          </a:bodyPr>
-          <a:lstStyle>
-            <a:lvl1pPr lvl="0">
-              <a:buNone/>
-              <a:defRPr/>
-            </a:lvl1pPr>
-            <a:lvl2pPr lvl="1">
-              <a:buNone/>
-              <a:defRPr/>
-            </a:lvl2pPr>
-            <a:lvl3pPr lvl="2">
-              <a:buNone/>
-              <a:defRPr/>
-            </a:lvl3pPr>
-            <a:lvl4pPr lvl="3">
-              <a:buNone/>
-              <a:defRPr/>
-            </a:lvl4pPr>
-            <a:lvl5pPr lvl="4">
-              <a:buNone/>
-              <a:defRPr/>
-            </a:lvl5pPr>
-            <a:lvl6pPr lvl="5">
-              <a:buNone/>
-              <a:defRPr/>
-            </a:lvl6pPr>
-            <a:lvl7pPr lvl="6">
-              <a:buNone/>
-              <a:defRPr/>
-            </a:lvl7pPr>
-            <a:lvl8pPr lvl="7">
-              <a:buNone/>
-              <a:defRPr/>
-            </a:lvl8pPr>
-            <a:lvl9pPr lvl="8">
-              <a:buNone/>
-              <a:defRPr/>
-            </a:lvl9pPr>
-          </a:lstStyle>
-          <a:p>
-            <a:pPr indent="0" lvl="0" marL="0" rtl="0" algn="r">
+            <a:pPr marL="0" lvl="0" indent="0" algn="r" rtl="0">
               <a:spcBef>
                 <a:spcPts val="0"/>
               </a:spcBef>
@@ -1716,11 +1537,11 @@
 </file>
 
 <file path=ppt/slideLayouts/slideLayout2.xml><?xml version="1.0" encoding="utf-8"?>
-<p:sldLayout xmlns:a="http://schemas.openxmlformats.org/drawingml/2006/main" xmlns:r="http://schemas.openxmlformats.org/officeDocument/2006/relationships" xmlns:mc="http://schemas.openxmlformats.org/markup-compatibility/2006" xmlns:mv="urn:schemas-microsoft-com:mac:vml" xmlns:p="http://schemas.openxmlformats.org/presentationml/2006/main" xmlns:c="http://schemas.openxmlformats.org/drawingml/2006/chart" xmlns:dgm="http://schemas.openxmlformats.org/drawingml/2006/diagram" xmlns:o="urn:schemas-microsoft-com:office:office" xmlns:v="urn:schemas-microsoft-com:vml" xmlns:pvml="urn:schemas-microsoft-com:office:powerpoint" xmlns:com="http://schemas.openxmlformats.org/drawingml/2006/compatibility" xmlns:p14="http://schemas.microsoft.com/office/powerpoint/2010/main" xmlns:p15="http://schemas.microsoft.com/office/powerpoint/2012/main" matchingName="Section header" type="secHead">
+<p:sldLayout xmlns:a="http://schemas.openxmlformats.org/drawingml/2006/main" xmlns:r="http://schemas.openxmlformats.org/officeDocument/2006/relationships" xmlns:p="http://schemas.openxmlformats.org/presentationml/2006/main" matchingName="Section header" type="secHead">
   <p:cSld name="SECTION_HEADER">
     <p:spTree>
       <p:nvGrpSpPr>
-        <p:cNvPr id="13" name="Shape 13"/>
+        <p:cNvPr id="1" name="Shape 13"/>
         <p:cNvGrpSpPr/>
         <p:nvPr/>
       </p:nvGrpSpPr>
@@ -1735,7 +1556,9 @@
       <p:sp>
         <p:nvSpPr>
           <p:cNvPr id="14" name="Google Shape;14;p3"/>
-          <p:cNvSpPr txBox="1"/>
+          <p:cNvSpPr txBox="1">
+            <a:spLocks noGrp="1"/>
+          </p:cNvSpPr>
           <p:nvPr>
             <p:ph type="title"/>
           </p:nvPr>
@@ -1750,7 +1573,7 @@
           </a:prstGeom>
         </p:spPr>
         <p:txBody>
-          <a:bodyPr anchorCtr="0" anchor="ctr" bIns="91425" lIns="91425" spcFirstLastPara="1" rIns="91425" wrap="square" tIns="91425">
+          <a:bodyPr spcFirstLastPara="1" wrap="square" lIns="91425" tIns="91425" rIns="91425" bIns="91425" anchor="ctr" anchorCtr="0">
             <a:noAutofit/>
           </a:bodyPr>
           <a:lstStyle>
@@ -1854,15 +1677,19 @@
               <a:defRPr sz="3600"/>
             </a:lvl9pPr>
           </a:lstStyle>
-          <a:p/>
+          <a:p>
+            <a:endParaRPr/>
+          </a:p>
         </p:txBody>
       </p:sp>
       <p:sp>
         <p:nvSpPr>
           <p:cNvPr id="15" name="Google Shape;15;p3"/>
-          <p:cNvSpPr txBox="1"/>
+          <p:cNvSpPr txBox="1">
+            <a:spLocks noGrp="1"/>
+          </p:cNvSpPr>
           <p:nvPr>
-            <p:ph idx="12" type="sldNum"/>
+            <p:ph type="sldNum" idx="12"/>
           </p:nvPr>
         </p:nvSpPr>
         <p:spPr>
@@ -1875,7 +1702,7 @@
           </a:prstGeom>
         </p:spPr>
         <p:txBody>
-          <a:bodyPr anchorCtr="0" anchor="ctr" bIns="91425" lIns="91425" spcFirstLastPara="1" rIns="91425" wrap="square" tIns="91425">
+          <a:bodyPr spcFirstLastPara="1" wrap="square" lIns="91425" tIns="91425" rIns="91425" bIns="91425" anchor="ctr" anchorCtr="0">
             <a:noAutofit/>
           </a:bodyPr>
           <a:lstStyle>
@@ -1917,7 +1744,7 @@
             </a:lvl9pPr>
           </a:lstStyle>
           <a:p>
-            <a:pPr indent="0" lvl="0" marL="0" rtl="0" algn="r">
+            <a:pPr marL="0" lvl="0" indent="0" algn="r" rtl="0">
               <a:spcBef>
                 <a:spcPts val="0"/>
               </a:spcBef>
@@ -1943,11 +1770,11 @@
 </file>
 
 <file path=ppt/slideLayouts/slideLayout3.xml><?xml version="1.0" encoding="utf-8"?>
-<p:sldLayout xmlns:a="http://schemas.openxmlformats.org/drawingml/2006/main" xmlns:r="http://schemas.openxmlformats.org/officeDocument/2006/relationships" xmlns:mc="http://schemas.openxmlformats.org/markup-compatibility/2006" xmlns:mv="urn:schemas-microsoft-com:mac:vml" xmlns:p="http://schemas.openxmlformats.org/presentationml/2006/main" xmlns:c="http://schemas.openxmlformats.org/drawingml/2006/chart" xmlns:dgm="http://schemas.openxmlformats.org/drawingml/2006/diagram" xmlns:o="urn:schemas-microsoft-com:office:office" xmlns:v="urn:schemas-microsoft-com:vml" xmlns:pvml="urn:schemas-microsoft-com:office:powerpoint" xmlns:com="http://schemas.openxmlformats.org/drawingml/2006/compatibility" xmlns:p14="http://schemas.microsoft.com/office/powerpoint/2010/main" xmlns:p15="http://schemas.microsoft.com/office/powerpoint/2012/main" matchingName="Title and body" type="tx">
+<p:sldLayout xmlns:a="http://schemas.openxmlformats.org/drawingml/2006/main" xmlns:r="http://schemas.openxmlformats.org/officeDocument/2006/relationships" xmlns:p="http://schemas.openxmlformats.org/presentationml/2006/main" matchingName="Title and body" type="tx">
   <p:cSld name="TITLE_AND_BODY">
     <p:spTree>
       <p:nvGrpSpPr>
-        <p:cNvPr id="16" name="Shape 16"/>
+        <p:cNvPr id="1" name="Shape 16"/>
         <p:cNvGrpSpPr/>
         <p:nvPr/>
       </p:nvGrpSpPr>
@@ -1962,7 +1789,9 @@
       <p:sp>
         <p:nvSpPr>
           <p:cNvPr id="17" name="Google Shape;17;p4"/>
-          <p:cNvSpPr txBox="1"/>
+          <p:cNvSpPr txBox="1">
+            <a:spLocks noGrp="1"/>
+          </p:cNvSpPr>
           <p:nvPr>
             <p:ph type="title"/>
           </p:nvPr>
@@ -1977,7 +1806,7 @@
           </a:prstGeom>
         </p:spPr>
         <p:txBody>
-          <a:bodyPr anchorCtr="0" anchor="t" bIns="91425" lIns="91425" spcFirstLastPara="1" rIns="91425" wrap="square" tIns="91425">
+          <a:bodyPr spcFirstLastPara="1" wrap="square" lIns="91425" tIns="91425" rIns="91425" bIns="91425" anchor="t" anchorCtr="0">
             <a:noAutofit/>
           </a:bodyPr>
           <a:lstStyle>
@@ -2081,15 +1910,19 @@
               <a:defRPr/>
             </a:lvl9pPr>
           </a:lstStyle>
-          <a:p/>
+          <a:p>
+            <a:endParaRPr/>
+          </a:p>
         </p:txBody>
       </p:sp>
       <p:sp>
         <p:nvSpPr>
           <p:cNvPr id="18" name="Google Shape;18;p4"/>
-          <p:cNvSpPr txBox="1"/>
+          <p:cNvSpPr txBox="1">
+            <a:spLocks noGrp="1"/>
+          </p:cNvSpPr>
           <p:nvPr>
-            <p:ph idx="1" type="body"/>
+            <p:ph type="body" idx="1"/>
           </p:nvPr>
         </p:nvSpPr>
         <p:spPr>
@@ -2102,11 +1935,11 @@
           </a:prstGeom>
         </p:spPr>
         <p:txBody>
-          <a:bodyPr anchorCtr="0" anchor="t" bIns="91425" lIns="91425" spcFirstLastPara="1" rIns="91425" wrap="square" tIns="91425">
+          <a:bodyPr spcFirstLastPara="1" wrap="square" lIns="91425" tIns="91425" rIns="91425" bIns="91425" anchor="t" anchorCtr="0">
             <a:noAutofit/>
           </a:bodyPr>
           <a:lstStyle>
-            <a:lvl1pPr indent="-342900" lvl="0" marL="457200">
+            <a:lvl1pPr marL="457200" lvl="0" indent="-342900">
               <a:spcBef>
                 <a:spcPts val="0"/>
               </a:spcBef>
@@ -2117,7 +1950,7 @@
               <a:buChar char="●"/>
               <a:defRPr/>
             </a:lvl1pPr>
-            <a:lvl2pPr indent="-317500" lvl="1" marL="914400">
+            <a:lvl2pPr marL="914400" lvl="1" indent="-317500">
               <a:spcBef>
                 <a:spcPts val="1600"/>
               </a:spcBef>
@@ -2128,7 +1961,7 @@
               <a:buChar char="○"/>
               <a:defRPr/>
             </a:lvl2pPr>
-            <a:lvl3pPr indent="-317500" lvl="2" marL="1371600">
+            <a:lvl3pPr marL="1371600" lvl="2" indent="-317500">
               <a:spcBef>
                 <a:spcPts val="1600"/>
               </a:spcBef>
@@ -2139,7 +1972,7 @@
               <a:buChar char="■"/>
               <a:defRPr/>
             </a:lvl3pPr>
-            <a:lvl4pPr indent="-317500" lvl="3" marL="1828800">
+            <a:lvl4pPr marL="1828800" lvl="3" indent="-317500">
               <a:spcBef>
                 <a:spcPts val="1600"/>
               </a:spcBef>
@@ -2150,7 +1983,7 @@
               <a:buChar char="●"/>
               <a:defRPr/>
             </a:lvl4pPr>
-            <a:lvl5pPr indent="-317500" lvl="4" marL="2286000">
+            <a:lvl5pPr marL="2286000" lvl="4" indent="-317500">
               <a:spcBef>
                 <a:spcPts val="1600"/>
               </a:spcBef>
@@ -2161,7 +1994,7 @@
               <a:buChar char="○"/>
               <a:defRPr/>
             </a:lvl5pPr>
-            <a:lvl6pPr indent="-317500" lvl="5" marL="2743200">
+            <a:lvl6pPr marL="2743200" lvl="5" indent="-317500">
               <a:spcBef>
                 <a:spcPts val="1600"/>
               </a:spcBef>
@@ -2172,7 +2005,7 @@
               <a:buChar char="■"/>
               <a:defRPr/>
             </a:lvl6pPr>
-            <a:lvl7pPr indent="-317500" lvl="6" marL="3200400">
+            <a:lvl7pPr marL="3200400" lvl="6" indent="-317500">
               <a:spcBef>
                 <a:spcPts val="1600"/>
               </a:spcBef>
@@ -2183,7 +2016,7 @@
               <a:buChar char="●"/>
               <a:defRPr/>
             </a:lvl7pPr>
-            <a:lvl8pPr indent="-317500" lvl="7" marL="3657600">
+            <a:lvl8pPr marL="3657600" lvl="7" indent="-317500">
               <a:spcBef>
                 <a:spcPts val="1600"/>
               </a:spcBef>
@@ -2194,7 +2027,7 @@
               <a:buChar char="○"/>
               <a:defRPr/>
             </a:lvl8pPr>
-            <a:lvl9pPr indent="-317500" lvl="8" marL="4114800">
+            <a:lvl9pPr marL="4114800" lvl="8" indent="-317500">
               <a:spcBef>
                 <a:spcPts val="1600"/>
               </a:spcBef>
@@ -2206,15 +2039,19 @@
               <a:defRPr/>
             </a:lvl9pPr>
           </a:lstStyle>
-          <a:p/>
+          <a:p>
+            <a:endParaRPr/>
+          </a:p>
         </p:txBody>
       </p:sp>
       <p:sp>
         <p:nvSpPr>
           <p:cNvPr id="19" name="Google Shape;19;p4"/>
-          <p:cNvSpPr txBox="1"/>
+          <p:cNvSpPr txBox="1">
+            <a:spLocks noGrp="1"/>
+          </p:cNvSpPr>
           <p:nvPr>
-            <p:ph idx="12" type="sldNum"/>
+            <p:ph type="sldNum" idx="12"/>
           </p:nvPr>
         </p:nvSpPr>
         <p:spPr>
@@ -2227,7 +2064,7 @@
           </a:prstGeom>
         </p:spPr>
         <p:txBody>
-          <a:bodyPr anchorCtr="0" anchor="ctr" bIns="91425" lIns="91425" spcFirstLastPara="1" rIns="91425" wrap="square" tIns="91425">
+          <a:bodyPr spcFirstLastPara="1" wrap="square" lIns="91425" tIns="91425" rIns="91425" bIns="91425" anchor="ctr" anchorCtr="0">
             <a:noAutofit/>
           </a:bodyPr>
           <a:lstStyle>
@@ -2269,7 +2106,7 @@
             </a:lvl9pPr>
           </a:lstStyle>
           <a:p>
-            <a:pPr indent="0" lvl="0" marL="0" rtl="0" algn="r">
+            <a:pPr marL="0" lvl="0" indent="0" algn="r" rtl="0">
               <a:spcBef>
                 <a:spcPts val="0"/>
               </a:spcBef>
@@ -2295,11 +2132,11 @@
 </file>
 
 <file path=ppt/slideLayouts/slideLayout4.xml><?xml version="1.0" encoding="utf-8"?>
-<p:sldLayout xmlns:a="http://schemas.openxmlformats.org/drawingml/2006/main" xmlns:r="http://schemas.openxmlformats.org/officeDocument/2006/relationships" xmlns:mc="http://schemas.openxmlformats.org/markup-compatibility/2006" xmlns:mv="urn:schemas-microsoft-com:mac:vml" xmlns:p="http://schemas.openxmlformats.org/presentationml/2006/main" xmlns:c="http://schemas.openxmlformats.org/drawingml/2006/chart" xmlns:dgm="http://schemas.openxmlformats.org/drawingml/2006/diagram" xmlns:o="urn:schemas-microsoft-com:office:office" xmlns:v="urn:schemas-microsoft-com:vml" xmlns:pvml="urn:schemas-microsoft-com:office:powerpoint" xmlns:com="http://schemas.openxmlformats.org/drawingml/2006/compatibility" xmlns:p14="http://schemas.microsoft.com/office/powerpoint/2010/main" xmlns:p15="http://schemas.microsoft.com/office/powerpoint/2012/main" matchingName="Title and two columns" type="twoColTx">
+<p:sldLayout xmlns:a="http://schemas.openxmlformats.org/drawingml/2006/main" xmlns:r="http://schemas.openxmlformats.org/officeDocument/2006/relationships" xmlns:p="http://schemas.openxmlformats.org/presentationml/2006/main" matchingName="Title and two columns" type="twoColTx">
   <p:cSld name="TITLE_AND_TWO_COLUMNS">
     <p:spTree>
       <p:nvGrpSpPr>
-        <p:cNvPr id="20" name="Shape 20"/>
+        <p:cNvPr id="1" name="Shape 20"/>
         <p:cNvGrpSpPr/>
         <p:nvPr/>
       </p:nvGrpSpPr>
@@ -2314,7 +2151,9 @@
       <p:sp>
         <p:nvSpPr>
           <p:cNvPr id="21" name="Google Shape;21;p5"/>
-          <p:cNvSpPr txBox="1"/>
+          <p:cNvSpPr txBox="1">
+            <a:spLocks noGrp="1"/>
+          </p:cNvSpPr>
           <p:nvPr>
             <p:ph type="title"/>
           </p:nvPr>
@@ -2329,7 +2168,7 @@
           </a:prstGeom>
         </p:spPr>
         <p:txBody>
-          <a:bodyPr anchorCtr="0" anchor="t" bIns="91425" lIns="91425" spcFirstLastPara="1" rIns="91425" wrap="square" tIns="91425">
+          <a:bodyPr spcFirstLastPara="1" wrap="square" lIns="91425" tIns="91425" rIns="91425" bIns="91425" anchor="t" anchorCtr="0">
             <a:noAutofit/>
           </a:bodyPr>
           <a:lstStyle>
@@ -2433,15 +2272,19 @@
               <a:defRPr/>
             </a:lvl9pPr>
           </a:lstStyle>
-          <a:p/>
+          <a:p>
+            <a:endParaRPr/>
+          </a:p>
         </p:txBody>
       </p:sp>
       <p:sp>
         <p:nvSpPr>
           <p:cNvPr id="22" name="Google Shape;22;p5"/>
-          <p:cNvSpPr txBox="1"/>
+          <p:cNvSpPr txBox="1">
+            <a:spLocks noGrp="1"/>
+          </p:cNvSpPr>
           <p:nvPr>
-            <p:ph idx="1" type="body"/>
+            <p:ph type="body" idx="1"/>
           </p:nvPr>
         </p:nvSpPr>
         <p:spPr>
@@ -2454,11 +2297,11 @@
           </a:prstGeom>
         </p:spPr>
         <p:txBody>
-          <a:bodyPr anchorCtr="0" anchor="t" bIns="91425" lIns="91425" spcFirstLastPara="1" rIns="91425" wrap="square" tIns="91425">
+          <a:bodyPr spcFirstLastPara="1" wrap="square" lIns="91425" tIns="91425" rIns="91425" bIns="91425" anchor="t" anchorCtr="0">
             <a:noAutofit/>
           </a:bodyPr>
           <a:lstStyle>
-            <a:lvl1pPr indent="-317500" lvl="0" marL="457200">
+            <a:lvl1pPr marL="457200" lvl="0" indent="-317500">
               <a:spcBef>
                 <a:spcPts val="0"/>
               </a:spcBef>
@@ -2469,7 +2312,7 @@
               <a:buChar char="●"/>
               <a:defRPr sz="1400"/>
             </a:lvl1pPr>
-            <a:lvl2pPr indent="-304800" lvl="1" marL="914400">
+            <a:lvl2pPr marL="914400" lvl="1" indent="-304800">
               <a:spcBef>
                 <a:spcPts val="1600"/>
               </a:spcBef>
@@ -2480,7 +2323,7 @@
               <a:buChar char="○"/>
               <a:defRPr sz="1200"/>
             </a:lvl2pPr>
-            <a:lvl3pPr indent="-304800" lvl="2" marL="1371600">
+            <a:lvl3pPr marL="1371600" lvl="2" indent="-304800">
               <a:spcBef>
                 <a:spcPts val="1600"/>
               </a:spcBef>
@@ -2491,7 +2334,7 @@
               <a:buChar char="■"/>
               <a:defRPr sz="1200"/>
             </a:lvl3pPr>
-            <a:lvl4pPr indent="-304800" lvl="3" marL="1828800">
+            <a:lvl4pPr marL="1828800" lvl="3" indent="-304800">
               <a:spcBef>
                 <a:spcPts val="1600"/>
               </a:spcBef>
@@ -2502,7 +2345,7 @@
               <a:buChar char="●"/>
               <a:defRPr sz="1200"/>
             </a:lvl4pPr>
-            <a:lvl5pPr indent="-304800" lvl="4" marL="2286000">
+            <a:lvl5pPr marL="2286000" lvl="4" indent="-304800">
               <a:spcBef>
                 <a:spcPts val="1600"/>
               </a:spcBef>
@@ -2513,7 +2356,7 @@
               <a:buChar char="○"/>
               <a:defRPr sz="1200"/>
             </a:lvl5pPr>
-            <a:lvl6pPr indent="-304800" lvl="5" marL="2743200">
+            <a:lvl6pPr marL="2743200" lvl="5" indent="-304800">
               <a:spcBef>
                 <a:spcPts val="1600"/>
               </a:spcBef>
@@ -2524,7 +2367,7 @@
               <a:buChar char="■"/>
               <a:defRPr sz="1200"/>
             </a:lvl6pPr>
-            <a:lvl7pPr indent="-304800" lvl="6" marL="3200400">
+            <a:lvl7pPr marL="3200400" lvl="6" indent="-304800">
               <a:spcBef>
                 <a:spcPts val="1600"/>
               </a:spcBef>
@@ -2535,7 +2378,7 @@
               <a:buChar char="●"/>
               <a:defRPr sz="1200"/>
             </a:lvl7pPr>
-            <a:lvl8pPr indent="-304800" lvl="7" marL="3657600">
+            <a:lvl8pPr marL="3657600" lvl="7" indent="-304800">
               <a:spcBef>
                 <a:spcPts val="1600"/>
               </a:spcBef>
@@ -2546,7 +2389,7 @@
               <a:buChar char="○"/>
               <a:defRPr sz="1200"/>
             </a:lvl8pPr>
-            <a:lvl9pPr indent="-304800" lvl="8" marL="4114800">
+            <a:lvl9pPr marL="4114800" lvl="8" indent="-304800">
               <a:spcBef>
                 <a:spcPts val="1600"/>
               </a:spcBef>
@@ -2558,15 +2401,19 @@
               <a:defRPr sz="1200"/>
             </a:lvl9pPr>
           </a:lstStyle>
-          <a:p/>
+          <a:p>
+            <a:endParaRPr/>
+          </a:p>
         </p:txBody>
       </p:sp>
       <p:sp>
         <p:nvSpPr>
           <p:cNvPr id="23" name="Google Shape;23;p5"/>
-          <p:cNvSpPr txBox="1"/>
+          <p:cNvSpPr txBox="1">
+            <a:spLocks noGrp="1"/>
+          </p:cNvSpPr>
           <p:nvPr>
-            <p:ph idx="2" type="body"/>
+            <p:ph type="body" idx="2"/>
           </p:nvPr>
         </p:nvSpPr>
         <p:spPr>
@@ -2579,11 +2426,11 @@
           </a:prstGeom>
         </p:spPr>
         <p:txBody>
-          <a:bodyPr anchorCtr="0" anchor="t" bIns="91425" lIns="91425" spcFirstLastPara="1" rIns="91425" wrap="square" tIns="91425">
+          <a:bodyPr spcFirstLastPara="1" wrap="square" lIns="91425" tIns="91425" rIns="91425" bIns="91425" anchor="t" anchorCtr="0">
             <a:noAutofit/>
           </a:bodyPr>
           <a:lstStyle>
-            <a:lvl1pPr indent="-317500" lvl="0" marL="457200">
+            <a:lvl1pPr marL="457200" lvl="0" indent="-317500">
               <a:spcBef>
                 <a:spcPts val="0"/>
               </a:spcBef>
@@ -2594,7 +2441,7 @@
               <a:buChar char="●"/>
               <a:defRPr sz="1400"/>
             </a:lvl1pPr>
-            <a:lvl2pPr indent="-304800" lvl="1" marL="914400">
+            <a:lvl2pPr marL="914400" lvl="1" indent="-304800">
               <a:spcBef>
                 <a:spcPts val="1600"/>
               </a:spcBef>
@@ -2605,7 +2452,7 @@
               <a:buChar char="○"/>
               <a:defRPr sz="1200"/>
             </a:lvl2pPr>
-            <a:lvl3pPr indent="-304800" lvl="2" marL="1371600">
+            <a:lvl3pPr marL="1371600" lvl="2" indent="-304800">
               <a:spcBef>
                 <a:spcPts val="1600"/>
               </a:spcBef>
@@ -2616,7 +2463,7 @@
               <a:buChar char="■"/>
               <a:defRPr sz="1200"/>
             </a:lvl3pPr>
-            <a:lvl4pPr indent="-304800" lvl="3" marL="1828800">
+            <a:lvl4pPr marL="1828800" lvl="3" indent="-304800">
               <a:spcBef>
                 <a:spcPts val="1600"/>
               </a:spcBef>
@@ -2627,7 +2474,7 @@
               <a:buChar char="●"/>
               <a:defRPr sz="1200"/>
             </a:lvl4pPr>
-            <a:lvl5pPr indent="-304800" lvl="4" marL="2286000">
+            <a:lvl5pPr marL="2286000" lvl="4" indent="-304800">
               <a:spcBef>
                 <a:spcPts val="1600"/>
               </a:spcBef>
@@ -2638,7 +2485,7 @@
               <a:buChar char="○"/>
               <a:defRPr sz="1200"/>
             </a:lvl5pPr>
-            <a:lvl6pPr indent="-304800" lvl="5" marL="2743200">
+            <a:lvl6pPr marL="2743200" lvl="5" indent="-304800">
               <a:spcBef>
                 <a:spcPts val="1600"/>
               </a:spcBef>
@@ -2649,7 +2496,7 @@
               <a:buChar char="■"/>
               <a:defRPr sz="1200"/>
             </a:lvl6pPr>
-            <a:lvl7pPr indent="-304800" lvl="6" marL="3200400">
+            <a:lvl7pPr marL="3200400" lvl="6" indent="-304800">
               <a:spcBef>
                 <a:spcPts val="1600"/>
               </a:spcBef>
@@ -2660,7 +2507,7 @@
               <a:buChar char="●"/>
               <a:defRPr sz="1200"/>
             </a:lvl7pPr>
-            <a:lvl8pPr indent="-304800" lvl="7" marL="3657600">
+            <a:lvl8pPr marL="3657600" lvl="7" indent="-304800">
               <a:spcBef>
                 <a:spcPts val="1600"/>
               </a:spcBef>
@@ -2671,7 +2518,7 @@
               <a:buChar char="○"/>
               <a:defRPr sz="1200"/>
             </a:lvl8pPr>
-            <a:lvl9pPr indent="-304800" lvl="8" marL="4114800">
+            <a:lvl9pPr marL="4114800" lvl="8" indent="-304800">
               <a:spcBef>
                 <a:spcPts val="1600"/>
               </a:spcBef>
@@ -2683,15 +2530,19 @@
               <a:defRPr sz="1200"/>
             </a:lvl9pPr>
           </a:lstStyle>
-          <a:p/>
+          <a:p>
+            <a:endParaRPr/>
+          </a:p>
         </p:txBody>
       </p:sp>
       <p:sp>
         <p:nvSpPr>
           <p:cNvPr id="24" name="Google Shape;24;p5"/>
-          <p:cNvSpPr txBox="1"/>
+          <p:cNvSpPr txBox="1">
+            <a:spLocks noGrp="1"/>
+          </p:cNvSpPr>
           <p:nvPr>
-            <p:ph idx="12" type="sldNum"/>
+            <p:ph type="sldNum" idx="12"/>
           </p:nvPr>
         </p:nvSpPr>
         <p:spPr>
@@ -2704,7 +2555,7 @@
           </a:prstGeom>
         </p:spPr>
         <p:txBody>
-          <a:bodyPr anchorCtr="0" anchor="ctr" bIns="91425" lIns="91425" spcFirstLastPara="1" rIns="91425" wrap="square" tIns="91425">
+          <a:bodyPr spcFirstLastPara="1" wrap="square" lIns="91425" tIns="91425" rIns="91425" bIns="91425" anchor="ctr" anchorCtr="0">
             <a:noAutofit/>
           </a:bodyPr>
           <a:lstStyle>
@@ -2746,7 +2597,7 @@
             </a:lvl9pPr>
           </a:lstStyle>
           <a:p>
-            <a:pPr indent="0" lvl="0" marL="0" rtl="0" algn="r">
+            <a:pPr marL="0" lvl="0" indent="0" algn="r" rtl="0">
               <a:spcBef>
                 <a:spcPts val="0"/>
               </a:spcBef>
@@ -2772,11 +2623,11 @@
 </file>
 
 <file path=ppt/slideLayouts/slideLayout5.xml><?xml version="1.0" encoding="utf-8"?>
-<p:sldLayout xmlns:a="http://schemas.openxmlformats.org/drawingml/2006/main" xmlns:r="http://schemas.openxmlformats.org/officeDocument/2006/relationships" xmlns:mc="http://schemas.openxmlformats.org/markup-compatibility/2006" xmlns:mv="urn:schemas-microsoft-com:mac:vml" xmlns:p="http://schemas.openxmlformats.org/presentationml/2006/main" xmlns:c="http://schemas.openxmlformats.org/drawingml/2006/chart" xmlns:dgm="http://schemas.openxmlformats.org/drawingml/2006/diagram" xmlns:o="urn:schemas-microsoft-com:office:office" xmlns:v="urn:schemas-microsoft-com:vml" xmlns:pvml="urn:schemas-microsoft-com:office:powerpoint" xmlns:com="http://schemas.openxmlformats.org/drawingml/2006/compatibility" xmlns:p14="http://schemas.microsoft.com/office/powerpoint/2010/main" xmlns:p15="http://schemas.microsoft.com/office/powerpoint/2012/main" matchingName="Title only" type="titleOnly">
+<p:sldLayout xmlns:a="http://schemas.openxmlformats.org/drawingml/2006/main" xmlns:r="http://schemas.openxmlformats.org/officeDocument/2006/relationships" xmlns:p="http://schemas.openxmlformats.org/presentationml/2006/main" matchingName="Title only" type="titleOnly">
   <p:cSld name="TITLE_ONLY">
     <p:spTree>
       <p:nvGrpSpPr>
-        <p:cNvPr id="25" name="Shape 25"/>
+        <p:cNvPr id="1" name="Shape 25"/>
         <p:cNvGrpSpPr/>
         <p:nvPr/>
       </p:nvGrpSpPr>
@@ -2791,7 +2642,9 @@
       <p:sp>
         <p:nvSpPr>
           <p:cNvPr id="26" name="Google Shape;26;p6"/>
-          <p:cNvSpPr txBox="1"/>
+          <p:cNvSpPr txBox="1">
+            <a:spLocks noGrp="1"/>
+          </p:cNvSpPr>
           <p:nvPr>
             <p:ph type="title"/>
           </p:nvPr>
@@ -2806,7 +2659,7 @@
           </a:prstGeom>
         </p:spPr>
         <p:txBody>
-          <a:bodyPr anchorCtr="0" anchor="t" bIns="91425" lIns="91425" spcFirstLastPara="1" rIns="91425" wrap="square" tIns="91425">
+          <a:bodyPr spcFirstLastPara="1" wrap="square" lIns="91425" tIns="91425" rIns="91425" bIns="91425" anchor="t" anchorCtr="0">
             <a:noAutofit/>
           </a:bodyPr>
           <a:lstStyle>
@@ -2910,15 +2763,19 @@
               <a:defRPr/>
             </a:lvl9pPr>
           </a:lstStyle>
-          <a:p/>
+          <a:p>
+            <a:endParaRPr/>
+          </a:p>
         </p:txBody>
       </p:sp>
       <p:sp>
         <p:nvSpPr>
           <p:cNvPr id="27" name="Google Shape;27;p6"/>
-          <p:cNvSpPr txBox="1"/>
+          <p:cNvSpPr txBox="1">
+            <a:spLocks noGrp="1"/>
+          </p:cNvSpPr>
           <p:nvPr>
-            <p:ph idx="12" type="sldNum"/>
+            <p:ph type="sldNum" idx="12"/>
           </p:nvPr>
         </p:nvSpPr>
         <p:spPr>
@@ -2931,7 +2788,7 @@
           </a:prstGeom>
         </p:spPr>
         <p:txBody>
-          <a:bodyPr anchorCtr="0" anchor="ctr" bIns="91425" lIns="91425" spcFirstLastPara="1" rIns="91425" wrap="square" tIns="91425">
+          <a:bodyPr spcFirstLastPara="1" wrap="square" lIns="91425" tIns="91425" rIns="91425" bIns="91425" anchor="ctr" anchorCtr="0">
             <a:noAutofit/>
           </a:bodyPr>
           <a:lstStyle>
@@ -2973,7 +2830,7 @@
             </a:lvl9pPr>
           </a:lstStyle>
           <a:p>
-            <a:pPr indent="0" lvl="0" marL="0" rtl="0" algn="r">
+            <a:pPr marL="0" lvl="0" indent="0" algn="r" rtl="0">
               <a:spcBef>
                 <a:spcPts val="0"/>
               </a:spcBef>
@@ -2999,11 +2856,11 @@
 </file>
 
 <file path=ppt/slideLayouts/slideLayout6.xml><?xml version="1.0" encoding="utf-8"?>
-<p:sldLayout xmlns:a="http://schemas.openxmlformats.org/drawingml/2006/main" xmlns:r="http://schemas.openxmlformats.org/officeDocument/2006/relationships" xmlns:mc="http://schemas.openxmlformats.org/markup-compatibility/2006" xmlns:mv="urn:schemas-microsoft-com:mac:vml" xmlns:p="http://schemas.openxmlformats.org/presentationml/2006/main" xmlns:c="http://schemas.openxmlformats.org/drawingml/2006/chart" xmlns:dgm="http://schemas.openxmlformats.org/drawingml/2006/diagram" xmlns:o="urn:schemas-microsoft-com:office:office" xmlns:v="urn:schemas-microsoft-com:vml" xmlns:pvml="urn:schemas-microsoft-com:office:powerpoint" xmlns:com="http://schemas.openxmlformats.org/drawingml/2006/compatibility" xmlns:p14="http://schemas.microsoft.com/office/powerpoint/2010/main" xmlns:p15="http://schemas.microsoft.com/office/powerpoint/2012/main" matchingName="One column text">
+<p:sldLayout xmlns:a="http://schemas.openxmlformats.org/drawingml/2006/main" xmlns:r="http://schemas.openxmlformats.org/officeDocument/2006/relationships" xmlns:p="http://schemas.openxmlformats.org/presentationml/2006/main" matchingName="One column text">
   <p:cSld name="ONE_COLUMN_TEXT">
     <p:spTree>
       <p:nvGrpSpPr>
-        <p:cNvPr id="28" name="Shape 28"/>
+        <p:cNvPr id="1" name="Shape 28"/>
         <p:cNvGrpSpPr/>
         <p:nvPr/>
       </p:nvGrpSpPr>
@@ -3018,7 +2875,9 @@
       <p:sp>
         <p:nvSpPr>
           <p:cNvPr id="29" name="Google Shape;29;p7"/>
-          <p:cNvSpPr txBox="1"/>
+          <p:cNvSpPr txBox="1">
+            <a:spLocks noGrp="1"/>
+          </p:cNvSpPr>
           <p:nvPr>
             <p:ph type="title"/>
           </p:nvPr>
@@ -3033,7 +2892,7 @@
           </a:prstGeom>
         </p:spPr>
         <p:txBody>
-          <a:bodyPr anchorCtr="0" anchor="b" bIns="91425" lIns="91425" spcFirstLastPara="1" rIns="91425" wrap="square" tIns="91425">
+          <a:bodyPr spcFirstLastPara="1" wrap="square" lIns="91425" tIns="91425" rIns="91425" bIns="91425" anchor="b" anchorCtr="0">
             <a:noAutofit/>
           </a:bodyPr>
           <a:lstStyle>
@@ -3137,15 +2996,19 @@
               <a:defRPr sz="2400"/>
             </a:lvl9pPr>
           </a:lstStyle>
-          <a:p/>
+          <a:p>
+            <a:endParaRPr/>
+          </a:p>
         </p:txBody>
       </p:sp>
       <p:sp>
         <p:nvSpPr>
           <p:cNvPr id="30" name="Google Shape;30;p7"/>
-          <p:cNvSpPr txBox="1"/>
+          <p:cNvSpPr txBox="1">
+            <a:spLocks noGrp="1"/>
+          </p:cNvSpPr>
           <p:nvPr>
-            <p:ph idx="1" type="body"/>
+            <p:ph type="body" idx="1"/>
           </p:nvPr>
         </p:nvSpPr>
         <p:spPr>
@@ -3158,11 +3021,11 @@
           </a:prstGeom>
         </p:spPr>
         <p:txBody>
-          <a:bodyPr anchorCtr="0" anchor="t" bIns="91425" lIns="91425" spcFirstLastPara="1" rIns="91425" wrap="square" tIns="91425">
+          <a:bodyPr spcFirstLastPara="1" wrap="square" lIns="91425" tIns="91425" rIns="91425" bIns="91425" anchor="t" anchorCtr="0">
             <a:noAutofit/>
           </a:bodyPr>
           <a:lstStyle>
-            <a:lvl1pPr indent="-304800" lvl="0" marL="457200">
+            <a:lvl1pPr marL="457200" lvl="0" indent="-304800">
               <a:spcBef>
                 <a:spcPts val="0"/>
               </a:spcBef>
@@ -3173,7 +3036,7 @@
               <a:buChar char="●"/>
               <a:defRPr sz="1200"/>
             </a:lvl1pPr>
-            <a:lvl2pPr indent="-304800" lvl="1" marL="914400">
+            <a:lvl2pPr marL="914400" lvl="1" indent="-304800">
               <a:spcBef>
                 <a:spcPts val="1600"/>
               </a:spcBef>
@@ -3184,7 +3047,7 @@
               <a:buChar char="○"/>
               <a:defRPr sz="1200"/>
             </a:lvl2pPr>
-            <a:lvl3pPr indent="-304800" lvl="2" marL="1371600">
+            <a:lvl3pPr marL="1371600" lvl="2" indent="-304800">
               <a:spcBef>
                 <a:spcPts val="1600"/>
               </a:spcBef>
@@ -3195,7 +3058,7 @@
               <a:buChar char="■"/>
               <a:defRPr sz="1200"/>
             </a:lvl3pPr>
-            <a:lvl4pPr indent="-304800" lvl="3" marL="1828800">
+            <a:lvl4pPr marL="1828800" lvl="3" indent="-304800">
               <a:spcBef>
                 <a:spcPts val="1600"/>
               </a:spcBef>
@@ -3206,7 +3069,7 @@
               <a:buChar char="●"/>
               <a:defRPr sz="1200"/>
             </a:lvl4pPr>
-            <a:lvl5pPr indent="-304800" lvl="4" marL="2286000">
+            <a:lvl5pPr marL="2286000" lvl="4" indent="-304800">
               <a:spcBef>
                 <a:spcPts val="1600"/>
               </a:spcBef>
@@ -3217,7 +3080,7 @@
               <a:buChar char="○"/>
               <a:defRPr sz="1200"/>
             </a:lvl5pPr>
-            <a:lvl6pPr indent="-304800" lvl="5" marL="2743200">
+            <a:lvl6pPr marL="2743200" lvl="5" indent="-304800">
               <a:spcBef>
                 <a:spcPts val="1600"/>
               </a:spcBef>
@@ -3228,7 +3091,7 @@
               <a:buChar char="■"/>
               <a:defRPr sz="1200"/>
             </a:lvl6pPr>
-            <a:lvl7pPr indent="-304800" lvl="6" marL="3200400">
+            <a:lvl7pPr marL="3200400" lvl="6" indent="-304800">
               <a:spcBef>
                 <a:spcPts val="1600"/>
               </a:spcBef>
@@ -3239,7 +3102,7 @@
               <a:buChar char="●"/>
               <a:defRPr sz="1200"/>
             </a:lvl7pPr>
-            <a:lvl8pPr indent="-304800" lvl="7" marL="3657600">
+            <a:lvl8pPr marL="3657600" lvl="7" indent="-304800">
               <a:spcBef>
                 <a:spcPts val="1600"/>
               </a:spcBef>
@@ -3250,7 +3113,7 @@
               <a:buChar char="○"/>
               <a:defRPr sz="1200"/>
             </a:lvl8pPr>
-            <a:lvl9pPr indent="-304800" lvl="8" marL="4114800">
+            <a:lvl9pPr marL="4114800" lvl="8" indent="-304800">
               <a:spcBef>
                 <a:spcPts val="1600"/>
               </a:spcBef>
@@ -3262,15 +3125,19 @@
               <a:defRPr sz="1200"/>
             </a:lvl9pPr>
           </a:lstStyle>
-          <a:p/>
+          <a:p>
+            <a:endParaRPr/>
+          </a:p>
         </p:txBody>
       </p:sp>
       <p:sp>
         <p:nvSpPr>
           <p:cNvPr id="31" name="Google Shape;31;p7"/>
-          <p:cNvSpPr txBox="1"/>
+          <p:cNvSpPr txBox="1">
+            <a:spLocks noGrp="1"/>
+          </p:cNvSpPr>
           <p:nvPr>
-            <p:ph idx="12" type="sldNum"/>
+            <p:ph type="sldNum" idx="12"/>
           </p:nvPr>
         </p:nvSpPr>
         <p:spPr>
@@ -3283,7 +3150,7 @@
           </a:prstGeom>
         </p:spPr>
         <p:txBody>
-          <a:bodyPr anchorCtr="0" anchor="ctr" bIns="91425" lIns="91425" spcFirstLastPara="1" rIns="91425" wrap="square" tIns="91425">
+          <a:bodyPr spcFirstLastPara="1" wrap="square" lIns="91425" tIns="91425" rIns="91425" bIns="91425" anchor="ctr" anchorCtr="0">
             <a:noAutofit/>
           </a:bodyPr>
           <a:lstStyle>
@@ -3325,7 +3192,7 @@
             </a:lvl9pPr>
           </a:lstStyle>
           <a:p>
-            <a:pPr indent="0" lvl="0" marL="0" rtl="0" algn="r">
+            <a:pPr marL="0" lvl="0" indent="0" algn="r" rtl="0">
               <a:spcBef>
                 <a:spcPts val="0"/>
               </a:spcBef>
@@ -3351,11 +3218,11 @@
 </file>
 
 <file path=ppt/slideLayouts/slideLayout7.xml><?xml version="1.0" encoding="utf-8"?>
-<p:sldLayout xmlns:a="http://schemas.openxmlformats.org/drawingml/2006/main" xmlns:r="http://schemas.openxmlformats.org/officeDocument/2006/relationships" xmlns:mc="http://schemas.openxmlformats.org/markup-compatibility/2006" xmlns:mv="urn:schemas-microsoft-com:mac:vml" xmlns:p="http://schemas.openxmlformats.org/presentationml/2006/main" xmlns:c="http://schemas.openxmlformats.org/drawingml/2006/chart" xmlns:dgm="http://schemas.openxmlformats.org/drawingml/2006/diagram" xmlns:o="urn:schemas-microsoft-com:office:office" xmlns:v="urn:schemas-microsoft-com:vml" xmlns:pvml="urn:schemas-microsoft-com:office:powerpoint" xmlns:com="http://schemas.openxmlformats.org/drawingml/2006/compatibility" xmlns:p14="http://schemas.microsoft.com/office/powerpoint/2010/main" xmlns:p15="http://schemas.microsoft.com/office/powerpoint/2012/main" matchingName="Main point">
+<p:sldLayout xmlns:a="http://schemas.openxmlformats.org/drawingml/2006/main" xmlns:r="http://schemas.openxmlformats.org/officeDocument/2006/relationships" xmlns:p="http://schemas.openxmlformats.org/presentationml/2006/main" matchingName="Main point">
   <p:cSld name="MAIN_POINT">
     <p:spTree>
       <p:nvGrpSpPr>
-        <p:cNvPr id="32" name="Shape 32"/>
+        <p:cNvPr id="1" name="Shape 32"/>
         <p:cNvGrpSpPr/>
         <p:nvPr/>
       </p:nvGrpSpPr>
@@ -3370,7 +3237,9 @@
       <p:sp>
         <p:nvSpPr>
           <p:cNvPr id="33" name="Google Shape;33;p8"/>
-          <p:cNvSpPr txBox="1"/>
+          <p:cNvSpPr txBox="1">
+            <a:spLocks noGrp="1"/>
+          </p:cNvSpPr>
           <p:nvPr>
             <p:ph type="title"/>
           </p:nvPr>
@@ -3385,7 +3254,7 @@
           </a:prstGeom>
         </p:spPr>
         <p:txBody>
-          <a:bodyPr anchorCtr="0" anchor="ctr" bIns="91425" lIns="91425" spcFirstLastPara="1" rIns="91425" wrap="square" tIns="91425">
+          <a:bodyPr spcFirstLastPara="1" wrap="square" lIns="91425" tIns="91425" rIns="91425" bIns="91425" anchor="ctr" anchorCtr="0">
             <a:noAutofit/>
           </a:bodyPr>
           <a:lstStyle>
@@ -3489,15 +3358,19 @@
               <a:defRPr sz="4800"/>
             </a:lvl9pPr>
           </a:lstStyle>
-          <a:p/>
+          <a:p>
+            <a:endParaRPr/>
+          </a:p>
         </p:txBody>
       </p:sp>
       <p:sp>
         <p:nvSpPr>
           <p:cNvPr id="34" name="Google Shape;34;p8"/>
-          <p:cNvSpPr txBox="1"/>
+          <p:cNvSpPr txBox="1">
+            <a:spLocks noGrp="1"/>
+          </p:cNvSpPr>
           <p:nvPr>
-            <p:ph idx="12" type="sldNum"/>
+            <p:ph type="sldNum" idx="12"/>
           </p:nvPr>
         </p:nvSpPr>
         <p:spPr>
@@ -3510,7 +3383,7 @@
           </a:prstGeom>
         </p:spPr>
         <p:txBody>
-          <a:bodyPr anchorCtr="0" anchor="ctr" bIns="91425" lIns="91425" spcFirstLastPara="1" rIns="91425" wrap="square" tIns="91425">
+          <a:bodyPr spcFirstLastPara="1" wrap="square" lIns="91425" tIns="91425" rIns="91425" bIns="91425" anchor="ctr" anchorCtr="0">
             <a:noAutofit/>
           </a:bodyPr>
           <a:lstStyle>
@@ -3552,7 +3425,7 @@
             </a:lvl9pPr>
           </a:lstStyle>
           <a:p>
-            <a:pPr indent="0" lvl="0" marL="0" rtl="0" algn="r">
+            <a:pPr marL="0" lvl="0" indent="0" algn="r" rtl="0">
               <a:spcBef>
                 <a:spcPts val="0"/>
               </a:spcBef>
@@ -3578,11 +3451,11 @@
 </file>
 
 <file path=ppt/slideLayouts/slideLayout8.xml><?xml version="1.0" encoding="utf-8"?>
-<p:sldLayout xmlns:a="http://schemas.openxmlformats.org/drawingml/2006/main" xmlns:r="http://schemas.openxmlformats.org/officeDocument/2006/relationships" xmlns:mc="http://schemas.openxmlformats.org/markup-compatibility/2006" xmlns:mv="urn:schemas-microsoft-com:mac:vml" xmlns:p="http://schemas.openxmlformats.org/presentationml/2006/main" xmlns:c="http://schemas.openxmlformats.org/drawingml/2006/chart" xmlns:dgm="http://schemas.openxmlformats.org/drawingml/2006/diagram" xmlns:o="urn:schemas-microsoft-com:office:office" xmlns:v="urn:schemas-microsoft-com:vml" xmlns:pvml="urn:schemas-microsoft-com:office:powerpoint" xmlns:com="http://schemas.openxmlformats.org/drawingml/2006/compatibility" xmlns:p14="http://schemas.microsoft.com/office/powerpoint/2010/main" xmlns:p15="http://schemas.microsoft.com/office/powerpoint/2012/main" matchingName="Section title and description">
+<p:sldLayout xmlns:a="http://schemas.openxmlformats.org/drawingml/2006/main" xmlns:r="http://schemas.openxmlformats.org/officeDocument/2006/relationships" xmlns:p="http://schemas.openxmlformats.org/presentationml/2006/main" matchingName="Section title and description">
   <p:cSld name="SECTION_TITLE_AND_DESCRIPTION">
     <p:spTree>
       <p:nvGrpSpPr>
-        <p:cNvPr id="35" name="Shape 35"/>
+        <p:cNvPr id="1" name="Shape 35"/>
         <p:cNvGrpSpPr/>
         <p:nvPr/>
       </p:nvGrpSpPr>
@@ -3616,12 +3489,12 @@
           </a:ln>
         </p:spPr>
         <p:txBody>
-          <a:bodyPr anchorCtr="0" anchor="ctr" bIns="91425" lIns="91425" spcFirstLastPara="1" rIns="91425" wrap="square" tIns="91425">
+          <a:bodyPr spcFirstLastPara="1" wrap="square" lIns="91425" tIns="91425" rIns="91425" bIns="91425" anchor="ctr" anchorCtr="0">
             <a:noAutofit/>
           </a:bodyPr>
           <a:lstStyle/>
           <a:p>
-            <a:pPr indent="0" lvl="0" marL="0" rtl="0" algn="l">
+            <a:pPr marL="0" lvl="0" indent="0" algn="l" rtl="0">
               <a:spcBef>
                 <a:spcPts val="0"/>
               </a:spcBef>
@@ -3630,9 +3503,6 @@
               </a:spcAft>
               <a:buNone/>
             </a:pPr>
-            <a:r>
-              <a:t/>
-            </a:r>
             <a:endParaRPr/>
           </a:p>
         </p:txBody>
@@ -3640,7 +3510,9 @@
       <p:sp>
         <p:nvSpPr>
           <p:cNvPr id="37" name="Google Shape;37;p9"/>
-          <p:cNvSpPr txBox="1"/>
+          <p:cNvSpPr txBox="1">
+            <a:spLocks noGrp="1"/>
+          </p:cNvSpPr>
           <p:nvPr>
             <p:ph type="title"/>
           </p:nvPr>
@@ -3655,7 +3527,7 @@
           </a:prstGeom>
         </p:spPr>
         <p:txBody>
-          <a:bodyPr anchorCtr="0" anchor="b" bIns="91425" lIns="91425" spcFirstLastPara="1" rIns="91425" wrap="square" tIns="91425">
+          <a:bodyPr spcFirstLastPara="1" wrap="square" lIns="91425" tIns="91425" rIns="91425" bIns="91425" anchor="b" anchorCtr="0">
             <a:noAutofit/>
           </a:bodyPr>
           <a:lstStyle>
@@ -3759,15 +3631,19 @@
               <a:defRPr sz="4200"/>
             </a:lvl9pPr>
           </a:lstStyle>
-          <a:p/>
+          <a:p>
+            <a:endParaRPr/>
+          </a:p>
         </p:txBody>
       </p:sp>
       <p:sp>
         <p:nvSpPr>
           <p:cNvPr id="38" name="Google Shape;38;p9"/>
-          <p:cNvSpPr txBox="1"/>
+          <p:cNvSpPr txBox="1">
+            <a:spLocks noGrp="1"/>
+          </p:cNvSpPr>
           <p:nvPr>
-            <p:ph idx="1" type="subTitle"/>
+            <p:ph type="subTitle" idx="1"/>
           </p:nvPr>
         </p:nvSpPr>
         <p:spPr>
@@ -3780,7 +3656,7 @@
           </a:prstGeom>
         </p:spPr>
         <p:txBody>
-          <a:bodyPr anchorCtr="0" anchor="t" bIns="91425" lIns="91425" spcFirstLastPara="1" rIns="91425" wrap="square" tIns="91425">
+          <a:bodyPr spcFirstLastPara="1" wrap="square" lIns="91425" tIns="91425" rIns="91425" bIns="91425" anchor="t" anchorCtr="0">
             <a:noAutofit/>
           </a:bodyPr>
           <a:lstStyle>
@@ -3911,15 +3787,19 @@
               <a:defRPr sz="2100"/>
             </a:lvl9pPr>
           </a:lstStyle>
-          <a:p/>
+          <a:p>
+            <a:endParaRPr/>
+          </a:p>
         </p:txBody>
       </p:sp>
       <p:sp>
         <p:nvSpPr>
           <p:cNvPr id="39" name="Google Shape;39;p9"/>
-          <p:cNvSpPr txBox="1"/>
+          <p:cNvSpPr txBox="1">
+            <a:spLocks noGrp="1"/>
+          </p:cNvSpPr>
           <p:nvPr>
-            <p:ph idx="2" type="body"/>
+            <p:ph type="body" idx="2"/>
           </p:nvPr>
         </p:nvSpPr>
         <p:spPr>
@@ -3932,11 +3812,11 @@
           </a:prstGeom>
         </p:spPr>
         <p:txBody>
-          <a:bodyPr anchorCtr="0" anchor="ctr" bIns="91425" lIns="91425" spcFirstLastPara="1" rIns="91425" wrap="square" tIns="91425">
+          <a:bodyPr spcFirstLastPara="1" wrap="square" lIns="91425" tIns="91425" rIns="91425" bIns="91425" anchor="ctr" anchorCtr="0">
             <a:noAutofit/>
           </a:bodyPr>
           <a:lstStyle>
-            <a:lvl1pPr indent="-342900" lvl="0" marL="457200">
+            <a:lvl1pPr marL="457200" lvl="0" indent="-342900">
               <a:spcBef>
                 <a:spcPts val="0"/>
               </a:spcBef>
@@ -3947,7 +3827,7 @@
               <a:buChar char="●"/>
               <a:defRPr/>
             </a:lvl1pPr>
-            <a:lvl2pPr indent="-317500" lvl="1" marL="914400">
+            <a:lvl2pPr marL="914400" lvl="1" indent="-317500">
               <a:spcBef>
                 <a:spcPts val="1600"/>
               </a:spcBef>
@@ -3958,7 +3838,7 @@
               <a:buChar char="○"/>
               <a:defRPr/>
             </a:lvl2pPr>
-            <a:lvl3pPr indent="-317500" lvl="2" marL="1371600">
+            <a:lvl3pPr marL="1371600" lvl="2" indent="-317500">
               <a:spcBef>
                 <a:spcPts val="1600"/>
               </a:spcBef>
@@ -3969,7 +3849,7 @@
               <a:buChar char="■"/>
               <a:defRPr/>
             </a:lvl3pPr>
-            <a:lvl4pPr indent="-317500" lvl="3" marL="1828800">
+            <a:lvl4pPr marL="1828800" lvl="3" indent="-317500">
               <a:spcBef>
                 <a:spcPts val="1600"/>
               </a:spcBef>
@@ -3980,7 +3860,7 @@
               <a:buChar char="●"/>
               <a:defRPr/>
             </a:lvl4pPr>
-            <a:lvl5pPr indent="-317500" lvl="4" marL="2286000">
+            <a:lvl5pPr marL="2286000" lvl="4" indent="-317500">
               <a:spcBef>
                 <a:spcPts val="1600"/>
               </a:spcBef>
@@ -3991,7 +3871,7 @@
               <a:buChar char="○"/>
               <a:defRPr/>
             </a:lvl5pPr>
-            <a:lvl6pPr indent="-317500" lvl="5" marL="2743200">
+            <a:lvl6pPr marL="2743200" lvl="5" indent="-317500">
               <a:spcBef>
                 <a:spcPts val="1600"/>
               </a:spcBef>
@@ -4002,7 +3882,7 @@
               <a:buChar char="■"/>
               <a:defRPr/>
             </a:lvl6pPr>
-            <a:lvl7pPr indent="-317500" lvl="6" marL="3200400">
+            <a:lvl7pPr marL="3200400" lvl="6" indent="-317500">
               <a:spcBef>
                 <a:spcPts val="1600"/>
               </a:spcBef>
@@ -4013,7 +3893,7 @@
               <a:buChar char="●"/>
               <a:defRPr/>
             </a:lvl7pPr>
-            <a:lvl8pPr indent="-317500" lvl="7" marL="3657600">
+            <a:lvl8pPr marL="3657600" lvl="7" indent="-317500">
               <a:spcBef>
                 <a:spcPts val="1600"/>
               </a:spcBef>
@@ -4024,7 +3904,7 @@
               <a:buChar char="○"/>
               <a:defRPr/>
             </a:lvl8pPr>
-            <a:lvl9pPr indent="-317500" lvl="8" marL="4114800">
+            <a:lvl9pPr marL="4114800" lvl="8" indent="-317500">
               <a:spcBef>
                 <a:spcPts val="1600"/>
               </a:spcBef>
@@ -4036,15 +3916,19 @@
               <a:defRPr/>
             </a:lvl9pPr>
           </a:lstStyle>
-          <a:p/>
+          <a:p>
+            <a:endParaRPr/>
+          </a:p>
         </p:txBody>
       </p:sp>
       <p:sp>
         <p:nvSpPr>
           <p:cNvPr id="40" name="Google Shape;40;p9"/>
-          <p:cNvSpPr txBox="1"/>
+          <p:cNvSpPr txBox="1">
+            <a:spLocks noGrp="1"/>
+          </p:cNvSpPr>
           <p:nvPr>
-            <p:ph idx="12" type="sldNum"/>
+            <p:ph type="sldNum" idx="12"/>
           </p:nvPr>
         </p:nvSpPr>
         <p:spPr>
@@ -4057,7 +3941,7 @@
           </a:prstGeom>
         </p:spPr>
         <p:txBody>
-          <a:bodyPr anchorCtr="0" anchor="ctr" bIns="91425" lIns="91425" spcFirstLastPara="1" rIns="91425" wrap="square" tIns="91425">
+          <a:bodyPr spcFirstLastPara="1" wrap="square" lIns="91425" tIns="91425" rIns="91425" bIns="91425" anchor="ctr" anchorCtr="0">
             <a:noAutofit/>
           </a:bodyPr>
           <a:lstStyle>
@@ -4099,7 +3983,7 @@
             </a:lvl9pPr>
           </a:lstStyle>
           <a:p>
-            <a:pPr indent="0" lvl="0" marL="0" rtl="0" algn="r">
+            <a:pPr marL="0" lvl="0" indent="0" algn="r" rtl="0">
               <a:spcBef>
                 <a:spcPts val="0"/>
               </a:spcBef>
@@ -4125,11 +4009,11 @@
 </file>
 
 <file path=ppt/slideLayouts/slideLayout9.xml><?xml version="1.0" encoding="utf-8"?>
-<p:sldLayout xmlns:a="http://schemas.openxmlformats.org/drawingml/2006/main" xmlns:r="http://schemas.openxmlformats.org/officeDocument/2006/relationships" xmlns:mc="http://schemas.openxmlformats.org/markup-compatibility/2006" xmlns:mv="urn:schemas-microsoft-com:mac:vml" xmlns:p="http://schemas.openxmlformats.org/presentationml/2006/main" xmlns:c="http://schemas.openxmlformats.org/drawingml/2006/chart" xmlns:dgm="http://schemas.openxmlformats.org/drawingml/2006/diagram" xmlns:o="urn:schemas-microsoft-com:office:office" xmlns:v="urn:schemas-microsoft-com:vml" xmlns:pvml="urn:schemas-microsoft-com:office:powerpoint" xmlns:com="http://schemas.openxmlformats.org/drawingml/2006/compatibility" xmlns:p14="http://schemas.microsoft.com/office/powerpoint/2010/main" xmlns:p15="http://schemas.microsoft.com/office/powerpoint/2012/main" matchingName="Caption">
+<p:sldLayout xmlns:a="http://schemas.openxmlformats.org/drawingml/2006/main" xmlns:r="http://schemas.openxmlformats.org/officeDocument/2006/relationships" xmlns:p="http://schemas.openxmlformats.org/presentationml/2006/main" matchingName="Caption">
   <p:cSld name="CAPTION_ONLY">
     <p:spTree>
       <p:nvGrpSpPr>
-        <p:cNvPr id="41" name="Shape 41"/>
+        <p:cNvPr id="1" name="Shape 41"/>
         <p:cNvGrpSpPr/>
         <p:nvPr/>
       </p:nvGrpSpPr>
@@ -4144,9 +4028,11 @@
       <p:sp>
         <p:nvSpPr>
           <p:cNvPr id="42" name="Google Shape;42;p10"/>
-          <p:cNvSpPr txBox="1"/>
+          <p:cNvSpPr txBox="1">
+            <a:spLocks noGrp="1"/>
+          </p:cNvSpPr>
           <p:nvPr>
-            <p:ph idx="1" type="body"/>
+            <p:ph type="body" idx="1"/>
           </p:nvPr>
         </p:nvSpPr>
         <p:spPr>
@@ -4159,11 +4045,11 @@
           </a:prstGeom>
         </p:spPr>
         <p:txBody>
-          <a:bodyPr anchorCtr="0" anchor="ctr" bIns="91425" lIns="91425" spcFirstLastPara="1" rIns="91425" wrap="square" tIns="91425">
+          <a:bodyPr spcFirstLastPara="1" wrap="square" lIns="91425" tIns="91425" rIns="91425" bIns="91425" anchor="ctr" anchorCtr="0">
             <a:noAutofit/>
           </a:bodyPr>
           <a:lstStyle>
-            <a:lvl1pPr indent="-228600" lvl="0" marL="457200">
+            <a:lvl1pPr marL="457200" lvl="0" indent="-228600">
               <a:lnSpc>
                 <a:spcPct val="100000"/>
               </a:lnSpc>
@@ -4178,15 +4064,19 @@
               <a:defRPr/>
             </a:lvl1pPr>
           </a:lstStyle>
-          <a:p/>
+          <a:p>
+            <a:endParaRPr/>
+          </a:p>
         </p:txBody>
       </p:sp>
       <p:sp>
         <p:nvSpPr>
           <p:cNvPr id="43" name="Google Shape;43;p10"/>
-          <p:cNvSpPr txBox="1"/>
+          <p:cNvSpPr txBox="1">
+            <a:spLocks noGrp="1"/>
+          </p:cNvSpPr>
           <p:nvPr>
-            <p:ph idx="12" type="sldNum"/>
+            <p:ph type="sldNum" idx="12"/>
           </p:nvPr>
         </p:nvSpPr>
         <p:spPr>
@@ -4199,7 +4089,7 @@
           </a:prstGeom>
         </p:spPr>
         <p:txBody>
-          <a:bodyPr anchorCtr="0" anchor="ctr" bIns="91425" lIns="91425" spcFirstLastPara="1" rIns="91425" wrap="square" tIns="91425">
+          <a:bodyPr spcFirstLastPara="1" wrap="square" lIns="91425" tIns="91425" rIns="91425" bIns="91425" anchor="ctr" anchorCtr="0">
             <a:noAutofit/>
           </a:bodyPr>
           <a:lstStyle>
@@ -4241,7 +4131,7 @@
             </a:lvl9pPr>
           </a:lstStyle>
           <a:p>
-            <a:pPr indent="0" lvl="0" marL="0" rtl="0" algn="r">
+            <a:pPr marL="0" lvl="0" indent="0" algn="r" rtl="0">
               <a:spcBef>
                 <a:spcPts val="0"/>
               </a:spcBef>
@@ -4267,18 +4157,19 @@
 </file>
 
 <file path=ppt/slideMasters/slideMaster1.xml><?xml version="1.0" encoding="utf-8"?>
-<p:sldMaster xmlns:a="http://schemas.openxmlformats.org/drawingml/2006/main" xmlns:r="http://schemas.openxmlformats.org/officeDocument/2006/relationships" xmlns:mc="http://schemas.openxmlformats.org/markup-compatibility/2006" xmlns:mv="urn:schemas-microsoft-com:mac:vml" xmlns:p="http://schemas.openxmlformats.org/presentationml/2006/main" xmlns:c="http://schemas.openxmlformats.org/drawingml/2006/chart" xmlns:dgm="http://schemas.openxmlformats.org/drawingml/2006/diagram" xmlns:o="urn:schemas-microsoft-com:office:office" xmlns:v="urn:schemas-microsoft-com:vml" xmlns:pvml="urn:schemas-microsoft-com:office:powerpoint" xmlns:com="http://schemas.openxmlformats.org/drawingml/2006/compatibility" xmlns:p14="http://schemas.microsoft.com/office/powerpoint/2010/main" xmlns:p15="http://schemas.microsoft.com/office/powerpoint/2012/main">
+<p:sldMaster xmlns:a="http://schemas.openxmlformats.org/drawingml/2006/main" xmlns:r="http://schemas.openxmlformats.org/officeDocument/2006/relationships" xmlns:p="http://schemas.openxmlformats.org/presentationml/2006/main">
   <p:cSld name="simple-light-2">
     <p:bg>
       <p:bgPr>
         <a:solidFill>
           <a:schemeClr val="lt1"/>
         </a:solidFill>
+        <a:effectLst/>
       </p:bgPr>
     </p:bg>
     <p:spTree>
       <p:nvGrpSpPr>
-        <p:cNvPr id="5" name="Shape 5"/>
+        <p:cNvPr id="1" name="Shape 5"/>
         <p:cNvGrpSpPr/>
         <p:nvPr/>
       </p:nvGrpSpPr>
@@ -4293,7 +4184,9 @@
       <p:sp>
         <p:nvSpPr>
           <p:cNvPr id="6" name="Google Shape;6;p1"/>
-          <p:cNvSpPr txBox="1"/>
+          <p:cNvSpPr txBox="1">
+            <a:spLocks noGrp="1"/>
+          </p:cNvSpPr>
           <p:nvPr>
             <p:ph type="title"/>
           </p:nvPr>
@@ -4312,7 +4205,7 @@
           </a:ln>
         </p:spPr>
         <p:txBody>
-          <a:bodyPr anchorCtr="0" anchor="t" bIns="91425" lIns="91425" spcFirstLastPara="1" rIns="91425" wrap="square" tIns="91425">
+          <a:bodyPr spcFirstLastPara="1" wrap="square" lIns="91425" tIns="91425" rIns="91425" bIns="91425" anchor="t" anchorCtr="0">
             <a:noAutofit/>
           </a:bodyPr>
           <a:lstStyle>
@@ -4479,15 +4372,19 @@
               </a:defRPr>
             </a:lvl9pPr>
           </a:lstStyle>
-          <a:p/>
+          <a:p>
+            <a:endParaRPr/>
+          </a:p>
         </p:txBody>
       </p:sp>
       <p:sp>
         <p:nvSpPr>
           <p:cNvPr id="7" name="Google Shape;7;p1"/>
-          <p:cNvSpPr txBox="1"/>
+          <p:cNvSpPr txBox="1">
+            <a:spLocks noGrp="1"/>
+          </p:cNvSpPr>
           <p:nvPr>
-            <p:ph idx="1" type="body"/>
+            <p:ph type="body" idx="1"/>
           </p:nvPr>
         </p:nvSpPr>
         <p:spPr>
@@ -4504,11 +4401,11 @@
           </a:ln>
         </p:spPr>
         <p:txBody>
-          <a:bodyPr anchorCtr="0" anchor="t" bIns="91425" lIns="91425" spcFirstLastPara="1" rIns="91425" wrap="square" tIns="91425">
+          <a:bodyPr spcFirstLastPara="1" wrap="square" lIns="91425" tIns="91425" rIns="91425" bIns="91425" anchor="t" anchorCtr="0">
             <a:noAutofit/>
           </a:bodyPr>
           <a:lstStyle>
-            <a:lvl1pPr indent="-342900" lvl="0" marL="457200">
+            <a:lvl1pPr marL="457200" lvl="0" indent="-342900">
               <a:lnSpc>
                 <a:spcPct val="115000"/>
               </a:lnSpc>
@@ -4529,7 +4426,7 @@
                 </a:solidFill>
               </a:defRPr>
             </a:lvl1pPr>
-            <a:lvl2pPr indent="-317500" lvl="1" marL="914400">
+            <a:lvl2pPr marL="914400" lvl="1" indent="-317500">
               <a:lnSpc>
                 <a:spcPct val="115000"/>
               </a:lnSpc>
@@ -4550,7 +4447,7 @@
                 </a:solidFill>
               </a:defRPr>
             </a:lvl2pPr>
-            <a:lvl3pPr indent="-317500" lvl="2" marL="1371600">
+            <a:lvl3pPr marL="1371600" lvl="2" indent="-317500">
               <a:lnSpc>
                 <a:spcPct val="115000"/>
               </a:lnSpc>
@@ -4571,7 +4468,7 @@
                 </a:solidFill>
               </a:defRPr>
             </a:lvl3pPr>
-            <a:lvl4pPr indent="-317500" lvl="3" marL="1828800">
+            <a:lvl4pPr marL="1828800" lvl="3" indent="-317500">
               <a:lnSpc>
                 <a:spcPct val="115000"/>
               </a:lnSpc>
@@ -4592,7 +4489,7 @@
                 </a:solidFill>
               </a:defRPr>
             </a:lvl4pPr>
-            <a:lvl5pPr indent="-317500" lvl="4" marL="2286000">
+            <a:lvl5pPr marL="2286000" lvl="4" indent="-317500">
               <a:lnSpc>
                 <a:spcPct val="115000"/>
               </a:lnSpc>
@@ -4613,7 +4510,7 @@
                 </a:solidFill>
               </a:defRPr>
             </a:lvl5pPr>
-            <a:lvl6pPr indent="-317500" lvl="5" marL="2743200">
+            <a:lvl6pPr marL="2743200" lvl="5" indent="-317500">
               <a:lnSpc>
                 <a:spcPct val="115000"/>
               </a:lnSpc>
@@ -4634,7 +4531,7 @@
                 </a:solidFill>
               </a:defRPr>
             </a:lvl6pPr>
-            <a:lvl7pPr indent="-317500" lvl="6" marL="3200400">
+            <a:lvl7pPr marL="3200400" lvl="6" indent="-317500">
               <a:lnSpc>
                 <a:spcPct val="115000"/>
               </a:lnSpc>
@@ -4655,7 +4552,7 @@
                 </a:solidFill>
               </a:defRPr>
             </a:lvl7pPr>
-            <a:lvl8pPr indent="-317500" lvl="7" marL="3657600">
+            <a:lvl8pPr marL="3657600" lvl="7" indent="-317500">
               <a:lnSpc>
                 <a:spcPct val="115000"/>
               </a:lnSpc>
@@ -4676,7 +4573,7 @@
                 </a:solidFill>
               </a:defRPr>
             </a:lvl8pPr>
-            <a:lvl9pPr indent="-317500" lvl="8" marL="4114800">
+            <a:lvl9pPr marL="4114800" lvl="8" indent="-317500">
               <a:lnSpc>
                 <a:spcPct val="115000"/>
               </a:lnSpc>
@@ -4698,15 +4595,19 @@
               </a:defRPr>
             </a:lvl9pPr>
           </a:lstStyle>
-          <a:p/>
+          <a:p>
+            <a:endParaRPr/>
+          </a:p>
         </p:txBody>
       </p:sp>
       <p:sp>
         <p:nvSpPr>
           <p:cNvPr id="8" name="Google Shape;8;p1"/>
-          <p:cNvSpPr txBox="1"/>
+          <p:cNvSpPr txBox="1">
+            <a:spLocks noGrp="1"/>
+          </p:cNvSpPr>
           <p:nvPr>
-            <p:ph idx="12" type="sldNum"/>
+            <p:ph type="sldNum" idx="12"/>
           </p:nvPr>
         </p:nvSpPr>
         <p:spPr>
@@ -4723,7 +4624,7 @@
           </a:ln>
         </p:spPr>
         <p:txBody>
-          <a:bodyPr anchorCtr="0" anchor="ctr" bIns="91425" lIns="91425" spcFirstLastPara="1" rIns="91425" wrap="square" tIns="91425">
+          <a:bodyPr spcFirstLastPara="1" wrap="square" lIns="91425" tIns="91425" rIns="91425" bIns="91425" anchor="ctr" anchorCtr="0">
             <a:noAutofit/>
           </a:bodyPr>
           <a:lstStyle>
@@ -4801,7 +4702,7 @@
             </a:lvl9pPr>
           </a:lstStyle>
           <a:p>
-            <a:pPr indent="0" lvl="0" marL="0" rtl="0" algn="r">
+            <a:pPr marL="0" lvl="0" indent="0" algn="r" rtl="0">
               <a:spcBef>
                 <a:spcPts val="0"/>
               </a:spcBef>
@@ -4820,7 +4721,7 @@
       </p:sp>
     </p:spTree>
   </p:cSld>
-  <p:clrMap accent1="accent1" accent2="accent2" accent3="accent3" accent4="accent4" accent5="accent5" accent6="accent6" bg1="lt1" bg2="dk2" tx1="dk1" tx2="lt2" folHlink="folHlink" hlink="hlink"/>
+  <p:clrMap bg1="lt1" tx1="dk1" bg2="dk2" tx2="lt2" accent1="accent1" accent2="accent2" accent3="accent3" accent4="accent4" accent5="accent5" accent6="accent6" hlink="hlink" folHlink="folHlink"/>
   <p:sldLayoutIdLst>
     <p:sldLayoutId id="2147483648" r:id="rId1"/>
     <p:sldLayoutId id="2147483649" r:id="rId2"/>
@@ -4832,12 +4733,11 @@
     <p:sldLayoutId id="2147483655" r:id="rId8"/>
     <p:sldLayoutId id="2147483656" r:id="rId9"/>
     <p:sldLayoutId id="2147483657" r:id="rId10"/>
-    <p:sldLayoutId id="2147483658" r:id="rId11"/>
   </p:sldLayoutIdLst>
-  <p:hf dt="0" ftr="0" hdr="0" sldNum="0"/>
+  <p:hf sldNum="0" hdr="0" ftr="0" dt="0"/>
   <p:txStyles>
     <p:titleStyle>
-      <a:defPPr lvl="0" marR="0" rtl="0" algn="l">
+      <a:defPPr marR="0" lvl="0" algn="l" rtl="0">
         <a:lnSpc>
           <a:spcPct val="100000"/>
         </a:lnSpc>
@@ -4848,7 +4748,7 @@
           <a:spcPts val="0"/>
         </a:spcAft>
       </a:defPPr>
-      <a:lvl1pPr lvl="0" marR="0" rtl="0" algn="l">
+      <a:lvl1pPr marR="0" lvl="0" algn="l" rtl="0">
         <a:lnSpc>
           <a:spcPct val="100000"/>
         </a:lnSpc>
@@ -4862,7 +4762,7 @@
           <a:srgbClr val="000000"/>
         </a:buClr>
         <a:buFont typeface="Arial"/>
-        <a:defRPr b="0" i="0" sz="1400" u="none" cap="none" strike="noStrike">
+        <a:defRPr sz="1400" b="0" i="0" u="none" strike="noStrike" cap="none">
           <a:solidFill>
             <a:srgbClr val="000000"/>
           </a:solidFill>
@@ -4872,7 +4772,7 @@
           <a:sym typeface="Arial"/>
         </a:defRPr>
       </a:lvl1pPr>
-      <a:lvl2pPr lvl="1" marR="0" rtl="0" algn="l">
+      <a:lvl2pPr marR="0" lvl="1" algn="l" rtl="0">
         <a:lnSpc>
           <a:spcPct val="100000"/>
         </a:lnSpc>
@@ -4886,7 +4786,7 @@
           <a:srgbClr val="000000"/>
         </a:buClr>
         <a:buFont typeface="Arial"/>
-        <a:defRPr b="0" i="0" sz="1400" u="none" cap="none" strike="noStrike">
+        <a:defRPr sz="1400" b="0" i="0" u="none" strike="noStrike" cap="none">
           <a:solidFill>
             <a:srgbClr val="000000"/>
           </a:solidFill>
@@ -4896,7 +4796,7 @@
           <a:sym typeface="Arial"/>
         </a:defRPr>
       </a:lvl2pPr>
-      <a:lvl3pPr lvl="2" marR="0" rtl="0" algn="l">
+      <a:lvl3pPr marR="0" lvl="2" algn="l" rtl="0">
         <a:lnSpc>
           <a:spcPct val="100000"/>
         </a:lnSpc>
@@ -4910,7 +4810,7 @@
           <a:srgbClr val="000000"/>
         </a:buClr>
         <a:buFont typeface="Arial"/>
-        <a:defRPr b="0" i="0" sz="1400" u="none" cap="none" strike="noStrike">
+        <a:defRPr sz="1400" b="0" i="0" u="none" strike="noStrike" cap="none">
           <a:solidFill>
             <a:srgbClr val="000000"/>
           </a:solidFill>
@@ -4920,7 +4820,7 @@
           <a:sym typeface="Arial"/>
         </a:defRPr>
       </a:lvl3pPr>
-      <a:lvl4pPr lvl="3" marR="0" rtl="0" algn="l">
+      <a:lvl4pPr marR="0" lvl="3" algn="l" rtl="0">
         <a:lnSpc>
           <a:spcPct val="100000"/>
         </a:lnSpc>
@@ -4934,7 +4834,7 @@
           <a:srgbClr val="000000"/>
         </a:buClr>
         <a:buFont typeface="Arial"/>
-        <a:defRPr b="0" i="0" sz="1400" u="none" cap="none" strike="noStrike">
+        <a:defRPr sz="1400" b="0" i="0" u="none" strike="noStrike" cap="none">
           <a:solidFill>
             <a:srgbClr val="000000"/>
           </a:solidFill>
@@ -4944,7 +4844,7 @@
           <a:sym typeface="Arial"/>
         </a:defRPr>
       </a:lvl4pPr>
-      <a:lvl5pPr lvl="4" marR="0" rtl="0" algn="l">
+      <a:lvl5pPr marR="0" lvl="4" algn="l" rtl="0">
         <a:lnSpc>
           <a:spcPct val="100000"/>
         </a:lnSpc>
@@ -4958,7 +4858,7 @@
           <a:srgbClr val="000000"/>
         </a:buClr>
         <a:buFont typeface="Arial"/>
-        <a:defRPr b="0" i="0" sz="1400" u="none" cap="none" strike="noStrike">
+        <a:defRPr sz="1400" b="0" i="0" u="none" strike="noStrike" cap="none">
           <a:solidFill>
             <a:srgbClr val="000000"/>
           </a:solidFill>
@@ -4968,7 +4868,7 @@
           <a:sym typeface="Arial"/>
         </a:defRPr>
       </a:lvl5pPr>
-      <a:lvl6pPr lvl="5" marR="0" rtl="0" algn="l">
+      <a:lvl6pPr marR="0" lvl="5" algn="l" rtl="0">
         <a:lnSpc>
           <a:spcPct val="100000"/>
         </a:lnSpc>
@@ -4982,7 +4882,7 @@
           <a:srgbClr val="000000"/>
         </a:buClr>
         <a:buFont typeface="Arial"/>
-        <a:defRPr b="0" i="0" sz="1400" u="none" cap="none" strike="noStrike">
+        <a:defRPr sz="1400" b="0" i="0" u="none" strike="noStrike" cap="none">
           <a:solidFill>
             <a:srgbClr val="000000"/>
           </a:solidFill>
@@ -4992,7 +4892,7 @@
           <a:sym typeface="Arial"/>
         </a:defRPr>
       </a:lvl6pPr>
-      <a:lvl7pPr lvl="6" marR="0" rtl="0" algn="l">
+      <a:lvl7pPr marR="0" lvl="6" algn="l" rtl="0">
         <a:lnSpc>
           <a:spcPct val="100000"/>
         </a:lnSpc>
@@ -5006,7 +4906,7 @@
           <a:srgbClr val="000000"/>
         </a:buClr>
         <a:buFont typeface="Arial"/>
-        <a:defRPr b="0" i="0" sz="1400" u="none" cap="none" strike="noStrike">
+        <a:defRPr sz="1400" b="0" i="0" u="none" strike="noStrike" cap="none">
           <a:solidFill>
             <a:srgbClr val="000000"/>
           </a:solidFill>
@@ -5016,7 +4916,7 @@
           <a:sym typeface="Arial"/>
         </a:defRPr>
       </a:lvl7pPr>
-      <a:lvl8pPr lvl="7" marR="0" rtl="0" algn="l">
+      <a:lvl8pPr marR="0" lvl="7" algn="l" rtl="0">
         <a:lnSpc>
           <a:spcPct val="100000"/>
         </a:lnSpc>
@@ -5030,7 +4930,7 @@
           <a:srgbClr val="000000"/>
         </a:buClr>
         <a:buFont typeface="Arial"/>
-        <a:defRPr b="0" i="0" sz="1400" u="none" cap="none" strike="noStrike">
+        <a:defRPr sz="1400" b="0" i="0" u="none" strike="noStrike" cap="none">
           <a:solidFill>
             <a:srgbClr val="000000"/>
           </a:solidFill>
@@ -5040,7 +4940,7 @@
           <a:sym typeface="Arial"/>
         </a:defRPr>
       </a:lvl8pPr>
-      <a:lvl9pPr lvl="8" marR="0" rtl="0" algn="l">
+      <a:lvl9pPr marR="0" lvl="8" algn="l" rtl="0">
         <a:lnSpc>
           <a:spcPct val="100000"/>
         </a:lnSpc>
@@ -5054,7 +4954,7 @@
           <a:srgbClr val="000000"/>
         </a:buClr>
         <a:buFont typeface="Arial"/>
-        <a:defRPr b="0" i="0" sz="1400" u="none" cap="none" strike="noStrike">
+        <a:defRPr sz="1400" b="0" i="0" u="none" strike="noStrike" cap="none">
           <a:solidFill>
             <a:srgbClr val="000000"/>
           </a:solidFill>
@@ -5066,7 +4966,7 @@
       </a:lvl9pPr>
     </p:titleStyle>
     <p:bodyStyle>
-      <a:defPPr lvl="0" marR="0" rtl="0" algn="l">
+      <a:defPPr marR="0" lvl="0" algn="l" rtl="0">
         <a:lnSpc>
           <a:spcPct val="100000"/>
         </a:lnSpc>
@@ -5077,7 +4977,7 @@
           <a:spcPts val="0"/>
         </a:spcAft>
       </a:defPPr>
-      <a:lvl1pPr lvl="0" marR="0" rtl="0" algn="l">
+      <a:lvl1pPr marR="0" lvl="0" algn="l" rtl="0">
         <a:lnSpc>
           <a:spcPct val="100000"/>
         </a:lnSpc>
@@ -5091,7 +4991,7 @@
           <a:srgbClr val="000000"/>
         </a:buClr>
         <a:buFont typeface="Arial"/>
-        <a:defRPr b="0" i="0" sz="1400" u="none" cap="none" strike="noStrike">
+        <a:defRPr sz="1400" b="0" i="0" u="none" strike="noStrike" cap="none">
           <a:solidFill>
             <a:srgbClr val="000000"/>
           </a:solidFill>
@@ -5101,7 +5001,7 @@
           <a:sym typeface="Arial"/>
         </a:defRPr>
       </a:lvl1pPr>
-      <a:lvl2pPr lvl="1" marR="0" rtl="0" algn="l">
+      <a:lvl2pPr marR="0" lvl="1" algn="l" rtl="0">
         <a:lnSpc>
           <a:spcPct val="100000"/>
         </a:lnSpc>
@@ -5115,7 +5015,7 @@
           <a:srgbClr val="000000"/>
         </a:buClr>
         <a:buFont typeface="Arial"/>
-        <a:defRPr b="0" i="0" sz="1400" u="none" cap="none" strike="noStrike">
+        <a:defRPr sz="1400" b="0" i="0" u="none" strike="noStrike" cap="none">
           <a:solidFill>
             <a:srgbClr val="000000"/>
           </a:solidFill>
@@ -5125,7 +5025,7 @@
           <a:sym typeface="Arial"/>
         </a:defRPr>
       </a:lvl2pPr>
-      <a:lvl3pPr lvl="2" marR="0" rtl="0" algn="l">
+      <a:lvl3pPr marR="0" lvl="2" algn="l" rtl="0">
         <a:lnSpc>
           <a:spcPct val="100000"/>
         </a:lnSpc>
@@ -5139,7 +5039,7 @@
           <a:srgbClr val="000000"/>
         </a:buClr>
         <a:buFont typeface="Arial"/>
-        <a:defRPr b="0" i="0" sz="1400" u="none" cap="none" strike="noStrike">
+        <a:defRPr sz="1400" b="0" i="0" u="none" strike="noStrike" cap="none">
           <a:solidFill>
             <a:srgbClr val="000000"/>
           </a:solidFill>
@@ -5149,7 +5049,7 @@
           <a:sym typeface="Arial"/>
         </a:defRPr>
       </a:lvl3pPr>
-      <a:lvl4pPr lvl="3" marR="0" rtl="0" algn="l">
+      <a:lvl4pPr marR="0" lvl="3" algn="l" rtl="0">
         <a:lnSpc>
           <a:spcPct val="100000"/>
         </a:lnSpc>
@@ -5163,7 +5063,7 @@
           <a:srgbClr val="000000"/>
         </a:buClr>
         <a:buFont typeface="Arial"/>
-        <a:defRPr b="0" i="0" sz="1400" u="none" cap="none" strike="noStrike">
+        <a:defRPr sz="1400" b="0" i="0" u="none" strike="noStrike" cap="none">
           <a:solidFill>
             <a:srgbClr val="000000"/>
           </a:solidFill>
@@ -5173,7 +5073,7 @@
           <a:sym typeface="Arial"/>
         </a:defRPr>
       </a:lvl4pPr>
-      <a:lvl5pPr lvl="4" marR="0" rtl="0" algn="l">
+      <a:lvl5pPr marR="0" lvl="4" algn="l" rtl="0">
         <a:lnSpc>
           <a:spcPct val="100000"/>
         </a:lnSpc>
@@ -5187,7 +5087,7 @@
           <a:srgbClr val="000000"/>
         </a:buClr>
         <a:buFont typeface="Arial"/>
-        <a:defRPr b="0" i="0" sz="1400" u="none" cap="none" strike="noStrike">
+        <a:defRPr sz="1400" b="0" i="0" u="none" strike="noStrike" cap="none">
           <a:solidFill>
             <a:srgbClr val="000000"/>
           </a:solidFill>
@@ -5197,7 +5097,7 @@
           <a:sym typeface="Arial"/>
         </a:defRPr>
       </a:lvl5pPr>
-      <a:lvl6pPr lvl="5" marR="0" rtl="0" algn="l">
+      <a:lvl6pPr marR="0" lvl="5" algn="l" rtl="0">
         <a:lnSpc>
           <a:spcPct val="100000"/>
         </a:lnSpc>
@@ -5211,7 +5111,7 @@
           <a:srgbClr val="000000"/>
         </a:buClr>
         <a:buFont typeface="Arial"/>
-        <a:defRPr b="0" i="0" sz="1400" u="none" cap="none" strike="noStrike">
+        <a:defRPr sz="1400" b="0" i="0" u="none" strike="noStrike" cap="none">
           <a:solidFill>
             <a:srgbClr val="000000"/>
           </a:solidFill>
@@ -5221,7 +5121,7 @@
           <a:sym typeface="Arial"/>
         </a:defRPr>
       </a:lvl6pPr>
-      <a:lvl7pPr lvl="6" marR="0" rtl="0" algn="l">
+      <a:lvl7pPr marR="0" lvl="6" algn="l" rtl="0">
         <a:lnSpc>
           <a:spcPct val="100000"/>
         </a:lnSpc>
@@ -5235,7 +5135,7 @@
           <a:srgbClr val="000000"/>
         </a:buClr>
         <a:buFont typeface="Arial"/>
-        <a:defRPr b="0" i="0" sz="1400" u="none" cap="none" strike="noStrike">
+        <a:defRPr sz="1400" b="0" i="0" u="none" strike="noStrike" cap="none">
           <a:solidFill>
             <a:srgbClr val="000000"/>
           </a:solidFill>
@@ -5245,7 +5145,7 @@
           <a:sym typeface="Arial"/>
         </a:defRPr>
       </a:lvl7pPr>
-      <a:lvl8pPr lvl="7" marR="0" rtl="0" algn="l">
+      <a:lvl8pPr marR="0" lvl="7" algn="l" rtl="0">
         <a:lnSpc>
           <a:spcPct val="100000"/>
         </a:lnSpc>
@@ -5259,7 +5159,7 @@
           <a:srgbClr val="000000"/>
         </a:buClr>
         <a:buFont typeface="Arial"/>
-        <a:defRPr b="0" i="0" sz="1400" u="none" cap="none" strike="noStrike">
+        <a:defRPr sz="1400" b="0" i="0" u="none" strike="noStrike" cap="none">
           <a:solidFill>
             <a:srgbClr val="000000"/>
           </a:solidFill>
@@ -5269,7 +5169,7 @@
           <a:sym typeface="Arial"/>
         </a:defRPr>
       </a:lvl8pPr>
-      <a:lvl9pPr lvl="8" marR="0" rtl="0" algn="l">
+      <a:lvl9pPr marR="0" lvl="8" algn="l" rtl="0">
         <a:lnSpc>
           <a:spcPct val="100000"/>
         </a:lnSpc>
@@ -5283,7 +5183,7 @@
           <a:srgbClr val="000000"/>
         </a:buClr>
         <a:buFont typeface="Arial"/>
-        <a:defRPr b="0" i="0" sz="1400" u="none" cap="none" strike="noStrike">
+        <a:defRPr sz="1400" b="0" i="0" u="none" strike="noStrike" cap="none">
           <a:solidFill>
             <a:srgbClr val="000000"/>
           </a:solidFill>
@@ -5295,7 +5195,7 @@
       </a:lvl9pPr>
     </p:bodyStyle>
     <p:otherStyle>
-      <a:defPPr lvl="0" marR="0" rtl="0" algn="l">
+      <a:defPPr marR="0" lvl="0" algn="l" rtl="0">
         <a:lnSpc>
           <a:spcPct val="100000"/>
         </a:lnSpc>
@@ -5306,7 +5206,7 @@
           <a:spcPts val="0"/>
         </a:spcAft>
       </a:defPPr>
-      <a:lvl1pPr lvl="0" marR="0" rtl="0" algn="l">
+      <a:lvl1pPr marR="0" lvl="0" algn="l" rtl="0">
         <a:lnSpc>
           <a:spcPct val="100000"/>
         </a:lnSpc>
@@ -5320,7 +5220,7 @@
           <a:srgbClr val="000000"/>
         </a:buClr>
         <a:buFont typeface="Arial"/>
-        <a:defRPr b="0" i="0" sz="1400" u="none" cap="none" strike="noStrike">
+        <a:defRPr sz="1400" b="0" i="0" u="none" strike="noStrike" cap="none">
           <a:solidFill>
             <a:srgbClr val="000000"/>
           </a:solidFill>
@@ -5330,7 +5230,7 @@
           <a:sym typeface="Arial"/>
         </a:defRPr>
       </a:lvl1pPr>
-      <a:lvl2pPr lvl="1" marR="0" rtl="0" algn="l">
+      <a:lvl2pPr marR="0" lvl="1" algn="l" rtl="0">
         <a:lnSpc>
           <a:spcPct val="100000"/>
         </a:lnSpc>
@@ -5344,7 +5244,7 @@
           <a:srgbClr val="000000"/>
         </a:buClr>
         <a:buFont typeface="Arial"/>
-        <a:defRPr b="0" i="0" sz="1400" u="none" cap="none" strike="noStrike">
+        <a:defRPr sz="1400" b="0" i="0" u="none" strike="noStrike" cap="none">
           <a:solidFill>
             <a:srgbClr val="000000"/>
           </a:solidFill>
@@ -5354,7 +5254,7 @@
           <a:sym typeface="Arial"/>
         </a:defRPr>
       </a:lvl2pPr>
-      <a:lvl3pPr lvl="2" marR="0" rtl="0" algn="l">
+      <a:lvl3pPr marR="0" lvl="2" algn="l" rtl="0">
         <a:lnSpc>
           <a:spcPct val="100000"/>
         </a:lnSpc>
@@ -5368,7 +5268,7 @@
           <a:srgbClr val="000000"/>
         </a:buClr>
         <a:buFont typeface="Arial"/>
-        <a:defRPr b="0" i="0" sz="1400" u="none" cap="none" strike="noStrike">
+        <a:defRPr sz="1400" b="0" i="0" u="none" strike="noStrike" cap="none">
           <a:solidFill>
             <a:srgbClr val="000000"/>
           </a:solidFill>
@@ -5378,7 +5278,7 @@
           <a:sym typeface="Arial"/>
         </a:defRPr>
       </a:lvl3pPr>
-      <a:lvl4pPr lvl="3" marR="0" rtl="0" algn="l">
+      <a:lvl4pPr marR="0" lvl="3" algn="l" rtl="0">
         <a:lnSpc>
           <a:spcPct val="100000"/>
         </a:lnSpc>
@@ -5392,7 +5292,7 @@
           <a:srgbClr val="000000"/>
         </a:buClr>
         <a:buFont typeface="Arial"/>
-        <a:defRPr b="0" i="0" sz="1400" u="none" cap="none" strike="noStrike">
+        <a:defRPr sz="1400" b="0" i="0" u="none" strike="noStrike" cap="none">
           <a:solidFill>
             <a:srgbClr val="000000"/>
           </a:solidFill>
@@ -5402,7 +5302,7 @@
           <a:sym typeface="Arial"/>
         </a:defRPr>
       </a:lvl4pPr>
-      <a:lvl5pPr lvl="4" marR="0" rtl="0" algn="l">
+      <a:lvl5pPr marR="0" lvl="4" algn="l" rtl="0">
         <a:lnSpc>
           <a:spcPct val="100000"/>
         </a:lnSpc>
@@ -5416,7 +5316,7 @@
           <a:srgbClr val="000000"/>
         </a:buClr>
         <a:buFont typeface="Arial"/>
-        <a:defRPr b="0" i="0" sz="1400" u="none" cap="none" strike="noStrike">
+        <a:defRPr sz="1400" b="0" i="0" u="none" strike="noStrike" cap="none">
           <a:solidFill>
             <a:srgbClr val="000000"/>
           </a:solidFill>
@@ -5426,7 +5326,7 @@
           <a:sym typeface="Arial"/>
         </a:defRPr>
       </a:lvl5pPr>
-      <a:lvl6pPr lvl="5" marR="0" rtl="0" algn="l">
+      <a:lvl6pPr marR="0" lvl="5" algn="l" rtl="0">
         <a:lnSpc>
           <a:spcPct val="100000"/>
         </a:lnSpc>
@@ -5440,7 +5340,7 @@
           <a:srgbClr val="000000"/>
         </a:buClr>
         <a:buFont typeface="Arial"/>
-        <a:defRPr b="0" i="0" sz="1400" u="none" cap="none" strike="noStrike">
+        <a:defRPr sz="1400" b="0" i="0" u="none" strike="noStrike" cap="none">
           <a:solidFill>
             <a:srgbClr val="000000"/>
           </a:solidFill>
@@ -5450,7 +5350,7 @@
           <a:sym typeface="Arial"/>
         </a:defRPr>
       </a:lvl6pPr>
-      <a:lvl7pPr lvl="6" marR="0" rtl="0" algn="l">
+      <a:lvl7pPr marR="0" lvl="6" algn="l" rtl="0">
         <a:lnSpc>
           <a:spcPct val="100000"/>
         </a:lnSpc>
@@ -5464,7 +5364,7 @@
           <a:srgbClr val="000000"/>
         </a:buClr>
         <a:buFont typeface="Arial"/>
-        <a:defRPr b="0" i="0" sz="1400" u="none" cap="none" strike="noStrike">
+        <a:defRPr sz="1400" b="0" i="0" u="none" strike="noStrike" cap="none">
           <a:solidFill>
             <a:srgbClr val="000000"/>
           </a:solidFill>
@@ -5474,7 +5374,7 @@
           <a:sym typeface="Arial"/>
         </a:defRPr>
       </a:lvl7pPr>
-      <a:lvl8pPr lvl="7" marR="0" rtl="0" algn="l">
+      <a:lvl8pPr marR="0" lvl="7" algn="l" rtl="0">
         <a:lnSpc>
           <a:spcPct val="100000"/>
         </a:lnSpc>
@@ -5488,7 +5388,7 @@
           <a:srgbClr val="000000"/>
         </a:buClr>
         <a:buFont typeface="Arial"/>
-        <a:defRPr b="0" i="0" sz="1400" u="none" cap="none" strike="noStrike">
+        <a:defRPr sz="1400" b="0" i="0" u="none" strike="noStrike" cap="none">
           <a:solidFill>
             <a:srgbClr val="000000"/>
           </a:solidFill>
@@ -5498,7 +5398,7 @@
           <a:sym typeface="Arial"/>
         </a:defRPr>
       </a:lvl8pPr>
-      <a:lvl9pPr lvl="8" marR="0" rtl="0" algn="l">
+      <a:lvl9pPr marR="0" lvl="8" algn="l" rtl="0">
         <a:lnSpc>
           <a:spcPct val="100000"/>
         </a:lnSpc>
@@ -5512,7 +5412,7 @@
           <a:srgbClr val="000000"/>
         </a:buClr>
         <a:buFont typeface="Arial"/>
-        <a:defRPr b="0" i="0" sz="1400" u="none" cap="none" strike="noStrike">
+        <a:defRPr sz="1400" b="0" i="0" u="none" strike="noStrike" cap="none">
           <a:solidFill>
             <a:srgbClr val="000000"/>
           </a:solidFill>
@@ -5528,11 +5428,11 @@
 </file>
 
 <file path=ppt/slides/slide1.xml><?xml version="1.0" encoding="utf-8"?>
-<p:sld xmlns:a="http://schemas.openxmlformats.org/drawingml/2006/main" xmlns:r="http://schemas.openxmlformats.org/officeDocument/2006/relationships" xmlns:mc="http://schemas.openxmlformats.org/markup-compatibility/2006" xmlns:mv="urn:schemas-microsoft-com:mac:vml" xmlns:p="http://schemas.openxmlformats.org/presentationml/2006/main" xmlns:c="http://schemas.openxmlformats.org/drawingml/2006/chart" xmlns:dgm="http://schemas.openxmlformats.org/drawingml/2006/diagram" xmlns:o="urn:schemas-microsoft-com:office:office" xmlns:v="urn:schemas-microsoft-com:vml" xmlns:pvml="urn:schemas-microsoft-com:office:powerpoint" xmlns:com="http://schemas.openxmlformats.org/drawingml/2006/compatibility" xmlns:p14="http://schemas.microsoft.com/office/powerpoint/2010/main" xmlns:p15="http://schemas.microsoft.com/office/powerpoint/2012/main">
+<p:sld xmlns:a="http://schemas.openxmlformats.org/drawingml/2006/main" xmlns:r="http://schemas.openxmlformats.org/officeDocument/2006/relationships" xmlns:p="http://schemas.openxmlformats.org/presentationml/2006/main">
   <p:cSld>
     <p:spTree>
       <p:nvGrpSpPr>
-        <p:cNvPr id="53" name="Shape 53"/>
+        <p:cNvPr id="1" name="Shape 53"/>
         <p:cNvGrpSpPr/>
         <p:nvPr/>
       </p:nvGrpSpPr>
@@ -5557,27 +5457,27 @@
           </a:xfrm>
           <a:prstGeom prst="roundRect">
             <a:avLst>
-              <a:gd fmla="val 8212" name="adj"/>
+              <a:gd name="adj" fmla="val 8212"/>
             </a:avLst>
           </a:prstGeom>
           <a:noFill/>
-          <a:ln cap="flat" cmpd="sng" w="28575">
+          <a:ln w="28575" cap="flat" cmpd="sng">
             <a:solidFill>
               <a:srgbClr val="FF00FF"/>
             </a:solidFill>
             <a:prstDash val="solid"/>
             <a:round/>
-            <a:headEnd len="sm" w="sm" type="none"/>
-            <a:tailEnd len="sm" w="sm" type="none"/>
+            <a:headEnd type="none" w="sm" len="sm"/>
+            <a:tailEnd type="none" w="sm" len="sm"/>
           </a:ln>
         </p:spPr>
         <p:txBody>
-          <a:bodyPr anchorCtr="0" anchor="ctr" bIns="91425" lIns="91425" spcFirstLastPara="1" rIns="91425" wrap="square" tIns="91425">
+          <a:bodyPr spcFirstLastPara="1" wrap="square" lIns="91425" tIns="91425" rIns="91425" bIns="91425" anchor="ctr" anchorCtr="0">
             <a:noAutofit/>
           </a:bodyPr>
           <a:lstStyle/>
           <a:p>
-            <a:pPr indent="0" lvl="0" marL="0" rtl="0" algn="l">
+            <a:pPr marL="0" lvl="0" indent="0" algn="l" rtl="0">
               <a:spcBef>
                 <a:spcPts val="0"/>
               </a:spcBef>
@@ -5586,9 +5486,6 @@
               </a:spcAft>
               <a:buNone/>
             </a:pPr>
-            <a:r>
-              <a:t/>
-            </a:r>
             <a:endParaRPr/>
           </a:p>
         </p:txBody>
@@ -5606,27 +5503,27 @@
           </a:xfrm>
           <a:prstGeom prst="roundRect">
             <a:avLst>
-              <a:gd fmla="val 8212" name="adj"/>
+              <a:gd name="adj" fmla="val 8212"/>
             </a:avLst>
           </a:prstGeom>
           <a:noFill/>
-          <a:ln cap="flat" cmpd="sng" w="28575">
+          <a:ln w="28575" cap="flat" cmpd="sng">
             <a:solidFill>
               <a:srgbClr val="4A86E8"/>
             </a:solidFill>
             <a:prstDash val="solid"/>
             <a:round/>
-            <a:headEnd len="sm" w="sm" type="none"/>
-            <a:tailEnd len="sm" w="sm" type="none"/>
+            <a:headEnd type="none" w="sm" len="sm"/>
+            <a:tailEnd type="none" w="sm" len="sm"/>
           </a:ln>
         </p:spPr>
         <p:txBody>
-          <a:bodyPr anchorCtr="0" anchor="ctr" bIns="91425" lIns="91425" spcFirstLastPara="1" rIns="91425" wrap="square" tIns="91425">
+          <a:bodyPr spcFirstLastPara="1" wrap="square" lIns="91425" tIns="91425" rIns="91425" bIns="91425" anchor="ctr" anchorCtr="0">
             <a:noAutofit/>
           </a:bodyPr>
           <a:lstStyle/>
           <a:p>
-            <a:pPr indent="0" lvl="0" marL="0" rtl="0" algn="l">
+            <a:pPr marL="0" lvl="0" indent="0" algn="l" rtl="0">
               <a:spcBef>
                 <a:spcPts val="0"/>
               </a:spcBef>
@@ -5635,9 +5532,6 @@
               </a:spcAft>
               <a:buNone/>
             </a:pPr>
-            <a:r>
-              <a:t/>
-            </a:r>
             <a:endParaRPr/>
           </a:p>
         </p:txBody>
@@ -5655,27 +5549,27 @@
           </a:xfrm>
           <a:prstGeom prst="roundRect">
             <a:avLst>
-              <a:gd fmla="val 8212" name="adj"/>
+              <a:gd name="adj" fmla="val 8212"/>
             </a:avLst>
           </a:prstGeom>
           <a:noFill/>
-          <a:ln cap="flat" cmpd="sng" w="28575">
+          <a:ln w="28575" cap="flat" cmpd="sng">
             <a:solidFill>
               <a:srgbClr val="FF9900"/>
             </a:solidFill>
             <a:prstDash val="solid"/>
             <a:round/>
-            <a:headEnd len="sm" w="sm" type="none"/>
-            <a:tailEnd len="sm" w="sm" type="none"/>
+            <a:headEnd type="none" w="sm" len="sm"/>
+            <a:tailEnd type="none" w="sm" len="sm"/>
           </a:ln>
         </p:spPr>
         <p:txBody>
-          <a:bodyPr anchorCtr="0" anchor="ctr" bIns="91425" lIns="91425" spcFirstLastPara="1" rIns="91425" wrap="square" tIns="91425">
+          <a:bodyPr spcFirstLastPara="1" wrap="square" lIns="91425" tIns="91425" rIns="91425" bIns="91425" anchor="ctr" anchorCtr="0">
             <a:noAutofit/>
           </a:bodyPr>
           <a:lstStyle/>
           <a:p>
-            <a:pPr indent="0" lvl="0" marL="0" rtl="0" algn="l">
+            <a:pPr marL="0" lvl="0" indent="0" algn="l" rtl="0">
               <a:spcBef>
                 <a:spcPts val="0"/>
               </a:spcBef>
@@ -5684,9 +5578,6 @@
               </a:spcAft>
               <a:buNone/>
             </a:pPr>
-            <a:r>
-              <a:t/>
-            </a:r>
             <a:endParaRPr/>
           </a:p>
         </p:txBody>
@@ -5699,7 +5590,7 @@
         </p:nvGraphicFramePr>
         <p:xfrm>
           <a:off x="79173" y="4987273"/>
-          <a:ext cx="3000000" cy="3000000"/>
+          <a:ext cx="10533650" cy="2475300"/>
         </p:xfrm>
         <a:graphic>
           <a:graphicData uri="http://schemas.openxmlformats.org/drawingml/2006/table">
@@ -5709,10 +5600,34 @@
                 <a:tableStyleId>{C33E5B87-A77A-4D37-A0CA-501CFD5C909C}</a:tableStyleId>
               </a:tblPr>
               <a:tblGrid>
-                <a:gridCol w="1195150"/>
-                <a:gridCol w="3573300"/>
-                <a:gridCol w="2983300"/>
-                <a:gridCol w="2781900"/>
+                <a:gridCol w="1195150">
+                  <a:extLst>
+                    <a:ext uri="{9D8B030D-6E8A-4147-A177-3AD203B41FA5}">
+                      <a16:colId xmlns:a16="http://schemas.microsoft.com/office/drawing/2014/main" val="20000"/>
+                    </a:ext>
+                  </a:extLst>
+                </a:gridCol>
+                <a:gridCol w="3573300">
+                  <a:extLst>
+                    <a:ext uri="{9D8B030D-6E8A-4147-A177-3AD203B41FA5}">
+                      <a16:colId xmlns:a16="http://schemas.microsoft.com/office/drawing/2014/main" val="20001"/>
+                    </a:ext>
+                  </a:extLst>
+                </a:gridCol>
+                <a:gridCol w="2983300">
+                  <a:extLst>
+                    <a:ext uri="{9D8B030D-6E8A-4147-A177-3AD203B41FA5}">
+                      <a16:colId xmlns:a16="http://schemas.microsoft.com/office/drawing/2014/main" val="20002"/>
+                    </a:ext>
+                  </a:extLst>
+                </a:gridCol>
+                <a:gridCol w="2781900">
+                  <a:extLst>
+                    <a:ext uri="{9D8B030D-6E8A-4147-A177-3AD203B41FA5}">
+                      <a16:colId xmlns:a16="http://schemas.microsoft.com/office/drawing/2014/main" val="20003"/>
+                    </a:ext>
+                  </a:extLst>
+                </a:gridCol>
               </a:tblGrid>
               <a:tr h="344750">
                 <a:tc>
@@ -5720,7 +5635,7 @@
                     <a:bodyPr/>
                     <a:lstStyle/>
                     <a:p>
-                      <a:pPr indent="0" lvl="0" marL="0" rtl="0" algn="ctr">
+                      <a:pPr marL="0" lvl="0" indent="0" algn="ctr" rtl="0">
                         <a:spcBef>
                           <a:spcPts val="0"/>
                         </a:spcBef>
@@ -5748,42 +5663,42 @@
                       <a:endParaRPr sz="1000"/>
                     </a:p>
                   </a:txBody>
-                  <a:tcPr marT="64650" marB="64650" marR="129300" marL="129300" anchor="ctr">
-                    <a:lnL cap="flat" cmpd="sng" w="19050">
+                  <a:tcPr marL="129300" marR="129300" marT="64650" marB="64650" anchor="ctr">
+                    <a:lnL w="19050" cap="flat" cmpd="sng">
                       <a:solidFill>
                         <a:srgbClr val="B7B7B7"/>
                       </a:solidFill>
                       <a:prstDash val="solid"/>
                       <a:round/>
-                      <a:headEnd len="sm" w="sm" type="none"/>
-                      <a:tailEnd len="sm" w="sm" type="none"/>
+                      <a:headEnd type="none" w="sm" len="sm"/>
+                      <a:tailEnd type="none" w="sm" len="sm"/>
                     </a:lnL>
-                    <a:lnR cap="flat" cmpd="sng" w="19050">
+                    <a:lnR w="19050" cap="flat" cmpd="sng">
                       <a:solidFill>
                         <a:srgbClr val="B7B7B7"/>
                       </a:solidFill>
                       <a:prstDash val="solid"/>
                       <a:round/>
-                      <a:headEnd len="sm" w="sm" type="none"/>
-                      <a:tailEnd len="sm" w="sm" type="none"/>
+                      <a:headEnd type="none" w="sm" len="sm"/>
+                      <a:tailEnd type="none" w="sm" len="sm"/>
                     </a:lnR>
-                    <a:lnT cap="flat" cmpd="sng" w="19050">
+                    <a:lnT w="19050" cap="flat" cmpd="sng">
                       <a:solidFill>
                         <a:srgbClr val="B7B7B7"/>
                       </a:solidFill>
                       <a:prstDash val="solid"/>
                       <a:round/>
-                      <a:headEnd len="sm" w="sm" type="none"/>
-                      <a:tailEnd len="sm" w="sm" type="none"/>
+                      <a:headEnd type="none" w="sm" len="sm"/>
+                      <a:tailEnd type="none" w="sm" len="sm"/>
                     </a:lnT>
-                    <a:lnB cap="flat" cmpd="sng" w="19050">
+                    <a:lnB w="19050" cap="flat" cmpd="sng">
                       <a:solidFill>
                         <a:srgbClr val="B7B7B7"/>
                       </a:solidFill>
                       <a:prstDash val="solid"/>
                       <a:round/>
-                      <a:headEnd len="sm" w="sm" type="none"/>
-                      <a:tailEnd len="sm" w="sm" type="none"/>
+                      <a:headEnd type="none" w="sm" len="sm"/>
+                      <a:tailEnd type="none" w="sm" len="sm"/>
                     </a:lnB>
                   </a:tcPr>
                 </a:tc>
@@ -5792,7 +5707,7 @@
                     <a:bodyPr/>
                     <a:lstStyle/>
                     <a:p>
-                      <a:pPr indent="0" lvl="0" marL="0" rtl="0" algn="ctr">
+                      <a:pPr marL="0" lvl="0" indent="0" algn="ctr" rtl="0">
                         <a:spcBef>
                           <a:spcPts val="0"/>
                         </a:spcBef>
@@ -5808,42 +5723,42 @@
                       <a:endParaRPr sz="1000"/>
                     </a:p>
                   </a:txBody>
-                  <a:tcPr marT="64650" marB="64650" marR="129300" marL="129300" anchor="ctr">
-                    <a:lnL cap="flat" cmpd="sng" w="19050">
+                  <a:tcPr marL="129300" marR="129300" marT="64650" marB="64650" anchor="ctr">
+                    <a:lnL w="19050" cap="flat" cmpd="sng">
                       <a:solidFill>
                         <a:srgbClr val="B7B7B7"/>
                       </a:solidFill>
                       <a:prstDash val="solid"/>
                       <a:round/>
-                      <a:headEnd len="sm" w="sm" type="none"/>
-                      <a:tailEnd len="sm" w="sm" type="none"/>
+                      <a:headEnd type="none" w="sm" len="sm"/>
+                      <a:tailEnd type="none" w="sm" len="sm"/>
                     </a:lnL>
-                    <a:lnR cap="flat" cmpd="sng" w="19050">
+                    <a:lnR w="19050" cap="flat" cmpd="sng">
                       <a:solidFill>
                         <a:srgbClr val="B7B7B7"/>
                       </a:solidFill>
                       <a:prstDash val="solid"/>
                       <a:round/>
-                      <a:headEnd len="sm" w="sm" type="none"/>
-                      <a:tailEnd len="sm" w="sm" type="none"/>
+                      <a:headEnd type="none" w="sm" len="sm"/>
+                      <a:tailEnd type="none" w="sm" len="sm"/>
                     </a:lnR>
-                    <a:lnT cap="flat" cmpd="sng" w="19050">
+                    <a:lnT w="19050" cap="flat" cmpd="sng">
                       <a:solidFill>
                         <a:srgbClr val="B7B7B7"/>
                       </a:solidFill>
                       <a:prstDash val="solid"/>
                       <a:round/>
-                      <a:headEnd len="sm" w="sm" type="none"/>
-                      <a:tailEnd len="sm" w="sm" type="none"/>
+                      <a:headEnd type="none" w="sm" len="sm"/>
+                      <a:tailEnd type="none" w="sm" len="sm"/>
                     </a:lnT>
-                    <a:lnB cap="flat" cmpd="sng" w="19050">
+                    <a:lnB w="19050" cap="flat" cmpd="sng">
                       <a:solidFill>
                         <a:srgbClr val="B7B7B7"/>
                       </a:solidFill>
                       <a:prstDash val="solid"/>
                       <a:round/>
-                      <a:headEnd len="sm" w="sm" type="none"/>
-                      <a:tailEnd len="sm" w="sm" type="none"/>
+                      <a:headEnd type="none" w="sm" len="sm"/>
+                      <a:tailEnd type="none" w="sm" len="sm"/>
                     </a:lnB>
                   </a:tcPr>
                 </a:tc>
@@ -5852,7 +5767,7 @@
                     <a:bodyPr/>
                     <a:lstStyle/>
                     <a:p>
-                      <a:pPr indent="0" lvl="0" marL="0" rtl="0" algn="ctr">
+                      <a:pPr marL="0" lvl="0" indent="0" algn="ctr" rtl="0">
                         <a:spcBef>
                           <a:spcPts val="0"/>
                         </a:spcBef>
@@ -5876,7 +5791,7 @@
                       </a:endParaRPr>
                     </a:p>
                     <a:p>
-                      <a:pPr indent="0" lvl="0" marL="0" rtl="0" algn="ctr">
+                      <a:pPr marL="0" lvl="0" indent="0" algn="ctr" rtl="0">
                         <a:spcBef>
                           <a:spcPts val="0"/>
                         </a:spcBef>
@@ -5891,55 +5806,47 @@
                             <a:schemeClr val="dk1"/>
                           </a:solidFill>
                         </a:rPr>
-                        <a:t>Required </a:t>
-                      </a:r>
-                      <a:r>
-                        <a:rPr lang="en" sz="1000">
-                          <a:solidFill>
-                            <a:schemeClr val="dk1"/>
-                          </a:solidFill>
-                        </a:rPr>
-                        <a:t>Manpower and Budget</a:t>
+                        <a:t>Required Manpower and Budget</a:t>
                       </a:r>
                       <a:endParaRPr sz="1000"/>
                     </a:p>
                   </a:txBody>
-                  <a:tcPr marT="64650" marB="64650" marR="129300" marL="129300" anchor="ctr">
-                    <a:lnL cap="flat" cmpd="sng" w="19050">
+                  <a:tcPr marL="129300" marR="129300" marT="64650" marB="64650" anchor="ctr">
+                    <a:lnL w="19050" cap="flat" cmpd="sng">
                       <a:solidFill>
                         <a:srgbClr val="B7B7B7"/>
                       </a:solidFill>
                       <a:prstDash val="solid"/>
                       <a:round/>
-                      <a:headEnd len="sm" w="sm" type="none"/>
-                      <a:tailEnd len="sm" w="sm" type="none"/>
+                      <a:headEnd type="none" w="sm" len="sm"/>
+                      <a:tailEnd type="none" w="sm" len="sm"/>
                     </a:lnL>
-                    <a:lnR cap="flat" cmpd="sng" w="19050">
+                    <a:lnR w="19050" cap="flat" cmpd="sng">
                       <a:solidFill>
                         <a:srgbClr val="B7B7B7"/>
                       </a:solidFill>
                       <a:prstDash val="solid"/>
                       <a:round/>
-                      <a:headEnd len="sm" w="sm" type="none"/>
-                      <a:tailEnd len="sm" w="sm" type="none"/>
+                      <a:headEnd type="none" w="sm" len="sm"/>
+                      <a:tailEnd type="none" w="sm" len="sm"/>
                     </a:lnR>
-                    <a:lnT cap="flat" cmpd="sng" w="19050">
+                    <a:lnT w="19050" cap="flat" cmpd="sng">
                       <a:solidFill>
                         <a:srgbClr val="B7B7B7"/>
                       </a:solidFill>
                       <a:prstDash val="solid"/>
                       <a:round/>
-                      <a:headEnd len="sm" w="sm" type="none"/>
-                      <a:tailEnd len="sm" w="sm" type="none"/>
+                      <a:headEnd type="none" w="sm" len="sm"/>
+                      <a:tailEnd type="none" w="sm" len="sm"/>
                     </a:lnT>
-                    <a:lnB cap="flat" cmpd="sng" w="19050">
+                    <a:lnB w="19050" cap="flat" cmpd="sng">
                       <a:solidFill>
                         <a:srgbClr val="B7B7B7"/>
                       </a:solidFill>
                       <a:prstDash val="solid"/>
                       <a:round/>
-                      <a:headEnd len="sm" w="sm" type="none"/>
-                      <a:tailEnd len="sm" w="sm" type="none"/>
+                      <a:headEnd type="none" w="sm" len="sm"/>
+                      <a:tailEnd type="none" w="sm" len="sm"/>
                     </a:lnB>
                   </a:tcPr>
                 </a:tc>
@@ -5948,7 +5855,7 @@
                     <a:bodyPr/>
                     <a:lstStyle/>
                     <a:p>
-                      <a:pPr indent="0" lvl="0" marL="0" rtl="0" algn="ctr">
+                      <a:pPr marL="0" lvl="0" indent="0" algn="ctr" rtl="0">
                         <a:spcBef>
                           <a:spcPts val="0"/>
                         </a:spcBef>
@@ -5968,45 +5875,50 @@
                       <a:endParaRPr sz="1000"/>
                     </a:p>
                   </a:txBody>
-                  <a:tcPr marT="64650" marB="64650" marR="129300" marL="129300" anchor="ctr">
-                    <a:lnL cap="flat" cmpd="sng" w="19050">
+                  <a:tcPr marL="129300" marR="129300" marT="64650" marB="64650" anchor="ctr">
+                    <a:lnL w="19050" cap="flat" cmpd="sng">
                       <a:solidFill>
                         <a:srgbClr val="B7B7B7"/>
                       </a:solidFill>
                       <a:prstDash val="solid"/>
                       <a:round/>
-                      <a:headEnd len="sm" w="sm" type="none"/>
-                      <a:tailEnd len="sm" w="sm" type="none"/>
+                      <a:headEnd type="none" w="sm" len="sm"/>
+                      <a:tailEnd type="none" w="sm" len="sm"/>
                     </a:lnL>
-                    <a:lnR cap="flat" cmpd="sng" w="19050">
+                    <a:lnR w="19050" cap="flat" cmpd="sng">
                       <a:solidFill>
                         <a:srgbClr val="B7B7B7"/>
                       </a:solidFill>
                       <a:prstDash val="solid"/>
                       <a:round/>
-                      <a:headEnd len="sm" w="sm" type="none"/>
-                      <a:tailEnd len="sm" w="sm" type="none"/>
+                      <a:headEnd type="none" w="sm" len="sm"/>
+                      <a:tailEnd type="none" w="sm" len="sm"/>
                     </a:lnR>
-                    <a:lnT cap="flat" cmpd="sng" w="19050">
+                    <a:lnT w="19050" cap="flat" cmpd="sng">
                       <a:solidFill>
                         <a:srgbClr val="B7B7B7"/>
                       </a:solidFill>
                       <a:prstDash val="solid"/>
                       <a:round/>
-                      <a:headEnd len="sm" w="sm" type="none"/>
-                      <a:tailEnd len="sm" w="sm" type="none"/>
+                      <a:headEnd type="none" w="sm" len="sm"/>
+                      <a:tailEnd type="none" w="sm" len="sm"/>
                     </a:lnT>
-                    <a:lnB cap="flat" cmpd="sng" w="19050">
+                    <a:lnB w="19050" cap="flat" cmpd="sng">
                       <a:solidFill>
                         <a:srgbClr val="B7B7B7"/>
                       </a:solidFill>
                       <a:prstDash val="solid"/>
                       <a:round/>
-                      <a:headEnd len="sm" w="sm" type="none"/>
-                      <a:tailEnd len="sm" w="sm" type="none"/>
+                      <a:headEnd type="none" w="sm" len="sm"/>
+                      <a:tailEnd type="none" w="sm" len="sm"/>
                     </a:lnB>
                   </a:tcPr>
                 </a:tc>
+                <a:extLst>
+                  <a:ext uri="{0D108BD9-81ED-4DB2-BD59-A6C34878D82A}">
+                    <a16:rowId xmlns:a16="http://schemas.microsoft.com/office/drawing/2014/main" val="10000"/>
+                  </a:ext>
+                </a:extLst>
               </a:tr>
               <a:tr h="487875">
                 <a:tc>
@@ -6014,7 +5926,7 @@
                     <a:bodyPr/>
                     <a:lstStyle/>
                     <a:p>
-                      <a:pPr indent="0" lvl="0" marL="0" rtl="0" algn="ctr">
+                      <a:pPr marL="0" lvl="0" indent="0" algn="ctr" rtl="0">
                         <a:spcBef>
                           <a:spcPts val="0"/>
                         </a:spcBef>
@@ -6038,7 +5950,7 @@
                       </a:endParaRPr>
                     </a:p>
                     <a:p>
-                      <a:pPr indent="0" lvl="0" marL="0" rtl="0" algn="ctr">
+                      <a:pPr marL="0" lvl="0" indent="0" algn="ctr" rtl="0">
                         <a:spcBef>
                           <a:spcPts val="0"/>
                         </a:spcBef>
@@ -6062,7 +5974,7 @@
                       </a:endParaRPr>
                     </a:p>
                     <a:p>
-                      <a:pPr indent="0" lvl="0" marL="0" rtl="0" algn="ctr">
+                      <a:pPr marL="0" lvl="0" indent="0" algn="ctr" rtl="0">
                         <a:spcBef>
                           <a:spcPts val="0"/>
                         </a:spcBef>
@@ -6086,42 +5998,42 @@
                       </a:endParaRPr>
                     </a:p>
                   </a:txBody>
-                  <a:tcPr marT="64650" marB="64650" marR="129300" marL="129300" anchor="ctr">
-                    <a:lnL cap="flat" cmpd="sng" w="19050">
+                  <a:tcPr marL="129300" marR="129300" marT="64650" marB="64650" anchor="ctr">
+                    <a:lnL w="19050" cap="flat" cmpd="sng">
                       <a:solidFill>
                         <a:srgbClr val="B7B7B7"/>
                       </a:solidFill>
                       <a:prstDash val="solid"/>
                       <a:round/>
-                      <a:headEnd len="sm" w="sm" type="none"/>
-                      <a:tailEnd len="sm" w="sm" type="none"/>
+                      <a:headEnd type="none" w="sm" len="sm"/>
+                      <a:tailEnd type="none" w="sm" len="sm"/>
                     </a:lnL>
-                    <a:lnR cap="flat" cmpd="sng" w="19050">
+                    <a:lnR w="19050" cap="flat" cmpd="sng">
                       <a:solidFill>
                         <a:srgbClr val="B7B7B7"/>
                       </a:solidFill>
                       <a:prstDash val="solid"/>
                       <a:round/>
-                      <a:headEnd len="sm" w="sm" type="none"/>
-                      <a:tailEnd len="sm" w="sm" type="none"/>
+                      <a:headEnd type="none" w="sm" len="sm"/>
+                      <a:tailEnd type="none" w="sm" len="sm"/>
                     </a:lnR>
-                    <a:lnT cap="flat" cmpd="sng" w="19050">
+                    <a:lnT w="19050" cap="flat" cmpd="sng">
                       <a:solidFill>
                         <a:srgbClr val="B7B7B7"/>
                       </a:solidFill>
                       <a:prstDash val="solid"/>
                       <a:round/>
-                      <a:headEnd len="sm" w="sm" type="none"/>
-                      <a:tailEnd len="sm" w="sm" type="none"/>
+                      <a:headEnd type="none" w="sm" len="sm"/>
+                      <a:tailEnd type="none" w="sm" len="sm"/>
                     </a:lnT>
-                    <a:lnB cap="flat" cmpd="sng" w="19050">
+                    <a:lnB w="19050" cap="flat" cmpd="sng">
                       <a:solidFill>
                         <a:srgbClr val="B7B7B7"/>
                       </a:solidFill>
                       <a:prstDash val="solid"/>
                       <a:round/>
-                      <a:headEnd len="sm" w="sm" type="none"/>
-                      <a:tailEnd len="sm" w="sm" type="none"/>
+                      <a:headEnd type="none" w="sm" len="sm"/>
+                      <a:tailEnd type="none" w="sm" len="sm"/>
                     </a:lnB>
                   </a:tcPr>
                 </a:tc>
@@ -6130,7 +6042,7 @@
                     <a:bodyPr/>
                     <a:lstStyle/>
                     <a:p>
-                      <a:pPr indent="0" lvl="0" marL="0" rtl="0" algn="l">
+                      <a:pPr marL="0" lvl="0" indent="0" algn="l" rtl="0">
                         <a:spcBef>
                           <a:spcPts val="0"/>
                         </a:spcBef>
@@ -6154,7 +6066,7 @@
                       </a:endParaRPr>
                     </a:p>
                     <a:p>
-                      <a:pPr indent="0" lvl="0" marL="0" rtl="0" algn="l">
+                      <a:pPr marL="0" lvl="0" indent="0" algn="l" rtl="0">
                         <a:spcBef>
                           <a:spcPts val="0"/>
                         </a:spcBef>
@@ -6178,7 +6090,7 @@
                       </a:endParaRPr>
                     </a:p>
                     <a:p>
-                      <a:pPr indent="0" lvl="0" marL="0" rtl="0" algn="l">
+                      <a:pPr marL="0" lvl="0" indent="0" algn="l" rtl="0">
                         <a:spcBef>
                           <a:spcPts val="0"/>
                         </a:spcBef>
@@ -6207,42 +6119,42 @@
                       </a:endParaRPr>
                     </a:p>
                   </a:txBody>
-                  <a:tcPr marT="64650" marB="64650" marR="129300" marL="129300" anchor="ctr">
-                    <a:lnL cap="flat" cmpd="sng" w="19050">
+                  <a:tcPr marL="129300" marR="129300" marT="64650" marB="64650" anchor="ctr">
+                    <a:lnL w="19050" cap="flat" cmpd="sng">
                       <a:solidFill>
                         <a:srgbClr val="B7B7B7"/>
                       </a:solidFill>
                       <a:prstDash val="solid"/>
                       <a:round/>
-                      <a:headEnd len="sm" w="sm" type="none"/>
-                      <a:tailEnd len="sm" w="sm" type="none"/>
+                      <a:headEnd type="none" w="sm" len="sm"/>
+                      <a:tailEnd type="none" w="sm" len="sm"/>
                     </a:lnL>
-                    <a:lnR cap="flat" cmpd="sng" w="19050">
+                    <a:lnR w="19050" cap="flat" cmpd="sng">
                       <a:solidFill>
                         <a:srgbClr val="B7B7B7"/>
                       </a:solidFill>
                       <a:prstDash val="solid"/>
                       <a:round/>
-                      <a:headEnd len="sm" w="sm" type="none"/>
-                      <a:tailEnd len="sm" w="sm" type="none"/>
+                      <a:headEnd type="none" w="sm" len="sm"/>
+                      <a:tailEnd type="none" w="sm" len="sm"/>
                     </a:lnR>
-                    <a:lnT cap="flat" cmpd="sng" w="19050">
+                    <a:lnT w="19050" cap="flat" cmpd="sng">
                       <a:solidFill>
                         <a:srgbClr val="B7B7B7"/>
                       </a:solidFill>
                       <a:prstDash val="solid"/>
                       <a:round/>
-                      <a:headEnd len="sm" w="sm" type="none"/>
-                      <a:tailEnd len="sm" w="sm" type="none"/>
+                      <a:headEnd type="none" w="sm" len="sm"/>
+                      <a:tailEnd type="none" w="sm" len="sm"/>
                     </a:lnT>
-                    <a:lnB cap="flat" cmpd="sng" w="19050">
+                    <a:lnB w="19050" cap="flat" cmpd="sng">
                       <a:solidFill>
                         <a:srgbClr val="B7B7B7"/>
                       </a:solidFill>
                       <a:prstDash val="solid"/>
                       <a:round/>
-                      <a:headEnd len="sm" w="sm" type="none"/>
-                      <a:tailEnd len="sm" w="sm" type="none"/>
+                      <a:headEnd type="none" w="sm" len="sm"/>
+                      <a:tailEnd type="none" w="sm" len="sm"/>
                     </a:lnB>
                   </a:tcPr>
                 </a:tc>
@@ -6251,7 +6163,7 @@
                     <a:bodyPr/>
                     <a:lstStyle/>
                     <a:p>
-                      <a:pPr indent="0" lvl="0" marL="0" rtl="0" algn="l">
+                      <a:pPr marL="0" lvl="0" indent="0" algn="l" rtl="0">
                         <a:spcBef>
                           <a:spcPts val="0"/>
                         </a:spcBef>
@@ -6267,7 +6179,7 @@
                       <a:endParaRPr sz="1000"/>
                     </a:p>
                     <a:p>
-                      <a:pPr indent="0" lvl="0" marL="0" rtl="0" algn="l">
+                      <a:pPr marL="0" lvl="0" indent="0" algn="l" rtl="0">
                         <a:spcBef>
                           <a:spcPts val="0"/>
                         </a:spcBef>
@@ -6283,7 +6195,7 @@
                       <a:endParaRPr sz="1000"/>
                     </a:p>
                     <a:p>
-                      <a:pPr indent="0" lvl="0" marL="0" rtl="0" algn="l">
+                      <a:pPr marL="0" lvl="0" indent="0" algn="l" rtl="0">
                         <a:spcBef>
                           <a:spcPts val="0"/>
                         </a:spcBef>
@@ -6299,42 +6211,42 @@
                       <a:endParaRPr sz="1000"/>
                     </a:p>
                   </a:txBody>
-                  <a:tcPr marT="64650" marB="64650" marR="129300" marL="129300" anchor="ctr">
-                    <a:lnL cap="flat" cmpd="sng" w="19050">
+                  <a:tcPr marL="129300" marR="129300" marT="64650" marB="64650" anchor="ctr">
+                    <a:lnL w="19050" cap="flat" cmpd="sng">
                       <a:solidFill>
                         <a:srgbClr val="B7B7B7"/>
                       </a:solidFill>
                       <a:prstDash val="solid"/>
                       <a:round/>
-                      <a:headEnd len="sm" w="sm" type="none"/>
-                      <a:tailEnd len="sm" w="sm" type="none"/>
+                      <a:headEnd type="none" w="sm" len="sm"/>
+                      <a:tailEnd type="none" w="sm" len="sm"/>
                     </a:lnL>
-                    <a:lnR cap="flat" cmpd="sng" w="19050">
+                    <a:lnR w="19050" cap="flat" cmpd="sng">
                       <a:solidFill>
                         <a:srgbClr val="B7B7B7"/>
                       </a:solidFill>
                       <a:prstDash val="solid"/>
                       <a:round/>
-                      <a:headEnd len="sm" w="sm" type="none"/>
-                      <a:tailEnd len="sm" w="sm" type="none"/>
+                      <a:headEnd type="none" w="sm" len="sm"/>
+                      <a:tailEnd type="none" w="sm" len="sm"/>
                     </a:lnR>
-                    <a:lnT cap="flat" cmpd="sng" w="19050">
+                    <a:lnT w="19050" cap="flat" cmpd="sng">
                       <a:solidFill>
                         <a:srgbClr val="B7B7B7"/>
                       </a:solidFill>
                       <a:prstDash val="solid"/>
                       <a:round/>
-                      <a:headEnd len="sm" w="sm" type="none"/>
-                      <a:tailEnd len="sm" w="sm" type="none"/>
+                      <a:headEnd type="none" w="sm" len="sm"/>
+                      <a:tailEnd type="none" w="sm" len="sm"/>
                     </a:lnT>
-                    <a:lnB cap="flat" cmpd="sng" w="19050">
+                    <a:lnB w="19050" cap="flat" cmpd="sng">
                       <a:solidFill>
                         <a:srgbClr val="B7B7B7"/>
                       </a:solidFill>
                       <a:prstDash val="solid"/>
                       <a:round/>
-                      <a:headEnd len="sm" w="sm" type="none"/>
-                      <a:tailEnd len="sm" w="sm" type="none"/>
+                      <a:headEnd type="none" w="sm" len="sm"/>
+                      <a:tailEnd type="none" w="sm" len="sm"/>
                     </a:lnB>
                   </a:tcPr>
                 </a:tc>
@@ -6343,7 +6255,7 @@
                     <a:bodyPr/>
                     <a:lstStyle/>
                     <a:p>
-                      <a:pPr indent="0" lvl="0" marL="0" rtl="0" algn="l">
+                      <a:pPr marL="0" lvl="0" indent="0" algn="l" rtl="0">
                         <a:spcBef>
                           <a:spcPts val="0"/>
                         </a:spcBef>
@@ -6358,23 +6270,7 @@
                             <a:schemeClr val="dk1"/>
                           </a:solidFill>
                         </a:rPr>
-                        <a:t>SAMSUNG Electronics </a:t>
-                      </a:r>
-                      <a:r>
-                        <a:rPr lang="en" sz="1000">
-                          <a:solidFill>
-                            <a:schemeClr val="dk1"/>
-                          </a:solidFill>
-                        </a:rPr>
-                        <a:t>And </a:t>
-                      </a:r>
-                      <a:r>
-                        <a:rPr lang="en" sz="1000">
-                          <a:solidFill>
-                            <a:schemeClr val="dk1"/>
-                          </a:solidFill>
-                        </a:rPr>
-                        <a:t>SAMSUNG Display</a:t>
+                        <a:t>SAMSUNG Electronics And SAMSUNG Display</a:t>
                       </a:r>
                       <a:endParaRPr sz="1000">
                         <a:solidFill>
@@ -6383,45 +6279,50 @@
                       </a:endParaRPr>
                     </a:p>
                   </a:txBody>
-                  <a:tcPr marT="64650" marB="64650" marR="129300" marL="129300" anchor="ctr">
-                    <a:lnL cap="flat" cmpd="sng" w="19050">
+                  <a:tcPr marL="129300" marR="129300" marT="64650" marB="64650" anchor="ctr">
+                    <a:lnL w="19050" cap="flat" cmpd="sng">
                       <a:solidFill>
                         <a:srgbClr val="B7B7B7"/>
                       </a:solidFill>
                       <a:prstDash val="solid"/>
                       <a:round/>
-                      <a:headEnd len="sm" w="sm" type="none"/>
-                      <a:tailEnd len="sm" w="sm" type="none"/>
+                      <a:headEnd type="none" w="sm" len="sm"/>
+                      <a:tailEnd type="none" w="sm" len="sm"/>
                     </a:lnL>
-                    <a:lnR cap="flat" cmpd="sng" w="19050">
+                    <a:lnR w="19050" cap="flat" cmpd="sng">
                       <a:solidFill>
                         <a:srgbClr val="B7B7B7"/>
                       </a:solidFill>
                       <a:prstDash val="solid"/>
                       <a:round/>
-                      <a:headEnd len="sm" w="sm" type="none"/>
-                      <a:tailEnd len="sm" w="sm" type="none"/>
+                      <a:headEnd type="none" w="sm" len="sm"/>
+                      <a:tailEnd type="none" w="sm" len="sm"/>
                     </a:lnR>
-                    <a:lnT cap="flat" cmpd="sng" w="19050">
+                    <a:lnT w="19050" cap="flat" cmpd="sng">
                       <a:solidFill>
                         <a:srgbClr val="B7B7B7"/>
                       </a:solidFill>
                       <a:prstDash val="solid"/>
                       <a:round/>
-                      <a:headEnd len="sm" w="sm" type="none"/>
-                      <a:tailEnd len="sm" w="sm" type="none"/>
+                      <a:headEnd type="none" w="sm" len="sm"/>
+                      <a:tailEnd type="none" w="sm" len="sm"/>
                     </a:lnT>
-                    <a:lnB cap="flat" cmpd="sng" w="19050">
+                    <a:lnB w="19050" cap="flat" cmpd="sng">
                       <a:solidFill>
                         <a:srgbClr val="B7B7B7"/>
                       </a:solidFill>
                       <a:prstDash val="solid"/>
                       <a:round/>
-                      <a:headEnd len="sm" w="sm" type="none"/>
-                      <a:tailEnd len="sm" w="sm" type="none"/>
+                      <a:headEnd type="none" w="sm" len="sm"/>
+                      <a:tailEnd type="none" w="sm" len="sm"/>
                     </a:lnB>
                   </a:tcPr>
                 </a:tc>
+                <a:extLst>
+                  <a:ext uri="{0D108BD9-81ED-4DB2-BD59-A6C34878D82A}">
+                    <a16:rowId xmlns:a16="http://schemas.microsoft.com/office/drawing/2014/main" val="10001"/>
+                  </a:ext>
+                </a:extLst>
               </a:tr>
               <a:tr h="491850">
                 <a:tc>
@@ -6429,7 +6330,7 @@
                     <a:bodyPr/>
                     <a:lstStyle/>
                     <a:p>
-                      <a:pPr indent="0" lvl="0" marL="0" rtl="0" algn="ctr">
+                      <a:pPr marL="0" lvl="0" indent="0" algn="ctr" rtl="0">
                         <a:spcBef>
                           <a:spcPts val="0"/>
                         </a:spcBef>
@@ -6453,7 +6354,7 @@
                       </a:endParaRPr>
                     </a:p>
                     <a:p>
-                      <a:pPr indent="0" lvl="0" marL="0" rtl="0" algn="ctr">
+                      <a:pPr marL="0" lvl="0" indent="0" algn="ctr" rtl="0">
                         <a:spcBef>
                           <a:spcPts val="0"/>
                         </a:spcBef>
@@ -6477,42 +6378,42 @@
                       </a:endParaRPr>
                     </a:p>
                   </a:txBody>
-                  <a:tcPr marT="64650" marB="64650" marR="129300" marL="129300" anchor="ctr">
-                    <a:lnL cap="flat" cmpd="sng" w="19050">
+                  <a:tcPr marL="129300" marR="129300" marT="64650" marB="64650" anchor="ctr">
+                    <a:lnL w="19050" cap="flat" cmpd="sng">
                       <a:solidFill>
                         <a:srgbClr val="B7B7B7"/>
                       </a:solidFill>
                       <a:prstDash val="solid"/>
                       <a:round/>
-                      <a:headEnd len="sm" w="sm" type="none"/>
-                      <a:tailEnd len="sm" w="sm" type="none"/>
+                      <a:headEnd type="none" w="sm" len="sm"/>
+                      <a:tailEnd type="none" w="sm" len="sm"/>
                     </a:lnL>
-                    <a:lnR cap="flat" cmpd="sng" w="19050">
+                    <a:lnR w="19050" cap="flat" cmpd="sng">
                       <a:solidFill>
                         <a:srgbClr val="B7B7B7"/>
                       </a:solidFill>
                       <a:prstDash val="solid"/>
                       <a:round/>
-                      <a:headEnd len="sm" w="sm" type="none"/>
-                      <a:tailEnd len="sm" w="sm" type="none"/>
+                      <a:headEnd type="none" w="sm" len="sm"/>
+                      <a:tailEnd type="none" w="sm" len="sm"/>
                     </a:lnR>
-                    <a:lnT cap="flat" cmpd="sng" w="19050">
+                    <a:lnT w="19050" cap="flat" cmpd="sng">
                       <a:solidFill>
                         <a:srgbClr val="B7B7B7"/>
                       </a:solidFill>
                       <a:prstDash val="solid"/>
                       <a:round/>
-                      <a:headEnd len="sm" w="sm" type="none"/>
-                      <a:tailEnd len="sm" w="sm" type="none"/>
+                      <a:headEnd type="none" w="sm" len="sm"/>
+                      <a:tailEnd type="none" w="sm" len="sm"/>
                     </a:lnT>
-                    <a:lnB cap="flat" cmpd="sng" w="19050">
+                    <a:lnB w="19050" cap="flat" cmpd="sng">
                       <a:solidFill>
                         <a:srgbClr val="B7B7B7"/>
                       </a:solidFill>
                       <a:prstDash val="solid"/>
                       <a:round/>
-                      <a:headEnd len="sm" w="sm" type="none"/>
-                      <a:tailEnd len="sm" w="sm" type="none"/>
+                      <a:headEnd type="none" w="sm" len="sm"/>
+                      <a:tailEnd type="none" w="sm" len="sm"/>
                     </a:lnB>
                   </a:tcPr>
                 </a:tc>
@@ -6521,7 +6422,7 @@
                     <a:bodyPr/>
                     <a:lstStyle/>
                     <a:p>
-                      <a:pPr indent="0" lvl="0" marL="0" rtl="0" algn="l">
+                      <a:pPr marL="0" lvl="0" indent="0" algn="l" rtl="0">
                         <a:spcBef>
                           <a:spcPts val="0"/>
                         </a:spcBef>
@@ -6545,7 +6446,7 @@
                       </a:endParaRPr>
                     </a:p>
                     <a:p>
-                      <a:pPr indent="0" lvl="0" marL="0" rtl="0" algn="l">
+                      <a:pPr marL="0" lvl="0" indent="0" algn="l" rtl="0">
                         <a:spcBef>
                           <a:spcPts val="0"/>
                         </a:spcBef>
@@ -6569,7 +6470,7 @@
                       </a:endParaRPr>
                     </a:p>
                     <a:p>
-                      <a:pPr indent="0" lvl="0" marL="0" rtl="0" algn="l">
+                      <a:pPr marL="0" lvl="0" indent="0" algn="l" rtl="0">
                         <a:spcBef>
                           <a:spcPts val="0"/>
                         </a:spcBef>
@@ -6606,42 +6507,42 @@
                       </a:endParaRPr>
                     </a:p>
                   </a:txBody>
-                  <a:tcPr marT="64650" marB="64650" marR="129300" marL="129300" anchor="ctr">
-                    <a:lnL cap="flat" cmpd="sng" w="19050">
+                  <a:tcPr marL="129300" marR="129300" marT="64650" marB="64650" anchor="ctr">
+                    <a:lnL w="19050" cap="flat" cmpd="sng">
                       <a:solidFill>
                         <a:srgbClr val="B7B7B7"/>
                       </a:solidFill>
                       <a:prstDash val="solid"/>
                       <a:round/>
-                      <a:headEnd len="sm" w="sm" type="none"/>
-                      <a:tailEnd len="sm" w="sm" type="none"/>
+                      <a:headEnd type="none" w="sm" len="sm"/>
+                      <a:tailEnd type="none" w="sm" len="sm"/>
                     </a:lnL>
-                    <a:lnR cap="flat" cmpd="sng" w="19050">
+                    <a:lnR w="19050" cap="flat" cmpd="sng">
                       <a:solidFill>
                         <a:srgbClr val="B7B7B7"/>
                       </a:solidFill>
                       <a:prstDash val="solid"/>
                       <a:round/>
-                      <a:headEnd len="sm" w="sm" type="none"/>
-                      <a:tailEnd len="sm" w="sm" type="none"/>
+                      <a:headEnd type="none" w="sm" len="sm"/>
+                      <a:tailEnd type="none" w="sm" len="sm"/>
                     </a:lnR>
-                    <a:lnT cap="flat" cmpd="sng" w="19050">
+                    <a:lnT w="19050" cap="flat" cmpd="sng">
                       <a:solidFill>
                         <a:srgbClr val="B7B7B7"/>
                       </a:solidFill>
                       <a:prstDash val="solid"/>
                       <a:round/>
-                      <a:headEnd len="sm" w="sm" type="none"/>
-                      <a:tailEnd len="sm" w="sm" type="none"/>
+                      <a:headEnd type="none" w="sm" len="sm"/>
+                      <a:tailEnd type="none" w="sm" len="sm"/>
                     </a:lnT>
-                    <a:lnB cap="flat" cmpd="sng" w="19050">
+                    <a:lnB w="19050" cap="flat" cmpd="sng">
                       <a:solidFill>
                         <a:srgbClr val="B7B7B7"/>
                       </a:solidFill>
                       <a:prstDash val="solid"/>
                       <a:round/>
-                      <a:headEnd len="sm" w="sm" type="none"/>
-                      <a:tailEnd len="sm" w="sm" type="none"/>
+                      <a:headEnd type="none" w="sm" len="sm"/>
+                      <a:tailEnd type="none" w="sm" len="sm"/>
                     </a:lnB>
                   </a:tcPr>
                 </a:tc>
@@ -6650,7 +6551,7 @@
                     <a:bodyPr/>
                     <a:lstStyle/>
                     <a:p>
-                      <a:pPr indent="0" lvl="0" marL="0" rtl="0" algn="l">
+                      <a:pPr marL="0" lvl="0" indent="0" algn="l" rtl="0">
                         <a:spcBef>
                           <a:spcPts val="0"/>
                         </a:spcBef>
@@ -6674,7 +6575,7 @@
                       </a:endParaRPr>
                     </a:p>
                     <a:p>
-                      <a:pPr indent="0" lvl="0" marL="0" rtl="0" algn="l">
+                      <a:pPr marL="0" lvl="0" indent="0" algn="l" rtl="0">
                         <a:spcBef>
                           <a:spcPts val="0"/>
                         </a:spcBef>
@@ -6689,23 +6590,7 @@
                             <a:schemeClr val="dk1"/>
                           </a:solidFill>
                         </a:rPr>
-                        <a:t>SW 1,2,3: Focuse and FOV control, </a:t>
-                      </a:r>
-                      <a:r>
-                        <a:rPr lang="en" sz="1000">
-                          <a:solidFill>
-                            <a:schemeClr val="dk1"/>
-                          </a:solidFill>
-                        </a:rPr>
-                        <a:t>C Modeling, Camera Quality </a:t>
-                      </a:r>
-                      <a:r>
-                        <a:rPr lang="en" sz="1000">
-                          <a:solidFill>
-                            <a:schemeClr val="dk1"/>
-                          </a:solidFill>
-                        </a:rPr>
-                        <a:t>Tuning, C Modeling</a:t>
+                        <a:t>SW 1,2,3: Focuse and FOV control, C Modeling, Camera Quality Tuning, C Modeling</a:t>
                       </a:r>
                       <a:endParaRPr sz="1000">
                         <a:solidFill>
@@ -6714,7 +6599,7 @@
                       </a:endParaRPr>
                     </a:p>
                     <a:p>
-                      <a:pPr indent="0" lvl="0" marL="0" rtl="0" algn="l">
+                      <a:pPr marL="0" lvl="0" indent="0" algn="l" rtl="0">
                         <a:spcBef>
                           <a:spcPts val="0"/>
                         </a:spcBef>
@@ -6738,7 +6623,7 @@
                       </a:endParaRPr>
                     </a:p>
                     <a:p>
-                      <a:pPr indent="0" lvl="0" marL="0" rtl="0" algn="l">
+                      <a:pPr marL="0" lvl="0" indent="0" algn="l" rtl="0">
                         <a:spcBef>
                           <a:spcPts val="0"/>
                         </a:spcBef>
@@ -6753,15 +6638,7 @@
                             <a:srgbClr val="FF0000"/>
                           </a:solidFill>
                         </a:rPr>
-                        <a:t>Budget $1 </a:t>
-                      </a:r>
-                      <a:r>
-                        <a:rPr lang="en" sz="1000">
-                          <a:solidFill>
-                            <a:srgbClr val="FF0000"/>
-                          </a:solidFill>
-                        </a:rPr>
-                        <a:t>million</a:t>
+                        <a:t>Budget $1 million</a:t>
                       </a:r>
                       <a:endParaRPr sz="1000">
                         <a:solidFill>
@@ -6770,42 +6647,42 @@
                       </a:endParaRPr>
                     </a:p>
                   </a:txBody>
-                  <a:tcPr marT="64650" marB="64650" marR="129300" marL="129300" anchor="ctr">
-                    <a:lnL cap="flat" cmpd="sng" w="19050">
+                  <a:tcPr marL="129300" marR="129300" marT="64650" marB="64650" anchor="ctr">
+                    <a:lnL w="19050" cap="flat" cmpd="sng">
                       <a:solidFill>
                         <a:srgbClr val="B7B7B7"/>
                       </a:solidFill>
                       <a:prstDash val="solid"/>
                       <a:round/>
-                      <a:headEnd len="sm" w="sm" type="none"/>
-                      <a:tailEnd len="sm" w="sm" type="none"/>
+                      <a:headEnd type="none" w="sm" len="sm"/>
+                      <a:tailEnd type="none" w="sm" len="sm"/>
                     </a:lnL>
-                    <a:lnR cap="flat" cmpd="sng" w="19050">
+                    <a:lnR w="19050" cap="flat" cmpd="sng">
                       <a:solidFill>
                         <a:srgbClr val="B7B7B7"/>
                       </a:solidFill>
                       <a:prstDash val="solid"/>
                       <a:round/>
-                      <a:headEnd len="sm" w="sm" type="none"/>
-                      <a:tailEnd len="sm" w="sm" type="none"/>
+                      <a:headEnd type="none" w="sm" len="sm"/>
+                      <a:tailEnd type="none" w="sm" len="sm"/>
                     </a:lnR>
-                    <a:lnT cap="flat" cmpd="sng" w="19050">
+                    <a:lnT w="19050" cap="flat" cmpd="sng">
                       <a:solidFill>
                         <a:srgbClr val="B7B7B7"/>
                       </a:solidFill>
                       <a:prstDash val="solid"/>
                       <a:round/>
-                      <a:headEnd len="sm" w="sm" type="none"/>
-                      <a:tailEnd len="sm" w="sm" type="none"/>
+                      <a:headEnd type="none" w="sm" len="sm"/>
+                      <a:tailEnd type="none" w="sm" len="sm"/>
                     </a:lnT>
-                    <a:lnB cap="flat" cmpd="sng" w="19050">
+                    <a:lnB w="19050" cap="flat" cmpd="sng">
                       <a:solidFill>
                         <a:srgbClr val="B7B7B7"/>
                       </a:solidFill>
                       <a:prstDash val="solid"/>
                       <a:round/>
-                      <a:headEnd len="sm" w="sm" type="none"/>
-                      <a:tailEnd len="sm" w="sm" type="none"/>
+                      <a:headEnd type="none" w="sm" len="sm"/>
+                      <a:tailEnd type="none" w="sm" len="sm"/>
                     </a:lnB>
                   </a:tcPr>
                 </a:tc>
@@ -6814,7 +6691,7 @@
                     <a:bodyPr/>
                     <a:lstStyle/>
                     <a:p>
-                      <a:pPr indent="0" lvl="0" marL="0" rtl="0" algn="l">
+                      <a:pPr marL="0" lvl="0" indent="0" algn="l" rtl="0">
                         <a:spcBef>
                           <a:spcPts val="0"/>
                         </a:spcBef>
@@ -6843,7 +6720,7 @@
                       </a:endParaRPr>
                     </a:p>
                     <a:p>
-                      <a:pPr indent="0" lvl="0" marL="0" rtl="0" algn="l">
+                      <a:pPr marL="0" lvl="0" indent="0" algn="l" rtl="0">
                         <a:spcBef>
                           <a:spcPts val="0"/>
                         </a:spcBef>
@@ -6858,23 +6735,7 @@
                             <a:srgbClr val="FF0000"/>
                           </a:solidFill>
                         </a:rPr>
-                        <a:t>Expected </a:t>
-                      </a:r>
-                      <a:r>
-                        <a:rPr lang="en" sz="1000">
-                          <a:solidFill>
-                            <a:srgbClr val="FF0000"/>
-                          </a:solidFill>
-                        </a:rPr>
-                        <a:t>Royalty </a:t>
-                      </a:r>
-                      <a:r>
-                        <a:rPr lang="en" sz="1000">
-                          <a:solidFill>
-                            <a:srgbClr val="FF0000"/>
-                          </a:solidFill>
-                        </a:rPr>
-                        <a:t>Price: $10 million</a:t>
+                        <a:t>Expected Royalty Price: $10 million</a:t>
                       </a:r>
                       <a:endParaRPr sz="1000">
                         <a:solidFill>
@@ -6883,53 +6744,58 @@
                       </a:endParaRPr>
                     </a:p>
                   </a:txBody>
-                  <a:tcPr marT="64650" marB="64650" marR="129300" marL="129300" anchor="ctr">
-                    <a:lnL cap="flat" cmpd="sng" w="19050">
+                  <a:tcPr marL="129300" marR="129300" marT="64650" marB="64650" anchor="ctr">
+                    <a:lnL w="19050" cap="flat" cmpd="sng">
                       <a:solidFill>
                         <a:srgbClr val="B7B7B7"/>
                       </a:solidFill>
                       <a:prstDash val="solid"/>
                       <a:round/>
-                      <a:headEnd len="sm" w="sm" type="none"/>
-                      <a:tailEnd len="sm" w="sm" type="none"/>
+                      <a:headEnd type="none" w="sm" len="sm"/>
+                      <a:tailEnd type="none" w="sm" len="sm"/>
                     </a:lnL>
-                    <a:lnR cap="flat" cmpd="sng" w="19050">
+                    <a:lnR w="19050" cap="flat" cmpd="sng">
                       <a:solidFill>
                         <a:srgbClr val="B7B7B7"/>
                       </a:solidFill>
                       <a:prstDash val="solid"/>
                       <a:round/>
-                      <a:headEnd len="sm" w="sm" type="none"/>
-                      <a:tailEnd len="sm" w="sm" type="none"/>
+                      <a:headEnd type="none" w="sm" len="sm"/>
+                      <a:tailEnd type="none" w="sm" len="sm"/>
                     </a:lnR>
-                    <a:lnT cap="flat" cmpd="sng" w="19050">
+                    <a:lnT w="19050" cap="flat" cmpd="sng">
                       <a:solidFill>
                         <a:srgbClr val="B7B7B7"/>
                       </a:solidFill>
                       <a:prstDash val="solid"/>
                       <a:round/>
-                      <a:headEnd len="sm" w="sm" type="none"/>
-                      <a:tailEnd len="sm" w="sm" type="none"/>
+                      <a:headEnd type="none" w="sm" len="sm"/>
+                      <a:tailEnd type="none" w="sm" len="sm"/>
                     </a:lnT>
-                    <a:lnB cap="flat" cmpd="sng" w="19050">
+                    <a:lnB w="19050" cap="flat" cmpd="sng">
                       <a:solidFill>
                         <a:srgbClr val="B7B7B7"/>
                       </a:solidFill>
                       <a:prstDash val="solid"/>
                       <a:round/>
-                      <a:headEnd len="sm" w="sm" type="none"/>
-                      <a:tailEnd len="sm" w="sm" type="none"/>
+                      <a:headEnd type="none" w="sm" len="sm"/>
+                      <a:tailEnd type="none" w="sm" len="sm"/>
                     </a:lnB>
                   </a:tcPr>
                 </a:tc>
+                <a:extLst>
+                  <a:ext uri="{0D108BD9-81ED-4DB2-BD59-A6C34878D82A}">
+                    <a16:rowId xmlns:a16="http://schemas.microsoft.com/office/drawing/2014/main" val="10002"/>
+                  </a:ext>
+                </a:extLst>
               </a:tr>
-              <a:tr h="123600">
+              <a:tr h="0">
                 <a:tc>
                   <a:txBody>
                     <a:bodyPr/>
                     <a:lstStyle/>
                     <a:p>
-                      <a:pPr indent="0" lvl="0" marL="0" rtl="0" algn="ctr">
+                      <a:pPr marL="0" lvl="0" indent="0" algn="ctr" rtl="0">
                         <a:spcBef>
                           <a:spcPts val="0"/>
                         </a:spcBef>
@@ -6953,7 +6819,7 @@
                       </a:endParaRPr>
                     </a:p>
                     <a:p>
-                      <a:pPr indent="0" lvl="0" marL="0" rtl="0" algn="ctr">
+                      <a:pPr marL="0" lvl="0" indent="0" algn="ctr" rtl="0">
                         <a:spcBef>
                           <a:spcPts val="0"/>
                         </a:spcBef>
@@ -6977,42 +6843,42 @@
                       </a:endParaRPr>
                     </a:p>
                   </a:txBody>
-                  <a:tcPr marT="64650" marB="64650" marR="129300" marL="129300" anchor="ctr">
-                    <a:lnL cap="flat" cmpd="sng" w="19050">
+                  <a:tcPr marL="129300" marR="129300" marT="64650" marB="64650" anchor="ctr">
+                    <a:lnL w="19050" cap="flat" cmpd="sng">
                       <a:solidFill>
                         <a:srgbClr val="B7B7B7"/>
                       </a:solidFill>
                       <a:prstDash val="solid"/>
                       <a:round/>
-                      <a:headEnd len="sm" w="sm" type="none"/>
-                      <a:tailEnd len="sm" w="sm" type="none"/>
+                      <a:headEnd type="none" w="sm" len="sm"/>
+                      <a:tailEnd type="none" w="sm" len="sm"/>
                     </a:lnL>
-                    <a:lnR cap="flat" cmpd="sng" w="19050">
+                    <a:lnR w="19050" cap="flat" cmpd="sng">
                       <a:solidFill>
                         <a:srgbClr val="B7B7B7"/>
                       </a:solidFill>
                       <a:prstDash val="solid"/>
                       <a:round/>
-                      <a:headEnd len="sm" w="sm" type="none"/>
-                      <a:tailEnd len="sm" w="sm" type="none"/>
+                      <a:headEnd type="none" w="sm" len="sm"/>
+                      <a:tailEnd type="none" w="sm" len="sm"/>
                     </a:lnR>
-                    <a:lnT cap="flat" cmpd="sng" w="19050">
+                    <a:lnT w="19050" cap="flat" cmpd="sng">
                       <a:solidFill>
                         <a:srgbClr val="B7B7B7"/>
                       </a:solidFill>
                       <a:prstDash val="solid"/>
                       <a:round/>
-                      <a:headEnd len="sm" w="sm" type="none"/>
-                      <a:tailEnd len="sm" w="sm" type="none"/>
+                      <a:headEnd type="none" w="sm" len="sm"/>
+                      <a:tailEnd type="none" w="sm" len="sm"/>
                     </a:lnT>
-                    <a:lnB cap="flat" cmpd="sng" w="19050">
+                    <a:lnB w="19050" cap="flat" cmpd="sng">
                       <a:solidFill>
                         <a:srgbClr val="B7B7B7"/>
                       </a:solidFill>
                       <a:prstDash val="solid"/>
                       <a:round/>
-                      <a:headEnd len="sm" w="sm" type="none"/>
-                      <a:tailEnd len="sm" w="sm" type="none"/>
+                      <a:headEnd type="none" w="sm" len="sm"/>
+                      <a:tailEnd type="none" w="sm" len="sm"/>
                     </a:lnB>
                   </a:tcPr>
                 </a:tc>
@@ -7021,7 +6887,7 @@
                     <a:bodyPr/>
                     <a:lstStyle/>
                     <a:p>
-                      <a:pPr indent="0" lvl="0" marL="0" rtl="0" algn="l">
+                      <a:pPr marL="0" lvl="0" indent="0" algn="l" rtl="0">
                         <a:spcBef>
                           <a:spcPts val="0"/>
                         </a:spcBef>
@@ -7053,7 +6919,7 @@
                       </a:endParaRPr>
                     </a:p>
                     <a:p>
-                      <a:pPr indent="0" lvl="0" marL="0" rtl="0" algn="l">
+                      <a:pPr marL="0" lvl="0" indent="0" algn="l" rtl="0">
                         <a:spcBef>
                           <a:spcPts val="0"/>
                         </a:spcBef>
@@ -7085,47 +6951,70 @@
                       </a:endParaRPr>
                     </a:p>
                   </a:txBody>
-                  <a:tcPr marT="64650" marB="64650" marR="129300" marL="129300" anchor="ctr">
-                    <a:lnL cap="flat" cmpd="sng" w="19050">
+                  <a:tcPr marL="129300" marR="129300" marT="64650" marB="64650" anchor="ctr">
+                    <a:lnL w="19050" cap="flat" cmpd="sng">
                       <a:solidFill>
                         <a:srgbClr val="B7B7B7"/>
                       </a:solidFill>
                       <a:prstDash val="solid"/>
                       <a:round/>
-                      <a:headEnd len="sm" w="sm" type="none"/>
-                      <a:tailEnd len="sm" w="sm" type="none"/>
+                      <a:headEnd type="none" w="sm" len="sm"/>
+                      <a:tailEnd type="none" w="sm" len="sm"/>
                     </a:lnL>
-                    <a:lnR cap="flat" cmpd="sng" w="19050">
+                    <a:lnR w="19050" cap="flat" cmpd="sng">
                       <a:solidFill>
                         <a:srgbClr val="B7B7B7"/>
                       </a:solidFill>
                       <a:prstDash val="solid"/>
                       <a:round/>
-                      <a:headEnd len="sm" w="sm" type="none"/>
-                      <a:tailEnd len="sm" w="sm" type="none"/>
+                      <a:headEnd type="none" w="sm" len="sm"/>
+                      <a:tailEnd type="none" w="sm" len="sm"/>
                     </a:lnR>
-                    <a:lnT cap="flat" cmpd="sng" w="19050">
+                    <a:lnT w="19050" cap="flat" cmpd="sng">
                       <a:solidFill>
                         <a:srgbClr val="B7B7B7"/>
                       </a:solidFill>
                       <a:prstDash val="solid"/>
                       <a:round/>
-                      <a:headEnd len="sm" w="sm" type="none"/>
-                      <a:tailEnd len="sm" w="sm" type="none"/>
+                      <a:headEnd type="none" w="sm" len="sm"/>
+                      <a:tailEnd type="none" w="sm" len="sm"/>
                     </a:lnT>
-                    <a:lnB cap="flat" cmpd="sng" w="19050">
+                    <a:lnB w="19050" cap="flat" cmpd="sng">
                       <a:solidFill>
                         <a:srgbClr val="B7B7B7"/>
                       </a:solidFill>
                       <a:prstDash val="solid"/>
                       <a:round/>
-                      <a:headEnd len="sm" w="sm" type="none"/>
-                      <a:tailEnd len="sm" w="sm" type="none"/>
+                      <a:headEnd type="none" w="sm" len="sm"/>
+                      <a:tailEnd type="none" w="sm" len="sm"/>
                     </a:lnB>
                   </a:tcPr>
                 </a:tc>
-                <a:tc vMerge="1"/>
-                <a:tc vMerge="1"/>
+                <a:tc vMerge="1">
+                  <a:txBody>
+                    <a:bodyPr/>
+                    <a:lstStyle/>
+                    <a:p>
+                      <a:endParaRPr lang="ko-KR"/>
+                    </a:p>
+                  </a:txBody>
+                  <a:tcPr/>
+                </a:tc>
+                <a:tc vMerge="1">
+                  <a:txBody>
+                    <a:bodyPr/>
+                    <a:lstStyle/>
+                    <a:p>
+                      <a:endParaRPr lang="ko-KR"/>
+                    </a:p>
+                  </a:txBody>
+                  <a:tcPr/>
+                </a:tc>
+                <a:extLst>
+                  <a:ext uri="{0D108BD9-81ED-4DB2-BD59-A6C34878D82A}">
+                    <a16:rowId xmlns:a16="http://schemas.microsoft.com/office/drawing/2014/main" val="10003"/>
+                  </a:ext>
+                </a:extLst>
               </a:tr>
               <a:tr h="344750">
                 <a:tc>
@@ -7133,7 +7022,7 @@
                     <a:bodyPr/>
                     <a:lstStyle/>
                     <a:p>
-                      <a:pPr indent="0" lvl="0" marL="0" rtl="0" algn="ctr">
+                      <a:pPr marL="0" lvl="0" indent="0" algn="ctr" rtl="0">
                         <a:spcBef>
                           <a:spcPts val="0"/>
                         </a:spcBef>
@@ -7153,42 +7042,42 @@
                       <a:endParaRPr sz="1000"/>
                     </a:p>
                   </a:txBody>
-                  <a:tcPr marT="64650" marB="64650" marR="129300" marL="129300" anchor="ctr">
-                    <a:lnL cap="flat" cmpd="sng" w="19050">
+                  <a:tcPr marL="129300" marR="129300" marT="64650" marB="64650" anchor="ctr">
+                    <a:lnL w="19050" cap="flat" cmpd="sng">
                       <a:solidFill>
                         <a:srgbClr val="B7B7B7"/>
                       </a:solidFill>
                       <a:prstDash val="solid"/>
                       <a:round/>
-                      <a:headEnd len="sm" w="sm" type="none"/>
-                      <a:tailEnd len="sm" w="sm" type="none"/>
+                      <a:headEnd type="none" w="sm" len="sm"/>
+                      <a:tailEnd type="none" w="sm" len="sm"/>
                     </a:lnL>
-                    <a:lnR cap="flat" cmpd="sng" w="19050">
+                    <a:lnR w="19050" cap="flat" cmpd="sng">
                       <a:solidFill>
                         <a:srgbClr val="B7B7B7"/>
                       </a:solidFill>
                       <a:prstDash val="solid"/>
                       <a:round/>
-                      <a:headEnd len="sm" w="sm" type="none"/>
-                      <a:tailEnd len="sm" w="sm" type="none"/>
+                      <a:headEnd type="none" w="sm" len="sm"/>
+                      <a:tailEnd type="none" w="sm" len="sm"/>
                     </a:lnR>
-                    <a:lnT cap="flat" cmpd="sng" w="19050">
+                    <a:lnT w="19050" cap="flat" cmpd="sng">
                       <a:solidFill>
                         <a:srgbClr val="B7B7B7"/>
                       </a:solidFill>
                       <a:prstDash val="solid"/>
                       <a:round/>
-                      <a:headEnd len="sm" w="sm" type="none"/>
-                      <a:tailEnd len="sm" w="sm" type="none"/>
+                      <a:headEnd type="none" w="sm" len="sm"/>
+                      <a:tailEnd type="none" w="sm" len="sm"/>
                     </a:lnT>
-                    <a:lnB cap="flat" cmpd="sng" w="19050">
+                    <a:lnB w="19050" cap="flat" cmpd="sng">
                       <a:solidFill>
                         <a:srgbClr val="B7B7B7"/>
                       </a:solidFill>
                       <a:prstDash val="solid"/>
                       <a:round/>
-                      <a:headEnd len="sm" w="sm" type="none"/>
-                      <a:tailEnd len="sm" w="sm" type="none"/>
+                      <a:headEnd type="none" w="sm" len="sm"/>
+                      <a:tailEnd type="none" w="sm" len="sm"/>
                     </a:lnB>
                   </a:tcPr>
                 </a:tc>
@@ -7197,7 +7086,7 @@
                     <a:bodyPr/>
                     <a:lstStyle/>
                     <a:p>
-                      <a:pPr indent="0" lvl="0" marL="0" rtl="0" algn="l">
+                      <a:pPr marL="0" lvl="0" indent="0" algn="l" rtl="0">
                         <a:spcBef>
                           <a:spcPts val="0"/>
                         </a:spcBef>
@@ -7217,42 +7106,42 @@
                       <a:endParaRPr sz="1000"/>
                     </a:p>
                   </a:txBody>
-                  <a:tcPr marT="64650" marB="64650" marR="129300" marL="129300" anchor="ctr">
-                    <a:lnL cap="flat" cmpd="sng" w="19050">
+                  <a:tcPr marL="129300" marR="129300" marT="64650" marB="64650" anchor="ctr">
+                    <a:lnL w="19050" cap="flat" cmpd="sng">
                       <a:solidFill>
                         <a:srgbClr val="B7B7B7"/>
                       </a:solidFill>
                       <a:prstDash val="solid"/>
                       <a:round/>
-                      <a:headEnd len="sm" w="sm" type="none"/>
-                      <a:tailEnd len="sm" w="sm" type="none"/>
+                      <a:headEnd type="none" w="sm" len="sm"/>
+                      <a:tailEnd type="none" w="sm" len="sm"/>
                     </a:lnL>
-                    <a:lnR cap="flat" cmpd="sng" w="19050">
+                    <a:lnR w="19050" cap="flat" cmpd="sng">
                       <a:solidFill>
                         <a:srgbClr val="B7B7B7"/>
                       </a:solidFill>
                       <a:prstDash val="solid"/>
                       <a:round/>
-                      <a:headEnd len="sm" w="sm" type="none"/>
-                      <a:tailEnd len="sm" w="sm" type="none"/>
+                      <a:headEnd type="none" w="sm" len="sm"/>
+                      <a:tailEnd type="none" w="sm" len="sm"/>
                     </a:lnR>
-                    <a:lnT cap="flat" cmpd="sng" w="19050">
+                    <a:lnT w="19050" cap="flat" cmpd="sng">
                       <a:solidFill>
                         <a:srgbClr val="B7B7B7"/>
                       </a:solidFill>
                       <a:prstDash val="solid"/>
                       <a:round/>
-                      <a:headEnd len="sm" w="sm" type="none"/>
-                      <a:tailEnd len="sm" w="sm" type="none"/>
+                      <a:headEnd type="none" w="sm" len="sm"/>
+                      <a:tailEnd type="none" w="sm" len="sm"/>
                     </a:lnT>
-                    <a:lnB cap="flat" cmpd="sng" w="19050">
+                    <a:lnB w="19050" cap="flat" cmpd="sng">
                       <a:solidFill>
                         <a:srgbClr val="B7B7B7"/>
                       </a:solidFill>
                       <a:prstDash val="solid"/>
                       <a:round/>
-                      <a:headEnd len="sm" w="sm" type="none"/>
-                      <a:tailEnd len="sm" w="sm" type="none"/>
+                      <a:headEnd type="none" w="sm" len="sm"/>
+                      <a:tailEnd type="none" w="sm" len="sm"/>
                     </a:lnB>
                   </a:tcPr>
                 </a:tc>
@@ -7261,7 +7150,7 @@
                     <a:bodyPr/>
                     <a:lstStyle/>
                     <a:p>
-                      <a:pPr indent="0" lvl="0" marL="0" rtl="0" algn="l">
+                      <a:pPr marL="0" lvl="0" indent="0" algn="l" rtl="0">
                         <a:spcBef>
                           <a:spcPts val="0"/>
                         </a:spcBef>
@@ -7270,48 +7159,45 @@
                         </a:spcAft>
                         <a:buNone/>
                       </a:pPr>
-                      <a:r>
-                        <a:t/>
-                      </a:r>
                       <a:endParaRPr sz="1000"/>
                     </a:p>
                   </a:txBody>
-                  <a:tcPr marT="64650" marB="64650" marR="129300" marL="129300" anchor="ctr">
-                    <a:lnL cap="flat" cmpd="sng" w="19050">
+                  <a:tcPr marL="129300" marR="129300" marT="64650" marB="64650" anchor="ctr">
+                    <a:lnL w="19050" cap="flat" cmpd="sng">
                       <a:solidFill>
                         <a:srgbClr val="B7B7B7"/>
                       </a:solidFill>
                       <a:prstDash val="solid"/>
                       <a:round/>
-                      <a:headEnd len="sm" w="sm" type="none"/>
-                      <a:tailEnd len="sm" w="sm" type="none"/>
+                      <a:headEnd type="none" w="sm" len="sm"/>
+                      <a:tailEnd type="none" w="sm" len="sm"/>
                     </a:lnL>
-                    <a:lnR cap="flat" cmpd="sng" w="19050">
+                    <a:lnR w="19050" cap="flat" cmpd="sng">
                       <a:solidFill>
                         <a:srgbClr val="B7B7B7"/>
                       </a:solidFill>
                       <a:prstDash val="solid"/>
                       <a:round/>
-                      <a:headEnd len="sm" w="sm" type="none"/>
-                      <a:tailEnd len="sm" w="sm" type="none"/>
+                      <a:headEnd type="none" w="sm" len="sm"/>
+                      <a:tailEnd type="none" w="sm" len="sm"/>
                     </a:lnR>
-                    <a:lnT cap="flat" cmpd="sng" w="19050">
+                    <a:lnT w="19050" cap="flat" cmpd="sng">
                       <a:solidFill>
                         <a:srgbClr val="B7B7B7"/>
                       </a:solidFill>
                       <a:prstDash val="solid"/>
                       <a:round/>
-                      <a:headEnd len="sm" w="sm" type="none"/>
-                      <a:tailEnd len="sm" w="sm" type="none"/>
+                      <a:headEnd type="none" w="sm" len="sm"/>
+                      <a:tailEnd type="none" w="sm" len="sm"/>
                     </a:lnT>
-                    <a:lnB cap="flat" cmpd="sng" w="19050">
+                    <a:lnB w="19050" cap="flat" cmpd="sng">
                       <a:solidFill>
                         <a:srgbClr val="B7B7B7"/>
                       </a:solidFill>
                       <a:prstDash val="solid"/>
                       <a:round/>
-                      <a:headEnd len="sm" w="sm" type="none"/>
-                      <a:tailEnd len="sm" w="sm" type="none"/>
+                      <a:headEnd type="none" w="sm" len="sm"/>
+                      <a:tailEnd type="none" w="sm" len="sm"/>
                     </a:lnB>
                   </a:tcPr>
                 </a:tc>
@@ -7320,7 +7206,7 @@
                     <a:bodyPr/>
                     <a:lstStyle/>
                     <a:p>
-                      <a:pPr indent="0" lvl="0" marL="0" rtl="0" algn="l">
+                      <a:pPr marL="0" lvl="0" indent="0" algn="l" rtl="0">
                         <a:spcBef>
                           <a:spcPts val="0"/>
                         </a:spcBef>
@@ -7344,7 +7230,7 @@
                       </a:endParaRPr>
                     </a:p>
                     <a:p>
-                      <a:pPr indent="0" lvl="0" marL="0" rtl="0" algn="l">
+                      <a:pPr marL="0" lvl="0" indent="0" algn="l" rtl="0">
                         <a:spcBef>
                           <a:spcPts val="0"/>
                         </a:spcBef>
@@ -7373,45 +7259,50 @@
                       </a:endParaRPr>
                     </a:p>
                   </a:txBody>
-                  <a:tcPr marT="64650" marB="64650" marR="129300" marL="129300" anchor="ctr">
-                    <a:lnL cap="flat" cmpd="sng" w="19050">
+                  <a:tcPr marL="129300" marR="129300" marT="64650" marB="64650" anchor="ctr">
+                    <a:lnL w="19050" cap="flat" cmpd="sng">
                       <a:solidFill>
                         <a:srgbClr val="B7B7B7"/>
                       </a:solidFill>
                       <a:prstDash val="solid"/>
                       <a:round/>
-                      <a:headEnd len="sm" w="sm" type="none"/>
-                      <a:tailEnd len="sm" w="sm" type="none"/>
+                      <a:headEnd type="none" w="sm" len="sm"/>
+                      <a:tailEnd type="none" w="sm" len="sm"/>
                     </a:lnL>
-                    <a:lnR cap="flat" cmpd="sng" w="19050">
+                    <a:lnR w="19050" cap="flat" cmpd="sng">
                       <a:solidFill>
                         <a:srgbClr val="B7B7B7"/>
                       </a:solidFill>
                       <a:prstDash val="solid"/>
                       <a:round/>
-                      <a:headEnd len="sm" w="sm" type="none"/>
-                      <a:tailEnd len="sm" w="sm" type="none"/>
+                      <a:headEnd type="none" w="sm" len="sm"/>
+                      <a:tailEnd type="none" w="sm" len="sm"/>
                     </a:lnR>
-                    <a:lnT cap="flat" cmpd="sng" w="19050">
+                    <a:lnT w="19050" cap="flat" cmpd="sng">
                       <a:solidFill>
                         <a:srgbClr val="B7B7B7"/>
                       </a:solidFill>
                       <a:prstDash val="solid"/>
                       <a:round/>
-                      <a:headEnd len="sm" w="sm" type="none"/>
-                      <a:tailEnd len="sm" w="sm" type="none"/>
+                      <a:headEnd type="none" w="sm" len="sm"/>
+                      <a:tailEnd type="none" w="sm" len="sm"/>
                     </a:lnT>
-                    <a:lnB cap="flat" cmpd="sng" w="19050">
+                    <a:lnB w="19050" cap="flat" cmpd="sng">
                       <a:solidFill>
                         <a:srgbClr val="B7B7B7"/>
                       </a:solidFill>
                       <a:prstDash val="solid"/>
                       <a:round/>
-                      <a:headEnd len="sm" w="sm" type="none"/>
-                      <a:tailEnd len="sm" w="sm" type="none"/>
+                      <a:headEnd type="none" w="sm" len="sm"/>
+                      <a:tailEnd type="none" w="sm" len="sm"/>
                     </a:lnB>
                   </a:tcPr>
                 </a:tc>
+                <a:extLst>
+                  <a:ext uri="{0D108BD9-81ED-4DB2-BD59-A6C34878D82A}">
+                    <a16:rowId xmlns:a16="http://schemas.microsoft.com/office/drawing/2014/main" val="10004"/>
+                  </a:ext>
+                </a:extLst>
               </a:tr>
             </a:tbl>
           </a:graphicData>
@@ -7521,12 +7412,12 @@
           </a:ln>
         </p:spPr>
         <p:txBody>
-          <a:bodyPr anchorCtr="0" anchor="ctr" bIns="91425" lIns="91425" spcFirstLastPara="1" rIns="91425" wrap="square" tIns="91425">
+          <a:bodyPr spcFirstLastPara="1" wrap="square" lIns="91425" tIns="91425" rIns="91425" bIns="91425" anchor="ctr" anchorCtr="0">
             <a:noAutofit/>
           </a:bodyPr>
           <a:lstStyle/>
           <a:p>
-            <a:pPr indent="0" lvl="0" marL="0" rtl="0" algn="ctr">
+            <a:pPr marL="0" lvl="0" indent="0" algn="ctr" rtl="0">
               <a:spcBef>
                 <a:spcPts val="0"/>
               </a:spcBef>
@@ -7536,7 +7427,7 @@
               <a:buNone/>
             </a:pPr>
             <a:r>
-              <a:rPr b="1" lang="en" sz="1000"/>
+              <a:rPr lang="en" sz="1000" b="1"/>
               <a:t>Pre-Alpha Quality</a:t>
             </a:r>
             <a:endParaRPr b="1"/>
@@ -7591,12 +7482,12 @@
           </a:ln>
         </p:spPr>
         <p:txBody>
-          <a:bodyPr anchorCtr="0" anchor="ctr" bIns="91425" lIns="91425" spcFirstLastPara="1" rIns="91425" wrap="square" tIns="91425">
+          <a:bodyPr spcFirstLastPara="1" wrap="square" lIns="91425" tIns="91425" rIns="91425" bIns="91425" anchor="ctr" anchorCtr="0">
             <a:noAutofit/>
           </a:bodyPr>
           <a:lstStyle/>
           <a:p>
-            <a:pPr indent="0" lvl="0" marL="0" rtl="0" algn="ctr">
+            <a:pPr marL="0" lvl="0" indent="0" algn="ctr" rtl="0">
               <a:spcBef>
                 <a:spcPts val="0"/>
               </a:spcBef>
@@ -7606,7 +7497,7 @@
               <a:buNone/>
             </a:pPr>
             <a:r>
-              <a:rPr b="1" lang="en" sz="1000"/>
+              <a:rPr lang="en" sz="1000" b="1"/>
               <a:t>Beta Quality</a:t>
             </a:r>
             <a:endParaRPr b="1"/>
@@ -7633,12 +7524,12 @@
           </a:ln>
         </p:spPr>
         <p:txBody>
-          <a:bodyPr anchorCtr="0" anchor="ctr" bIns="91425" lIns="91425" spcFirstLastPara="1" rIns="91425" wrap="square" tIns="91425">
+          <a:bodyPr spcFirstLastPara="1" wrap="square" lIns="91425" tIns="91425" rIns="91425" bIns="91425" anchor="ctr" anchorCtr="0">
             <a:noAutofit/>
           </a:bodyPr>
           <a:lstStyle/>
           <a:p>
-            <a:pPr indent="0" lvl="0" marL="0" rtl="0" algn="ctr">
+            <a:pPr marL="0" lvl="0" indent="0" algn="ctr" rtl="0">
               <a:spcBef>
                 <a:spcPts val="0"/>
               </a:spcBef>
@@ -7648,14 +7539,14 @@
               <a:buNone/>
             </a:pPr>
             <a:r>
-              <a:rPr b="1" lang="en" sz="2400">
+              <a:rPr lang="en" sz="2400" b="1">
                 <a:solidFill>
                   <a:schemeClr val="dk1"/>
                 </a:solidFill>
               </a:rPr>
               <a:t>All-in-One Display and Camera Technology</a:t>
             </a:r>
-            <a:endParaRPr b="1" sz="2400">
+            <a:endParaRPr sz="2400" b="1">
               <a:solidFill>
                 <a:schemeClr val="dk1"/>
               </a:solidFill>
@@ -7767,12 +7658,12 @@
           </a:ln>
         </p:spPr>
         <p:txBody>
-          <a:bodyPr anchorCtr="0" anchor="ctr" bIns="91425" lIns="91425" spcFirstLastPara="1" rIns="91425" wrap="square" tIns="91425">
+          <a:bodyPr spcFirstLastPara="1" wrap="square" lIns="91425" tIns="91425" rIns="91425" bIns="91425" anchor="ctr" anchorCtr="0">
             <a:noAutofit/>
           </a:bodyPr>
           <a:lstStyle/>
           <a:p>
-            <a:pPr indent="0" lvl="0" marL="0" rtl="0" algn="ctr">
+            <a:pPr marL="0" lvl="0" indent="0" algn="ctr" rtl="0">
               <a:spcBef>
                 <a:spcPts val="0"/>
               </a:spcBef>
@@ -7782,16 +7673,8 @@
               <a:buNone/>
             </a:pPr>
             <a:r>
-              <a:rPr b="1" lang="en" sz="1000"/>
-              <a:t>Sensor </a:t>
-            </a:r>
-            <a:r>
-              <a:rPr b="1" lang="en" sz="1000"/>
-              <a:t>Capture</a:t>
-            </a:r>
-            <a:r>
-              <a:rPr b="1" lang="en" sz="1000"/>
-              <a:t> image</a:t>
+              <a:rPr lang="en" sz="1000" b="1"/>
+              <a:t>Sensor Capture image</a:t>
             </a:r>
             <a:endParaRPr b="1"/>
           </a:p>
@@ -7810,31 +7693,31 @@
           </a:xfrm>
           <a:prstGeom prst="curvedUpArrow">
             <a:avLst>
-              <a:gd fmla="val 42595" name="adj1"/>
-              <a:gd fmla="val 254767" name="adj2"/>
-              <a:gd fmla="val 25000" name="adj3"/>
+              <a:gd name="adj1" fmla="val 42595"/>
+              <a:gd name="adj2" fmla="val 254767"/>
+              <a:gd name="adj3" fmla="val 25000"/>
             </a:avLst>
           </a:prstGeom>
           <a:solidFill>
             <a:schemeClr val="lt2"/>
           </a:solidFill>
-          <a:ln cap="flat" cmpd="sng" w="9525">
+          <a:ln w="9525" cap="flat" cmpd="sng">
             <a:solidFill>
               <a:schemeClr val="dk2"/>
             </a:solidFill>
             <a:prstDash val="solid"/>
             <a:round/>
-            <a:headEnd len="sm" w="sm" type="none"/>
-            <a:tailEnd len="sm" w="sm" type="none"/>
+            <a:headEnd type="none" w="sm" len="sm"/>
+            <a:tailEnd type="none" w="sm" len="sm"/>
           </a:ln>
         </p:spPr>
         <p:txBody>
-          <a:bodyPr anchorCtr="0" anchor="ctr" bIns="91425" lIns="91425" spcFirstLastPara="1" rIns="91425" wrap="square" tIns="91425">
+          <a:bodyPr spcFirstLastPara="1" wrap="square" lIns="91425" tIns="91425" rIns="91425" bIns="91425" anchor="ctr" anchorCtr="0">
             <a:noAutofit/>
           </a:bodyPr>
           <a:lstStyle/>
           <a:p>
-            <a:pPr indent="0" lvl="0" marL="0" rtl="0" algn="l">
+            <a:pPr marL="0" lvl="0" indent="0" algn="l" rtl="0">
               <a:spcBef>
                 <a:spcPts val="0"/>
               </a:spcBef>
@@ -7843,9 +7726,6 @@
               </a:spcAft>
               <a:buNone/>
             </a:pPr>
-            <a:r>
-              <a:t/>
-            </a:r>
             <a:endParaRPr/>
           </a:p>
         </p:txBody>
@@ -7870,12 +7750,12 @@
           </a:ln>
         </p:spPr>
         <p:txBody>
-          <a:bodyPr anchorCtr="0" anchor="ctr" bIns="91425" lIns="91425" spcFirstLastPara="1" rIns="91425" wrap="square" tIns="91425">
+          <a:bodyPr spcFirstLastPara="1" wrap="square" lIns="91425" tIns="91425" rIns="91425" bIns="91425" anchor="ctr" anchorCtr="0">
             <a:noAutofit/>
           </a:bodyPr>
           <a:lstStyle/>
           <a:p>
-            <a:pPr indent="0" lvl="0" marL="0" rtl="0" algn="l">
+            <a:pPr marL="0" lvl="0" indent="0" algn="l" rtl="0">
               <a:spcBef>
                 <a:spcPts val="0"/>
               </a:spcBef>
@@ -7885,10 +7765,10 @@
               <a:buNone/>
             </a:pPr>
             <a:r>
-              <a:rPr b="1" lang="en" sz="1000"/>
+              <a:rPr lang="en" sz="1000" b="1"/>
               <a:t>Image Processing</a:t>
             </a:r>
-            <a:endParaRPr b="1" sz="1000"/>
+            <a:endParaRPr sz="1000" b="1"/>
           </a:p>
         </p:txBody>
       </p:sp>
@@ -7905,31 +7785,31 @@
           </a:xfrm>
           <a:prstGeom prst="curvedUpArrow">
             <a:avLst>
-              <a:gd fmla="val 42595" name="adj1"/>
-              <a:gd fmla="val 254767" name="adj2"/>
-              <a:gd fmla="val 25000" name="adj3"/>
+              <a:gd name="adj1" fmla="val 42595"/>
+              <a:gd name="adj2" fmla="val 254767"/>
+              <a:gd name="adj3" fmla="val 25000"/>
             </a:avLst>
           </a:prstGeom>
           <a:solidFill>
             <a:srgbClr val="F4CCCC"/>
           </a:solidFill>
-          <a:ln cap="flat" cmpd="sng" w="9525">
+          <a:ln w="9525" cap="flat" cmpd="sng">
             <a:solidFill>
               <a:srgbClr val="FF0000"/>
             </a:solidFill>
             <a:prstDash val="solid"/>
             <a:round/>
-            <a:headEnd len="sm" w="sm" type="none"/>
-            <a:tailEnd len="sm" w="sm" type="none"/>
+            <a:headEnd type="none" w="sm" len="sm"/>
+            <a:tailEnd type="none" w="sm" len="sm"/>
           </a:ln>
         </p:spPr>
         <p:txBody>
-          <a:bodyPr anchorCtr="0" anchor="ctr" bIns="91425" lIns="91425" spcFirstLastPara="1" rIns="91425" wrap="square" tIns="91425">
+          <a:bodyPr spcFirstLastPara="1" wrap="square" lIns="91425" tIns="91425" rIns="91425" bIns="91425" anchor="ctr" anchorCtr="0">
             <a:noAutofit/>
           </a:bodyPr>
           <a:lstStyle/>
           <a:p>
-            <a:pPr indent="0" lvl="0" marL="0" rtl="0" algn="l">
+            <a:pPr marL="0" lvl="0" indent="0" algn="l" rtl="0">
               <a:spcBef>
                 <a:spcPts val="0"/>
               </a:spcBef>
@@ -7938,9 +7818,6 @@
               </a:spcAft>
               <a:buNone/>
             </a:pPr>
-            <a:r>
-              <a:t/>
-            </a:r>
             <a:endParaRPr/>
           </a:p>
         </p:txBody>
@@ -7965,12 +7842,12 @@
           </a:ln>
         </p:spPr>
         <p:txBody>
-          <a:bodyPr anchorCtr="0" anchor="ctr" bIns="91425" lIns="91425" spcFirstLastPara="1" rIns="91425" wrap="square" tIns="91425">
+          <a:bodyPr spcFirstLastPara="1" wrap="square" lIns="91425" tIns="91425" rIns="91425" bIns="91425" anchor="ctr" anchorCtr="0">
             <a:noAutofit/>
           </a:bodyPr>
           <a:lstStyle/>
           <a:p>
-            <a:pPr indent="0" lvl="0" marL="0" rtl="0" algn="l">
+            <a:pPr marL="0" lvl="0" indent="0" algn="l" rtl="0">
               <a:spcBef>
                 <a:spcPts val="0"/>
               </a:spcBef>
@@ -7980,37 +7857,21 @@
               <a:buNone/>
             </a:pPr>
             <a:r>
-              <a:rPr b="1" lang="en" sz="1000">
+              <a:rPr lang="en" sz="1000" b="1">
                 <a:solidFill>
                   <a:srgbClr val="FF0000"/>
                 </a:solidFill>
               </a:rPr>
-              <a:t>After </a:t>
+              <a:t>After 1 year, Beta Version</a:t>
             </a:r>
-            <a:r>
-              <a:rPr b="1" lang="en" sz="1000">
-                <a:solidFill>
-                  <a:srgbClr val="FF0000"/>
-                </a:solidFill>
-              </a:rPr>
-              <a:t>1 year</a:t>
-            </a:r>
-            <a:r>
-              <a:rPr b="1" lang="en" sz="1000">
-                <a:solidFill>
-                  <a:srgbClr val="FF0000"/>
-                </a:solidFill>
-              </a:rPr>
-              <a:t>, Beta Version</a:t>
-            </a:r>
-            <a:endParaRPr b="1" sz="1000">
+            <a:endParaRPr sz="1000" b="1">
               <a:solidFill>
                 <a:srgbClr val="FF0000"/>
               </a:solidFill>
             </a:endParaRPr>
           </a:p>
           <a:p>
-            <a:pPr indent="0" lvl="0" marL="0" rtl="0" algn="l">
+            <a:pPr marL="0" lvl="0" indent="0" algn="l" rtl="0">
               <a:spcBef>
                 <a:spcPts val="0"/>
               </a:spcBef>
@@ -8020,14 +7881,14 @@
               <a:buNone/>
             </a:pPr>
             <a:r>
-              <a:rPr b="1" lang="en" sz="1000">
+              <a:rPr lang="en" sz="1000" b="1">
                 <a:solidFill>
                   <a:srgbClr val="FF0000"/>
                 </a:solidFill>
               </a:rPr>
               <a:t>license Sales to SAMSUNG Display</a:t>
             </a:r>
-            <a:endParaRPr b="1" sz="1000">
+            <a:endParaRPr sz="1000" b="1">
               <a:solidFill>
                 <a:srgbClr val="FF0000"/>
               </a:solidFill>
@@ -8055,12 +7916,12 @@
           </a:ln>
         </p:spPr>
         <p:txBody>
-          <a:bodyPr anchorCtr="0" anchor="t" bIns="91425" lIns="91425" spcFirstLastPara="1" rIns="91425" wrap="square" tIns="91425">
+          <a:bodyPr spcFirstLastPara="1" wrap="square" lIns="91425" tIns="91425" rIns="91425" bIns="91425" anchor="t" anchorCtr="0">
             <a:noAutofit/>
           </a:bodyPr>
           <a:lstStyle/>
           <a:p>
-            <a:pPr indent="0" lvl="0" marL="0" rtl="0" algn="ctr">
+            <a:pPr marL="0" lvl="0" indent="0" algn="ctr" rtl="0">
               <a:spcBef>
                 <a:spcPts val="0"/>
               </a:spcBef>
@@ -8076,7 +7937,7 @@
             <a:endParaRPr sz="1000"/>
           </a:p>
           <a:p>
-            <a:pPr indent="0" lvl="0" marL="0" rtl="0" algn="ctr">
+            <a:pPr marL="0" lvl="0" indent="0" algn="ctr" rtl="0">
               <a:spcBef>
                 <a:spcPts val="0"/>
               </a:spcBef>
@@ -8113,12 +7974,12 @@
           </a:ln>
         </p:spPr>
         <p:txBody>
-          <a:bodyPr anchorCtr="0" anchor="t" bIns="91425" lIns="91425" spcFirstLastPara="1" rIns="91425" wrap="square" tIns="91425">
+          <a:bodyPr spcFirstLastPara="1" wrap="square" lIns="91425" tIns="91425" rIns="91425" bIns="91425" anchor="t" anchorCtr="0">
             <a:noAutofit/>
           </a:bodyPr>
           <a:lstStyle/>
           <a:p>
-            <a:pPr indent="0" lvl="0" marL="0" rtl="0" algn="ctr">
+            <a:pPr marL="0" lvl="0" indent="0" algn="ctr" rtl="0">
               <a:spcBef>
                 <a:spcPts val="0"/>
               </a:spcBef>
@@ -8142,7 +8003,7 @@
             </a:endParaRPr>
           </a:p>
           <a:p>
-            <a:pPr indent="0" lvl="0" marL="0" rtl="0" algn="ctr">
+            <a:pPr marL="0" lvl="0" indent="0" algn="ctr" rtl="0">
               <a:spcBef>
                 <a:spcPts val="0"/>
               </a:spcBef>
@@ -8211,12 +8072,12 @@
           </a:ln>
         </p:spPr>
         <p:txBody>
-          <a:bodyPr anchorCtr="0" anchor="t" bIns="91425" lIns="91425" spcFirstLastPara="1" rIns="91425" wrap="square" tIns="91425">
+          <a:bodyPr spcFirstLastPara="1" wrap="square" lIns="91425" tIns="91425" rIns="91425" bIns="91425" anchor="t" anchorCtr="0">
             <a:noAutofit/>
           </a:bodyPr>
           <a:lstStyle/>
           <a:p>
-            <a:pPr indent="0" lvl="0" marL="0" rtl="0" algn="ctr">
+            <a:pPr marL="0" lvl="0" indent="0" algn="ctr" rtl="0">
               <a:spcBef>
                 <a:spcPts val="0"/>
               </a:spcBef>
@@ -8232,7 +8093,7 @@
             <a:endParaRPr sz="1000"/>
           </a:p>
           <a:p>
-            <a:pPr indent="0" lvl="0" marL="0" rtl="0" algn="ctr">
+            <a:pPr marL="0" lvl="0" indent="0" algn="ctr" rtl="0">
               <a:spcBef>
                 <a:spcPts val="0"/>
               </a:spcBef>
@@ -8262,27 +8123,27 @@
           </a:xfrm>
           <a:prstGeom prst="roundRect">
             <a:avLst>
-              <a:gd fmla="val 8212" name="adj"/>
+              <a:gd name="adj" fmla="val 8212"/>
             </a:avLst>
           </a:prstGeom>
           <a:noFill/>
-          <a:ln cap="flat" cmpd="sng" w="28575">
+          <a:ln w="28575" cap="flat" cmpd="sng">
             <a:solidFill>
               <a:srgbClr val="00FF00"/>
             </a:solidFill>
             <a:prstDash val="solid"/>
             <a:round/>
-            <a:headEnd len="sm" w="sm" type="none"/>
-            <a:tailEnd len="sm" w="sm" type="none"/>
+            <a:headEnd type="none" w="sm" len="sm"/>
+            <a:tailEnd type="none" w="sm" len="sm"/>
           </a:ln>
         </p:spPr>
         <p:txBody>
-          <a:bodyPr anchorCtr="0" anchor="ctr" bIns="91425" lIns="91425" spcFirstLastPara="1" rIns="91425" wrap="square" tIns="91425">
+          <a:bodyPr spcFirstLastPara="1" wrap="square" lIns="91425" tIns="91425" rIns="91425" bIns="91425" anchor="ctr" anchorCtr="0">
             <a:noAutofit/>
           </a:bodyPr>
           <a:lstStyle/>
           <a:p>
-            <a:pPr indent="0" lvl="0" marL="0" rtl="0" algn="l">
+            <a:pPr marL="0" lvl="0" indent="0" algn="l" rtl="0">
               <a:spcBef>
                 <a:spcPts val="0"/>
               </a:spcBef>
@@ -8291,9 +8152,6 @@
               </a:spcAft>
               <a:buNone/>
             </a:pPr>
-            <a:r>
-              <a:t/>
-            </a:r>
             <a:endParaRPr/>
           </a:p>
         </p:txBody>
@@ -8318,12 +8176,12 @@
           </a:ln>
         </p:spPr>
         <p:txBody>
-          <a:bodyPr anchorCtr="0" anchor="ctr" bIns="91425" lIns="91425" spcFirstLastPara="1" rIns="91425" wrap="square" tIns="91425">
+          <a:bodyPr spcFirstLastPara="1" wrap="square" lIns="91425" tIns="91425" rIns="91425" bIns="91425" anchor="ctr" anchorCtr="0">
             <a:noAutofit/>
           </a:bodyPr>
           <a:lstStyle/>
           <a:p>
-            <a:pPr indent="0" lvl="0" marL="0" rtl="0" algn="l">
+            <a:pPr marL="0" lvl="0" indent="0" algn="l" rtl="0">
               <a:spcBef>
                 <a:spcPts val="0"/>
               </a:spcBef>
@@ -8333,21 +8191,21 @@
               <a:buNone/>
             </a:pPr>
             <a:r>
-              <a:rPr lang="en" sz="1000">
+              <a:rPr lang="en" sz="1000" dirty="0">
                 <a:solidFill>
                   <a:schemeClr val="dk1"/>
                 </a:solidFill>
               </a:rPr>
               <a:t>It is a Camera Integrated Display Technology.</a:t>
             </a:r>
-            <a:endParaRPr sz="1000">
+            <a:endParaRPr sz="1000" dirty="0">
               <a:solidFill>
                 <a:schemeClr val="dk1"/>
               </a:solidFill>
             </a:endParaRPr>
           </a:p>
           <a:p>
-            <a:pPr indent="0" lvl="0" marL="0" rtl="0" algn="l">
+            <a:pPr marL="0" lvl="0" indent="0" algn="l" rtl="0">
               <a:spcBef>
                 <a:spcPts val="0"/>
               </a:spcBef>
@@ -8357,21 +8215,21 @@
               <a:buNone/>
             </a:pPr>
             <a:r>
-              <a:rPr lang="en" sz="1000">
+              <a:rPr lang="en" sz="1000" dirty="0">
                 <a:solidFill>
                   <a:schemeClr val="dk1"/>
                 </a:solidFill>
               </a:rPr>
               <a:t>Fundamentally, this solution supports bezel less display design. In the teleconference, this solution supports an experience that the remote user's eyes and the viewer's eyes match. When user take a selfie, it provides a mirror effect.</a:t>
             </a:r>
-            <a:endParaRPr sz="1000">
+            <a:endParaRPr sz="1000" dirty="0">
               <a:solidFill>
                 <a:schemeClr val="dk1"/>
               </a:solidFill>
             </a:endParaRPr>
           </a:p>
           <a:p>
-            <a:pPr indent="0" lvl="0" marL="0" rtl="0" algn="l">
+            <a:pPr marL="0" lvl="0" indent="0" algn="l" rtl="0">
               <a:spcBef>
                 <a:spcPts val="0"/>
               </a:spcBef>
@@ -8381,21 +8239,21 @@
               <a:buNone/>
             </a:pPr>
             <a:r>
-              <a:rPr lang="en" sz="1000">
+              <a:rPr lang="en" sz="1000" dirty="0">
                 <a:solidFill>
                   <a:schemeClr val="dk1"/>
                 </a:solidFill>
               </a:rPr>
               <a:t>OLED Display Market value is expected $121 billion. </a:t>
             </a:r>
-            <a:endParaRPr sz="1000">
+            <a:endParaRPr sz="1000" dirty="0">
               <a:solidFill>
                 <a:schemeClr val="dk1"/>
               </a:solidFill>
             </a:endParaRPr>
           </a:p>
           <a:p>
-            <a:pPr indent="0" lvl="0" marL="0" rtl="0" algn="l">
+            <a:pPr marL="0" lvl="0" indent="0" algn="l" rtl="0">
               <a:spcBef>
                 <a:spcPts val="0"/>
               </a:spcBef>
@@ -8405,21 +8263,21 @@
               <a:buNone/>
             </a:pPr>
             <a:r>
-              <a:rPr lang="en" sz="1000">
+              <a:rPr lang="en" sz="1000" dirty="0">
                 <a:solidFill>
                   <a:schemeClr val="dk1"/>
                 </a:solidFill>
               </a:rPr>
               <a:t>After 1 year, my team will sale patent license to SAMSUNG Electronics and SAMSUNG Display. In near future, my team will make product and device sale to the $121 billion values market.</a:t>
             </a:r>
-            <a:endParaRPr sz="1000">
+            <a:endParaRPr sz="1000" dirty="0">
               <a:solidFill>
                 <a:schemeClr val="dk1"/>
               </a:solidFill>
             </a:endParaRPr>
           </a:p>
           <a:p>
-            <a:pPr indent="0" lvl="0" marL="0" rtl="0" algn="l">
+            <a:pPr marL="0" lvl="0" indent="0" algn="l" rtl="0">
               <a:spcBef>
                 <a:spcPts val="0"/>
               </a:spcBef>
@@ -8429,7 +8287,7 @@
               <a:buNone/>
             </a:pPr>
             <a:r>
-              <a:rPr lang="en" sz="1000">
+              <a:rPr lang="en" sz="1000" dirty="0">
                 <a:solidFill>
                   <a:schemeClr val="dk1"/>
                 </a:solidFill>
@@ -8437,7 +8295,7 @@
               <a:t>(Contact: </a:t>
             </a:r>
             <a:r>
-              <a:rPr lang="en" sz="1000" u="sng">
+              <a:rPr lang="en" sz="1000" u="sng" dirty="0">
                 <a:solidFill>
                   <a:schemeClr val="hlink"/>
                 </a:solidFill>
@@ -8446,7 +8304,7 @@
               <a:t>ryuseun@gmail.com</a:t>
             </a:r>
             <a:r>
-              <a:rPr lang="en" sz="1000">
+              <a:rPr lang="en" sz="1000" dirty="0">
                 <a:solidFill>
                   <a:schemeClr val="dk1"/>
                 </a:solidFill>
@@ -8454,7 +8312,7 @@
               <a:t>, Video:  </a:t>
             </a:r>
             <a:r>
-              <a:rPr lang="en" sz="1000" u="sng">
+              <a:rPr lang="en" sz="1000" u="sng" dirty="0">
                 <a:solidFill>
                   <a:schemeClr val="hlink"/>
                 </a:solidFill>
@@ -8463,584 +8321,14 @@
               <a:t>https://youtu.be/-coCBRwK7zA</a:t>
             </a:r>
             <a:r>
-              <a:rPr lang="en" sz="1000">
+              <a:rPr lang="en" sz="1000" dirty="0">
                 <a:solidFill>
                   <a:schemeClr val="dk1"/>
                 </a:solidFill>
               </a:rPr>
               <a:t>)</a:t>
             </a:r>
-            <a:endParaRPr sz="1000">
-              <a:solidFill>
-                <a:schemeClr val="dk1"/>
-              </a:solidFill>
-            </a:endParaRPr>
-          </a:p>
-        </p:txBody>
-      </p:sp>
-    </p:spTree>
-  </p:cSld>
-  <p:clrMapOvr>
-    <a:masterClrMapping/>
-  </p:clrMapOvr>
-</p:sld>
-</file>
-
-<file path=ppt/slides/slide2.xml><?xml version="1.0" encoding="utf-8"?>
-<p:sld xmlns:a="http://schemas.openxmlformats.org/drawingml/2006/main" xmlns:r="http://schemas.openxmlformats.org/officeDocument/2006/relationships" xmlns:mc="http://schemas.openxmlformats.org/markup-compatibility/2006" xmlns:mv="urn:schemas-microsoft-com:mac:vml" xmlns:p="http://schemas.openxmlformats.org/presentationml/2006/main" xmlns:c="http://schemas.openxmlformats.org/drawingml/2006/chart" xmlns:dgm="http://schemas.openxmlformats.org/drawingml/2006/diagram" xmlns:o="urn:schemas-microsoft-com:office:office" xmlns:v="urn:schemas-microsoft-com:vml" xmlns:pvml="urn:schemas-microsoft-com:office:powerpoint" xmlns:com="http://schemas.openxmlformats.org/drawingml/2006/compatibility" xmlns:p14="http://schemas.microsoft.com/office/powerpoint/2010/main" xmlns:p15="http://schemas.microsoft.com/office/powerpoint/2012/main">
-  <p:cSld>
-    <p:spTree>
-      <p:nvGrpSpPr>
-        <p:cNvPr id="82" name="Shape 82"/>
-        <p:cNvGrpSpPr/>
-        <p:nvPr/>
-      </p:nvGrpSpPr>
-      <p:grpSpPr>
-        <a:xfrm>
-          <a:off x="0" y="0"/>
-          <a:ext cx="0" cy="0"/>
-          <a:chOff x="0" y="0"/>
-          <a:chExt cx="0" cy="0"/>
-        </a:xfrm>
-      </p:grpSpPr>
-      <p:pic>
-        <p:nvPicPr>
-          <p:cNvPr id="83" name="Google Shape;83;p14"/>
-          <p:cNvPicPr preferRelativeResize="0"/>
-          <p:nvPr/>
-        </p:nvPicPr>
-        <p:blipFill>
-          <a:blip r:embed="rId3">
-            <a:alphaModFix/>
-          </a:blip>
-          <a:stretch>
-            <a:fillRect/>
-          </a:stretch>
-        </p:blipFill>
-        <p:spPr>
-          <a:xfrm>
-            <a:off x="7607938" y="3151292"/>
-            <a:ext cx="2781283" cy="778250"/>
-          </a:xfrm>
-          <a:prstGeom prst="rect">
-            <a:avLst/>
-          </a:prstGeom>
-          <a:noFill/>
-          <a:ln>
-            <a:noFill/>
-          </a:ln>
-        </p:spPr>
-      </p:pic>
-      <p:sp>
-        <p:nvSpPr>
-          <p:cNvPr id="84" name="Google Shape;84;p14"/>
-          <p:cNvSpPr txBox="1"/>
-          <p:nvPr/>
-        </p:nvSpPr>
-        <p:spPr>
-          <a:xfrm>
-            <a:off x="7607975" y="3981675"/>
-            <a:ext cx="2781300" cy="243000"/>
-          </a:xfrm>
-          <a:prstGeom prst="rect">
-            <a:avLst/>
-          </a:prstGeom>
-          <a:noFill/>
-          <a:ln>
-            <a:noFill/>
-          </a:ln>
-        </p:spPr>
-        <p:txBody>
-          <a:bodyPr anchorCtr="0" anchor="ctr" bIns="91425" lIns="91425" spcFirstLastPara="1" rIns="91425" wrap="square" tIns="91425">
-            <a:noAutofit/>
-          </a:bodyPr>
-          <a:lstStyle/>
-          <a:p>
-            <a:pPr indent="0" lvl="0" marL="0" rtl="0" algn="ctr">
-              <a:spcBef>
-                <a:spcPts val="0"/>
-              </a:spcBef>
-              <a:spcAft>
-                <a:spcPts val="0"/>
-              </a:spcAft>
-              <a:buNone/>
-            </a:pPr>
-            <a:r>
-              <a:rPr lang="en" sz="1000">
-                <a:solidFill>
-                  <a:schemeClr val="dk1"/>
-                </a:solidFill>
-              </a:rPr>
-              <a:t>Optimized Lensless Mask Pattern Design</a:t>
-            </a:r>
-            <a:endParaRPr sz="1000"/>
-          </a:p>
-        </p:txBody>
-      </p:sp>
-      <p:sp>
-        <p:nvSpPr>
-          <p:cNvPr id="85" name="Google Shape;85;p14"/>
-          <p:cNvSpPr txBox="1"/>
-          <p:nvPr/>
-        </p:nvSpPr>
-        <p:spPr>
-          <a:xfrm>
-            <a:off x="0" y="0"/>
-            <a:ext cx="2551500" cy="418500"/>
-          </a:xfrm>
-          <a:prstGeom prst="rect">
-            <a:avLst/>
-          </a:prstGeom>
-          <a:noFill/>
-          <a:ln>
-            <a:noFill/>
-          </a:ln>
-        </p:spPr>
-        <p:txBody>
-          <a:bodyPr anchorCtr="0" anchor="t" bIns="91425" lIns="91425" spcFirstLastPara="1" rIns="91425" wrap="square" tIns="91425">
-            <a:noAutofit/>
-          </a:bodyPr>
-          <a:lstStyle/>
-          <a:p>
-            <a:pPr indent="0" lvl="0" marL="0" rtl="0" algn="l">
-              <a:spcBef>
-                <a:spcPts val="0"/>
-              </a:spcBef>
-              <a:spcAft>
-                <a:spcPts val="0"/>
-              </a:spcAft>
-              <a:buNone/>
-            </a:pPr>
-            <a:r>
-              <a:rPr lang="en" sz="1000">
-                <a:solidFill>
-                  <a:srgbClr val="167AC6"/>
-                </a:solidFill>
-                <a:highlight>
-                  <a:srgbClr val="FFFFFF"/>
-                </a:highlight>
-                <a:uFill>
-                  <a:noFill/>
-                </a:uFill>
-                <a:latin typeface="Roboto"/>
-                <a:ea typeface="Roboto"/>
-                <a:cs typeface="Roboto"/>
-                <a:sym typeface="Roboto"/>
-                <a:hlinkClick r:id="rId4"/>
-              </a:rPr>
-              <a:t>https://youtu.be/-coCBRwK7zA</a:t>
-            </a:r>
-            <a:endParaRPr/>
-          </a:p>
-        </p:txBody>
-      </p:sp>
-      <p:pic>
-        <p:nvPicPr>
-          <p:cNvPr id="86" name="Google Shape;86;p14"/>
-          <p:cNvPicPr preferRelativeResize="0"/>
-          <p:nvPr/>
-        </p:nvPicPr>
-        <p:blipFill>
-          <a:blip r:embed="rId5">
-            <a:alphaModFix/>
-          </a:blip>
-          <a:stretch>
-            <a:fillRect/>
-          </a:stretch>
-        </p:blipFill>
-        <p:spPr>
-          <a:xfrm>
-            <a:off x="366025" y="1321914"/>
-            <a:ext cx="2745426" cy="1449575"/>
-          </a:xfrm>
-          <a:prstGeom prst="rect">
-            <a:avLst/>
-          </a:prstGeom>
-          <a:noFill/>
-          <a:ln>
-            <a:noFill/>
-          </a:ln>
-        </p:spPr>
-      </p:pic>
-      <p:sp>
-        <p:nvSpPr>
-          <p:cNvPr id="87" name="Google Shape;87;p14"/>
-          <p:cNvSpPr txBox="1"/>
-          <p:nvPr/>
-        </p:nvSpPr>
-        <p:spPr>
-          <a:xfrm>
-            <a:off x="594625" y="2771488"/>
-            <a:ext cx="2168100" cy="379800"/>
-          </a:xfrm>
-          <a:prstGeom prst="rect">
-            <a:avLst/>
-          </a:prstGeom>
-          <a:noFill/>
-          <a:ln>
-            <a:noFill/>
-          </a:ln>
-        </p:spPr>
-        <p:txBody>
-          <a:bodyPr anchorCtr="0" anchor="ctr" bIns="91425" lIns="91425" spcFirstLastPara="1" rIns="91425" wrap="square" tIns="91425">
-            <a:noAutofit/>
-          </a:bodyPr>
-          <a:lstStyle/>
-          <a:p>
-            <a:pPr indent="0" lvl="0" marL="0" rtl="0" algn="ctr">
-              <a:spcBef>
-                <a:spcPts val="0"/>
-              </a:spcBef>
-              <a:spcAft>
-                <a:spcPts val="0"/>
-              </a:spcAft>
-              <a:buNone/>
-            </a:pPr>
-            <a:r>
-              <a:rPr b="1" lang="en" sz="1000"/>
-              <a:t>OLED Display Market</a:t>
-            </a:r>
-            <a:endParaRPr b="1" sz="1000"/>
-          </a:p>
-          <a:p>
-            <a:pPr indent="0" lvl="0" marL="0" rtl="0" algn="ctr">
-              <a:spcBef>
-                <a:spcPts val="0"/>
-              </a:spcBef>
-              <a:spcAft>
-                <a:spcPts val="0"/>
-              </a:spcAft>
-              <a:buNone/>
-            </a:pPr>
-            <a:r>
-              <a:rPr b="1" lang="en" sz="1000"/>
-              <a:t>(Market Research Future)</a:t>
-            </a:r>
-            <a:endParaRPr b="1" sz="1000"/>
-          </a:p>
-        </p:txBody>
-      </p:sp>
-      <p:sp>
-        <p:nvSpPr>
-          <p:cNvPr id="88" name="Google Shape;88;p14"/>
-          <p:cNvSpPr txBox="1"/>
-          <p:nvPr/>
-        </p:nvSpPr>
-        <p:spPr>
-          <a:xfrm>
-            <a:off x="3039013" y="4796733"/>
-            <a:ext cx="4350600" cy="1910400"/>
-          </a:xfrm>
-          <a:prstGeom prst="rect">
-            <a:avLst/>
-          </a:prstGeom>
-          <a:noFill/>
-          <a:ln>
-            <a:noFill/>
-          </a:ln>
-        </p:spPr>
-        <p:txBody>
-          <a:bodyPr anchorCtr="0" anchor="t" bIns="91425" lIns="91425" spcFirstLastPara="1" rIns="91425" wrap="square" tIns="91425">
-            <a:noAutofit/>
-          </a:bodyPr>
-          <a:lstStyle/>
-          <a:p>
-            <a:pPr indent="0" lvl="0" marL="0" rtl="0" algn="l">
-              <a:spcBef>
-                <a:spcPts val="0"/>
-              </a:spcBef>
-              <a:spcAft>
-                <a:spcPts val="0"/>
-              </a:spcAft>
-              <a:buNone/>
-            </a:pPr>
-            <a:r>
-              <a:rPr lang="en" sz="1000">
-                <a:solidFill>
-                  <a:schemeClr val="dk1"/>
-                </a:solidFill>
-              </a:rPr>
-              <a:t>Team Leader "Seun Ryu"</a:t>
-            </a:r>
-            <a:endParaRPr sz="1000">
-              <a:solidFill>
-                <a:schemeClr val="dk1"/>
-              </a:solidFill>
-            </a:endParaRPr>
-          </a:p>
-          <a:p>
-            <a:pPr indent="0" lvl="0" marL="0" rtl="0" algn="l">
-              <a:spcBef>
-                <a:spcPts val="0"/>
-              </a:spcBef>
-              <a:spcAft>
-                <a:spcPts val="0"/>
-              </a:spcAft>
-              <a:buNone/>
-            </a:pPr>
-            <a:r>
-              <a:rPr lang="en" sz="1000">
-                <a:solidFill>
-                  <a:schemeClr val="dk1"/>
-                </a:solidFill>
-              </a:rPr>
-              <a:t>It is a Camera Integrated Display Technology.</a:t>
-            </a:r>
-            <a:endParaRPr sz="1000">
-              <a:solidFill>
-                <a:schemeClr val="dk1"/>
-              </a:solidFill>
-            </a:endParaRPr>
-          </a:p>
-          <a:p>
-            <a:pPr indent="0" lvl="0" marL="0" rtl="0" algn="l">
-              <a:spcBef>
-                <a:spcPts val="0"/>
-              </a:spcBef>
-              <a:spcAft>
-                <a:spcPts val="0"/>
-              </a:spcAft>
-              <a:buNone/>
-            </a:pPr>
-            <a:r>
-              <a:rPr lang="en" sz="1000">
-                <a:solidFill>
-                  <a:schemeClr val="dk1"/>
-                </a:solidFill>
-              </a:rPr>
-              <a:t>Fundamentally, this solution supports bezel less display design.</a:t>
-            </a:r>
-            <a:endParaRPr sz="1000">
-              <a:solidFill>
-                <a:schemeClr val="dk1"/>
-              </a:solidFill>
-            </a:endParaRPr>
-          </a:p>
-          <a:p>
-            <a:pPr indent="0" lvl="0" marL="0" rtl="0" algn="l">
-              <a:spcBef>
-                <a:spcPts val="0"/>
-              </a:spcBef>
-              <a:spcAft>
-                <a:spcPts val="0"/>
-              </a:spcAft>
-              <a:buNone/>
-            </a:pPr>
-            <a:r>
-              <a:rPr lang="en" sz="1000">
-                <a:solidFill>
-                  <a:schemeClr val="dk1"/>
-                </a:solidFill>
-              </a:rPr>
-              <a:t>In the teleconference, this solution supports an experience that the remote user's eyes and the viewer's eyes match.</a:t>
-            </a:r>
-            <a:endParaRPr sz="1000">
-              <a:solidFill>
-                <a:schemeClr val="dk1"/>
-              </a:solidFill>
-            </a:endParaRPr>
-          </a:p>
-          <a:p>
-            <a:pPr indent="0" lvl="0" marL="0" rtl="0" algn="l">
-              <a:spcBef>
-                <a:spcPts val="0"/>
-              </a:spcBef>
-              <a:spcAft>
-                <a:spcPts val="0"/>
-              </a:spcAft>
-              <a:buNone/>
-            </a:pPr>
-            <a:r>
-              <a:rPr lang="en" sz="1000">
-                <a:solidFill>
-                  <a:schemeClr val="dk1"/>
-                </a:solidFill>
-              </a:rPr>
-              <a:t>When user take a selfie, it provides a mirror effect.</a:t>
-            </a:r>
-            <a:endParaRPr sz="1000">
-              <a:solidFill>
-                <a:schemeClr val="dk1"/>
-              </a:solidFill>
-            </a:endParaRPr>
-          </a:p>
-          <a:p>
-            <a:pPr indent="0" lvl="0" marL="0" rtl="0" algn="l">
-              <a:spcBef>
-                <a:spcPts val="0"/>
-              </a:spcBef>
-              <a:spcAft>
-                <a:spcPts val="0"/>
-              </a:spcAft>
-              <a:buNone/>
-            </a:pPr>
-            <a:r>
-              <a:t/>
-            </a:r>
-            <a:endParaRPr sz="1000">
-              <a:solidFill>
-                <a:schemeClr val="dk1"/>
-              </a:solidFill>
-            </a:endParaRPr>
-          </a:p>
-          <a:p>
-            <a:pPr indent="0" lvl="0" marL="0" rtl="0" algn="l">
-              <a:spcBef>
-                <a:spcPts val="0"/>
-              </a:spcBef>
-              <a:spcAft>
-                <a:spcPts val="0"/>
-              </a:spcAft>
-              <a:buNone/>
-            </a:pPr>
-            <a:r>
-              <a:rPr lang="en" sz="1000">
-                <a:solidFill>
-                  <a:schemeClr val="dk1"/>
-                </a:solidFill>
-              </a:rPr>
-              <a:t>OLED Display Market value is expected $121 billion. </a:t>
-            </a:r>
-            <a:endParaRPr sz="1000">
-              <a:solidFill>
-                <a:schemeClr val="dk1"/>
-              </a:solidFill>
-            </a:endParaRPr>
-          </a:p>
-          <a:p>
-            <a:pPr indent="0" lvl="0" marL="0" rtl="0" algn="l">
-              <a:spcBef>
-                <a:spcPts val="0"/>
-              </a:spcBef>
-              <a:spcAft>
-                <a:spcPts val="0"/>
-              </a:spcAft>
-              <a:buNone/>
-            </a:pPr>
-            <a:r>
-              <a:rPr lang="en" sz="1000">
-                <a:solidFill>
-                  <a:schemeClr val="dk1"/>
-                </a:solidFill>
-              </a:rPr>
-              <a:t>After 1 year, my team will sale patent license to SAMSUNG Electronics and SAMSUNG Display. In near future, my team will make product and device sale to the $121 billion values market.</a:t>
-            </a:r>
-            <a:endParaRPr sz="1000">
-              <a:solidFill>
-                <a:schemeClr val="dk1"/>
-              </a:solidFill>
-            </a:endParaRPr>
-          </a:p>
-          <a:p>
-            <a:pPr indent="0" lvl="0" marL="0" rtl="0" algn="l">
-              <a:spcBef>
-                <a:spcPts val="0"/>
-              </a:spcBef>
-              <a:spcAft>
-                <a:spcPts val="0"/>
-              </a:spcAft>
-              <a:buNone/>
-            </a:pPr>
-            <a:r>
-              <a:t/>
-            </a:r>
-            <a:endParaRPr sz="1000">
-              <a:solidFill>
-                <a:schemeClr val="dk1"/>
-              </a:solidFill>
-            </a:endParaRPr>
-          </a:p>
-          <a:p>
-            <a:pPr indent="0" lvl="0" marL="0" rtl="0" algn="l">
-              <a:spcBef>
-                <a:spcPts val="0"/>
-              </a:spcBef>
-              <a:spcAft>
-                <a:spcPts val="0"/>
-              </a:spcAft>
-              <a:buNone/>
-            </a:pPr>
-            <a:r>
-              <a:t/>
-            </a:r>
-            <a:endParaRPr sz="1000">
-              <a:solidFill>
-                <a:schemeClr val="dk1"/>
-              </a:solidFill>
-            </a:endParaRPr>
-          </a:p>
-          <a:p>
-            <a:pPr indent="0" lvl="0" marL="0" rtl="0" algn="l">
-              <a:spcBef>
-                <a:spcPts val="0"/>
-              </a:spcBef>
-              <a:spcAft>
-                <a:spcPts val="0"/>
-              </a:spcAft>
-              <a:buNone/>
-            </a:pPr>
-            <a:r>
-              <a:t/>
-            </a:r>
-            <a:endParaRPr sz="1000">
-              <a:solidFill>
-                <a:schemeClr val="dk1"/>
-              </a:solidFill>
-            </a:endParaRPr>
-          </a:p>
-          <a:p>
-            <a:pPr indent="0" lvl="0" marL="0" rtl="0" algn="l">
-              <a:spcBef>
-                <a:spcPts val="0"/>
-              </a:spcBef>
-              <a:spcAft>
-                <a:spcPts val="0"/>
-              </a:spcAft>
-              <a:buNone/>
-            </a:pPr>
-            <a:r>
-              <a:rPr lang="en" sz="1000">
-                <a:solidFill>
-                  <a:schemeClr val="dk1"/>
-                </a:solidFill>
-              </a:rPr>
-              <a:t>(Contact: </a:t>
-            </a:r>
-            <a:r>
-              <a:rPr lang="en" sz="1000" u="sng">
-                <a:solidFill>
-                  <a:schemeClr val="hlink"/>
-                </a:solidFill>
-                <a:hlinkClick r:id="rId6"/>
-              </a:rPr>
-              <a:t>ryuseun@gmail.com</a:t>
-            </a:r>
-            <a:r>
-              <a:rPr lang="en" sz="1000">
-                <a:solidFill>
-                  <a:schemeClr val="dk1"/>
-                </a:solidFill>
-              </a:rPr>
-              <a:t>, Video:  </a:t>
-            </a:r>
-            <a:r>
-              <a:rPr lang="en" sz="1000" u="sng">
-                <a:solidFill>
-                  <a:schemeClr val="hlink"/>
-                </a:solidFill>
-                <a:hlinkClick r:id="rId7"/>
-              </a:rPr>
-              <a:t>https://youtu.be/-coCBRwK7zA</a:t>
-            </a:r>
-            <a:r>
-              <a:rPr lang="en" sz="1000">
-                <a:solidFill>
-                  <a:schemeClr val="dk1"/>
-                </a:solidFill>
-              </a:rPr>
-              <a:t>)</a:t>
-            </a:r>
-            <a:endParaRPr sz="1000">
+            <a:endParaRPr sz="1000" dirty="0">
               <a:solidFill>
                 <a:schemeClr val="dk1"/>
               </a:solidFill>
@@ -9057,7 +8345,7 @@
 </file>
 
 <file path=ppt/theme/theme1.xml><?xml version="1.0" encoding="utf-8"?>
-<a:theme xmlns:a="http://schemas.openxmlformats.org/drawingml/2006/main" xmlns:r="http://schemas.openxmlformats.org/officeDocument/2006/relationships" name="Simple Light">
+<a:theme xmlns:a="http://schemas.openxmlformats.org/drawingml/2006/main" name="Simple Light">
   <a:themeElements>
     <a:clrScheme name="Simple Light">
       <a:dk1>
@@ -9332,11 +8620,13 @@
       </a:bgFillStyleLst>
     </a:fmtScheme>
   </a:themeElements>
+  <a:objectDefaults/>
+  <a:extraClrSchemeLst/>
 </a:theme>
 </file>
 
 <file path=ppt/theme/theme2.xml><?xml version="1.0" encoding="utf-8"?>
-<a:theme xmlns:a="http://schemas.openxmlformats.org/drawingml/2006/main" xmlns:r="http://schemas.openxmlformats.org/officeDocument/2006/relationships">
+<a:theme xmlns:a="http://schemas.openxmlformats.org/drawingml/2006/main">
   <a:themeElements>
     <a:clrScheme name="Default">
       <a:dk1>
@@ -9611,5 +8901,7 @@
       </a:bgFillStyleLst>
     </a:fmtScheme>
   </a:themeElements>
+  <a:objectDefaults/>
+  <a:extraClrSchemeLst/>
 </a:theme>
 </file>